--- a/papers/2016-ICSR-ModulesExtraction/images/domains.pptx
+++ b/papers/2016-ICSR-ModulesExtraction/images/domains.pptx
@@ -201,7 +201,7 @@
           <a:p>
             <a:fld id="{24AFE135-3210-A348-91D1-71A1B4E41AE3}" type="datetimeFigureOut">
               <a:rPr lang="fr-FR" smtClean="0"/>
-              <a:t>18/11/2015</a:t>
+              <a:t>20/11/2015</a:t>
             </a:fld>
             <a:endParaRPr lang="fr-FR"/>
           </a:p>
@@ -1238,7 +1238,7 @@
           <a:p>
             <a:fld id="{7B69463B-0436-3A47-840E-B5853DA20947}" type="datetimeFigureOut">
               <a:rPr lang="fr-FR" smtClean="0"/>
-              <a:t>18/11/2015</a:t>
+              <a:t>20/11/2015</a:t>
             </a:fld>
             <a:endParaRPr lang="fr-FR"/>
           </a:p>
@@ -1408,7 +1408,7 @@
           <a:p>
             <a:fld id="{7B69463B-0436-3A47-840E-B5853DA20947}" type="datetimeFigureOut">
               <a:rPr lang="fr-FR" smtClean="0"/>
-              <a:t>18/11/2015</a:t>
+              <a:t>20/11/2015</a:t>
             </a:fld>
             <a:endParaRPr lang="fr-FR"/>
           </a:p>
@@ -1588,7 +1588,7 @@
           <a:p>
             <a:fld id="{7B69463B-0436-3A47-840E-B5853DA20947}" type="datetimeFigureOut">
               <a:rPr lang="fr-FR" smtClean="0"/>
-              <a:t>18/11/2015</a:t>
+              <a:t>20/11/2015</a:t>
             </a:fld>
             <a:endParaRPr lang="fr-FR"/>
           </a:p>
@@ -1758,7 +1758,7 @@
           <a:p>
             <a:fld id="{7B69463B-0436-3A47-840E-B5853DA20947}" type="datetimeFigureOut">
               <a:rPr lang="fr-FR" smtClean="0"/>
-              <a:t>18/11/2015</a:t>
+              <a:t>20/11/2015</a:t>
             </a:fld>
             <a:endParaRPr lang="fr-FR"/>
           </a:p>
@@ -2004,7 +2004,7 @@
           <a:p>
             <a:fld id="{7B69463B-0436-3A47-840E-B5853DA20947}" type="datetimeFigureOut">
               <a:rPr lang="fr-FR" smtClean="0"/>
-              <a:t>18/11/2015</a:t>
+              <a:t>20/11/2015</a:t>
             </a:fld>
             <a:endParaRPr lang="fr-FR"/>
           </a:p>
@@ -2292,7 +2292,7 @@
           <a:p>
             <a:fld id="{7B69463B-0436-3A47-840E-B5853DA20947}" type="datetimeFigureOut">
               <a:rPr lang="fr-FR" smtClean="0"/>
-              <a:t>18/11/2015</a:t>
+              <a:t>20/11/2015</a:t>
             </a:fld>
             <a:endParaRPr lang="fr-FR"/>
           </a:p>
@@ -2714,7 +2714,7 @@
           <a:p>
             <a:fld id="{7B69463B-0436-3A47-840E-B5853DA20947}" type="datetimeFigureOut">
               <a:rPr lang="fr-FR" smtClean="0"/>
-              <a:t>18/11/2015</a:t>
+              <a:t>20/11/2015</a:t>
             </a:fld>
             <a:endParaRPr lang="fr-FR"/>
           </a:p>
@@ -2832,7 +2832,7 @@
           <a:p>
             <a:fld id="{7B69463B-0436-3A47-840E-B5853DA20947}" type="datetimeFigureOut">
               <a:rPr lang="fr-FR" smtClean="0"/>
-              <a:t>18/11/2015</a:t>
+              <a:t>20/11/2015</a:t>
             </a:fld>
             <a:endParaRPr lang="fr-FR"/>
           </a:p>
@@ -2927,7 +2927,7 @@
           <a:p>
             <a:fld id="{7B69463B-0436-3A47-840E-B5853DA20947}" type="datetimeFigureOut">
               <a:rPr lang="fr-FR" smtClean="0"/>
-              <a:t>18/11/2015</a:t>
+              <a:t>20/11/2015</a:t>
             </a:fld>
             <a:endParaRPr lang="fr-FR"/>
           </a:p>
@@ -3204,7 +3204,7 @@
           <a:p>
             <a:fld id="{7B69463B-0436-3A47-840E-B5853DA20947}" type="datetimeFigureOut">
               <a:rPr lang="fr-FR" smtClean="0"/>
-              <a:t>18/11/2015</a:t>
+              <a:t>20/11/2015</a:t>
             </a:fld>
             <a:endParaRPr lang="fr-FR"/>
           </a:p>
@@ -3457,7 +3457,7 @@
           <a:p>
             <a:fld id="{7B69463B-0436-3A47-840E-B5853DA20947}" type="datetimeFigureOut">
               <a:rPr lang="fr-FR" smtClean="0"/>
-              <a:t>18/11/2015</a:t>
+              <a:t>20/11/2015</a:t>
             </a:fld>
             <a:endParaRPr lang="fr-FR"/>
           </a:p>
@@ -3670,7 +3670,7 @@
           <a:p>
             <a:fld id="{7B69463B-0436-3A47-840E-B5853DA20947}" type="datetimeFigureOut">
               <a:rPr lang="fr-FR" smtClean="0"/>
-              <a:t>18/11/2015</a:t>
+              <a:t>20/11/2015</a:t>
             </a:fld>
             <a:endParaRPr lang="fr-FR"/>
           </a:p>
@@ -5645,13 +5645,193 @@
       </p:grpSpPr>
       <p:sp>
         <p:nvSpPr>
+          <p:cNvPr id="143" name="ZoneTexte 142"/>
+          <p:cNvSpPr txBox="1"/>
+          <p:nvPr/>
+        </p:nvSpPr>
+        <p:spPr>
+          <a:xfrm>
+            <a:off x="638270" y="5868252"/>
+            <a:ext cx="1932585" cy="584776"/>
+          </a:xfrm>
+          <a:prstGeom prst="rect">
+            <a:avLst/>
+          </a:prstGeom>
+          <a:noFill/>
+        </p:spPr>
+        <p:txBody>
+          <a:bodyPr wrap="square" rtlCol="0">
+            <a:spAutoFit/>
+          </a:bodyPr>
+          <a:lstStyle/>
+          <a:p>
+            <a:pPr algn="ctr"/>
+            <a:r>
+              <a:rPr lang="en-US" sz="1600" b="1" dirty="0" smtClean="0">
+                <a:latin typeface="Seravek ExtraLight"/>
+                <a:cs typeface="Seravek ExtraLight"/>
+              </a:rPr>
+              <a:t>First: </a:t>
+            </a:r>
+            <a:r>
+              <a:rPr lang="en-US" sz="1600" dirty="0" smtClean="0">
+                <a:latin typeface="Seravek ExtraLight"/>
+                <a:cs typeface="Seravek ExtraLight"/>
+              </a:rPr>
+              <a:t>Identifying overlapping</a:t>
+            </a:r>
+            <a:endParaRPr lang="en-US" sz="1600" dirty="0">
+              <a:latin typeface="Seravek ExtraLight"/>
+              <a:cs typeface="Seravek ExtraLight"/>
+            </a:endParaRPr>
+          </a:p>
+        </p:txBody>
+      </p:sp>
+      <p:sp>
+        <p:nvSpPr>
+          <p:cNvPr id="144" name="ZoneTexte 143"/>
+          <p:cNvSpPr txBox="1"/>
+          <p:nvPr/>
+        </p:nvSpPr>
+        <p:spPr>
+          <a:xfrm>
+            <a:off x="3855226" y="5868252"/>
+            <a:ext cx="1932585" cy="584776"/>
+          </a:xfrm>
+          <a:prstGeom prst="rect">
+            <a:avLst/>
+          </a:prstGeom>
+          <a:noFill/>
+        </p:spPr>
+        <p:txBody>
+          <a:bodyPr wrap="square" rtlCol="0">
+            <a:spAutoFit/>
+          </a:bodyPr>
+          <a:lstStyle/>
+          <a:p>
+            <a:pPr algn="ctr"/>
+            <a:r>
+              <a:rPr lang="en-US" sz="1600" b="1" dirty="0" smtClean="0">
+                <a:latin typeface="Seravek ExtraLight"/>
+                <a:cs typeface="Seravek ExtraLight"/>
+              </a:rPr>
+              <a:t>Second: </a:t>
+            </a:r>
+            <a:r>
+              <a:rPr lang="en-US" sz="1600" dirty="0" smtClean="0">
+                <a:latin typeface="Seravek ExtraLight"/>
+                <a:cs typeface="Seravek ExtraLight"/>
+              </a:rPr>
+              <a:t>Breaking-down the input set</a:t>
+            </a:r>
+            <a:endParaRPr lang="en-US" sz="1600" dirty="0">
+              <a:latin typeface="Seravek ExtraLight"/>
+              <a:cs typeface="Seravek ExtraLight"/>
+            </a:endParaRPr>
+          </a:p>
+        </p:txBody>
+      </p:sp>
+      <p:sp>
+        <p:nvSpPr>
+          <p:cNvPr id="145" name="ZoneTexte 144"/>
+          <p:cNvSpPr txBox="1"/>
+          <p:nvPr/>
+        </p:nvSpPr>
+        <p:spPr>
+          <a:xfrm>
+            <a:off x="6866163" y="5868252"/>
+            <a:ext cx="1932585" cy="584776"/>
+          </a:xfrm>
+          <a:prstGeom prst="rect">
+            <a:avLst/>
+          </a:prstGeom>
+          <a:noFill/>
+        </p:spPr>
+        <p:txBody>
+          <a:bodyPr wrap="square" rtlCol="0">
+            <a:spAutoFit/>
+          </a:bodyPr>
+          <a:lstStyle/>
+          <a:p>
+            <a:pPr algn="ctr"/>
+            <a:r>
+              <a:rPr lang="en-US" sz="1600" b="1" dirty="0" smtClean="0">
+                <a:latin typeface="Seravek ExtraLight"/>
+                <a:cs typeface="Seravek ExtraLight"/>
+              </a:rPr>
+              <a:t>Third: </a:t>
+            </a:r>
+            <a:r>
+              <a:rPr lang="en-US" sz="1600" dirty="0" smtClean="0">
+                <a:latin typeface="Seravek ExtraLight"/>
+                <a:cs typeface="Seravek ExtraLight"/>
+              </a:rPr>
+              <a:t>Encapsulating language modules</a:t>
+            </a:r>
+            <a:endParaRPr lang="en-US" sz="1600" dirty="0">
+              <a:latin typeface="Seravek ExtraLight"/>
+              <a:cs typeface="Seravek ExtraLight"/>
+            </a:endParaRPr>
+          </a:p>
+        </p:txBody>
+      </p:sp>
+      <p:pic>
+        <p:nvPicPr>
+          <p:cNvPr id="3" name="Image 2"/>
+          <p:cNvPicPr>
+            <a:picLocks noChangeAspect="1"/>
+          </p:cNvPicPr>
+          <p:nvPr/>
+        </p:nvPicPr>
+        <p:blipFill>
+          <a:blip r:embed="rId2"/>
+          <a:stretch>
+            <a:fillRect/>
+          </a:stretch>
+        </p:blipFill>
+        <p:spPr>
+          <a:xfrm>
+            <a:off x="2648109" y="5585340"/>
+            <a:ext cx="1099377" cy="1099377"/>
+          </a:xfrm>
+          <a:prstGeom prst="rect">
+            <a:avLst/>
+          </a:prstGeom>
+        </p:spPr>
+      </p:pic>
+      <p:pic>
+        <p:nvPicPr>
+          <p:cNvPr id="146" name="Image 145"/>
+          <p:cNvPicPr>
+            <a:picLocks noChangeAspect="1"/>
+          </p:cNvPicPr>
+          <p:nvPr/>
+        </p:nvPicPr>
+        <p:blipFill>
+          <a:blip r:embed="rId2"/>
+          <a:stretch>
+            <a:fillRect/>
+          </a:stretch>
+        </p:blipFill>
+        <p:spPr>
+          <a:xfrm>
+            <a:off x="5787811" y="5585340"/>
+            <a:ext cx="1099377" cy="1099377"/>
+          </a:xfrm>
+          <a:prstGeom prst="rect">
+            <a:avLst/>
+          </a:prstGeom>
+        </p:spPr>
+      </p:pic>
+      <p:sp>
+        <p:nvSpPr>
           <p:cNvPr id="94" name="Rectangle à coins arrondis 93"/>
           <p:cNvSpPr/>
           <p:nvPr/>
         </p:nvSpPr>
         <p:spPr>
           <a:xfrm>
-            <a:off x="498884" y="3567064"/>
+            <a:off x="469846" y="3100231"/>
             <a:ext cx="8565316" cy="2527442"/>
           </a:xfrm>
           <a:prstGeom prst="roundRect">
@@ -5695,160 +5875,13 @@
       </p:sp>
       <p:sp>
         <p:nvSpPr>
-          <p:cNvPr id="121" name="Ellipse 120"/>
-          <p:cNvSpPr/>
-          <p:nvPr/>
-        </p:nvSpPr>
-        <p:spPr>
-          <a:xfrm>
-            <a:off x="1437986" y="3970639"/>
-            <a:ext cx="1328400" cy="1317600"/>
-          </a:xfrm>
-          <a:prstGeom prst="ellipse">
-            <a:avLst/>
-          </a:prstGeom>
-          <a:solidFill>
-            <a:schemeClr val="bg1">
-              <a:lumMod val="85000"/>
-              <a:alpha val="50000"/>
-            </a:schemeClr>
-          </a:solidFill>
-          <a:ln w="3175" cmpd="sng">
-            <a:solidFill>
-              <a:schemeClr val="tx1"/>
-            </a:solidFill>
-          </a:ln>
-        </p:spPr>
-        <p:style>
-          <a:lnRef idx="0">
-            <a:schemeClr val="accent6"/>
-          </a:lnRef>
-          <a:fillRef idx="3">
-            <a:schemeClr val="accent6"/>
-          </a:fillRef>
-          <a:effectRef idx="3">
-            <a:schemeClr val="accent6"/>
-          </a:effectRef>
-          <a:fontRef idx="minor">
-            <a:schemeClr val="lt1"/>
-          </a:fontRef>
-        </p:style>
-        <p:txBody>
-          <a:bodyPr rtlCol="0" anchor="ctr"/>
-          <a:lstStyle/>
-          <a:p>
-            <a:pPr algn="ctr"/>
-            <a:endParaRPr lang="fr-FR"/>
-          </a:p>
-        </p:txBody>
-      </p:sp>
-      <p:sp>
-        <p:nvSpPr>
-          <p:cNvPr id="104" name="Ellipse 103"/>
-          <p:cNvSpPr/>
-          <p:nvPr/>
-        </p:nvSpPr>
-        <p:spPr>
-          <a:xfrm>
-            <a:off x="1026656" y="4544707"/>
-            <a:ext cx="1328400" cy="1318290"/>
-          </a:xfrm>
-          <a:prstGeom prst="ellipse">
-            <a:avLst/>
-          </a:prstGeom>
-          <a:solidFill>
-            <a:schemeClr val="bg1">
-              <a:lumMod val="65000"/>
-              <a:alpha val="50000"/>
-            </a:schemeClr>
-          </a:solidFill>
-          <a:ln w="3175" cmpd="sng">
-            <a:solidFill>
-              <a:schemeClr val="tx1"/>
-            </a:solidFill>
-          </a:ln>
-        </p:spPr>
-        <p:style>
-          <a:lnRef idx="0">
-            <a:schemeClr val="accent2"/>
-          </a:lnRef>
-          <a:fillRef idx="3">
-            <a:schemeClr val="accent2"/>
-          </a:fillRef>
-          <a:effectRef idx="3">
-            <a:schemeClr val="accent2"/>
-          </a:effectRef>
-          <a:fontRef idx="minor">
-            <a:schemeClr val="lt1"/>
-          </a:fontRef>
-        </p:style>
-        <p:txBody>
-          <a:bodyPr rtlCol="0" anchor="ctr"/>
-          <a:lstStyle/>
-          <a:p>
-            <a:pPr algn="ctr"/>
-            <a:endParaRPr lang="fr-FR"/>
-          </a:p>
-        </p:txBody>
-      </p:sp>
-      <p:sp>
-        <p:nvSpPr>
-          <p:cNvPr id="120" name="Ellipse 119"/>
-          <p:cNvSpPr/>
-          <p:nvPr/>
-        </p:nvSpPr>
-        <p:spPr>
-          <a:xfrm>
-            <a:off x="701768" y="3970639"/>
-            <a:ext cx="1321200" cy="1296000"/>
-          </a:xfrm>
-          <a:prstGeom prst="ellipse">
-            <a:avLst/>
-          </a:prstGeom>
-          <a:solidFill>
-            <a:schemeClr val="bg1">
-              <a:lumMod val="95000"/>
-              <a:alpha val="50000"/>
-            </a:schemeClr>
-          </a:solidFill>
-          <a:ln w="3175" cmpd="sng">
-            <a:solidFill>
-              <a:schemeClr val="tx1"/>
-            </a:solidFill>
-          </a:ln>
-        </p:spPr>
-        <p:style>
-          <a:lnRef idx="0">
-            <a:schemeClr val="accent1"/>
-          </a:lnRef>
-          <a:fillRef idx="3">
-            <a:schemeClr val="accent1"/>
-          </a:fillRef>
-          <a:effectRef idx="3">
-            <a:schemeClr val="accent1"/>
-          </a:effectRef>
-          <a:fontRef idx="minor">
-            <a:schemeClr val="lt1"/>
-          </a:fontRef>
-        </p:style>
-        <p:txBody>
-          <a:bodyPr rtlCol="0" anchor="ctr"/>
-          <a:lstStyle/>
-          <a:p>
-            <a:pPr algn="ctr"/>
-            <a:endParaRPr lang="fr-FR"/>
-          </a:p>
-        </p:txBody>
-      </p:sp>
-      <p:sp>
-        <p:nvSpPr>
           <p:cNvPr id="132" name="Rectangle à coins arrondis 131"/>
           <p:cNvSpPr/>
           <p:nvPr/>
         </p:nvSpPr>
         <p:spPr>
           <a:xfrm>
-            <a:off x="484670" y="641107"/>
+            <a:off x="455632" y="174274"/>
             <a:ext cx="8565316" cy="2618957"/>
           </a:xfrm>
           <a:prstGeom prst="roundRect">
@@ -5898,7 +5931,7 @@
         </p:nvSpPr>
         <p:spPr>
           <a:xfrm>
-            <a:off x="8362404" y="1472573"/>
+            <a:off x="8333366" y="1005740"/>
             <a:ext cx="164008" cy="2312091"/>
           </a:xfrm>
           <a:custGeom>
@@ -5995,7 +6028,7 @@
         </p:nvSpPr>
         <p:spPr>
           <a:xfrm>
-            <a:off x="8320368" y="1849281"/>
+            <a:off x="8291330" y="1382448"/>
             <a:ext cx="642586" cy="625231"/>
           </a:xfrm>
           <a:prstGeom prst="ellipse">
@@ -6070,7 +6103,7 @@
         </p:nvSpPr>
         <p:spPr>
           <a:xfrm>
-            <a:off x="5351872" y="888076"/>
+            <a:off x="5322834" y="421243"/>
             <a:ext cx="1055935" cy="1323529"/>
           </a:xfrm>
           <a:custGeom>
@@ -6484,8 +6517,13 @@
               <a:lumMod val="85000"/>
             </a:schemeClr>
           </a:solidFill>
-          <a:ln>
-            <a:noFill/>
+          <a:ln w="3175" cmpd="sng">
+            <a:solidFill>
+              <a:schemeClr val="bg1">
+                <a:lumMod val="50000"/>
+              </a:schemeClr>
+            </a:solidFill>
+            <a:prstDash val="lgDash"/>
           </a:ln>
         </p:spPr>
         <p:style>
@@ -6519,7 +6557,7 @@
         </p:nvSpPr>
         <p:spPr>
           <a:xfrm>
-            <a:off x="8320368" y="888908"/>
+            <a:off x="8291330" y="422075"/>
             <a:ext cx="642586" cy="625231"/>
           </a:xfrm>
           <a:prstGeom prst="ellipse">
@@ -6587,7 +6625,7 @@
         </p:nvSpPr>
         <p:spPr>
           <a:xfrm>
-            <a:off x="7601722" y="990334"/>
+            <a:off x="7572684" y="523501"/>
             <a:ext cx="642586" cy="625231"/>
           </a:xfrm>
           <a:prstGeom prst="ellipse">
@@ -6662,7 +6700,7 @@
         </p:nvSpPr>
         <p:spPr>
           <a:xfrm>
-            <a:off x="8481197" y="2487555"/>
+            <a:off x="8452159" y="2020722"/>
             <a:ext cx="272563" cy="2319286"/>
           </a:xfrm>
           <a:custGeom>
@@ -6778,7 +6816,7 @@
         </p:nvSpPr>
         <p:spPr>
           <a:xfrm flipH="1">
-            <a:off x="7855383" y="2343077"/>
+            <a:off x="7826345" y="1876244"/>
             <a:ext cx="67931" cy="2344991"/>
           </a:xfrm>
           <a:custGeom>
@@ -6852,7 +6890,7 @@
         </p:nvSpPr>
         <p:spPr>
           <a:xfrm flipH="1">
-            <a:off x="7953140" y="1615565"/>
+            <a:off x="7924102" y="1148732"/>
             <a:ext cx="67931" cy="2344991"/>
           </a:xfrm>
           <a:custGeom>
@@ -6926,7 +6964,7 @@
         </p:nvSpPr>
         <p:spPr>
           <a:xfrm flipH="1">
-            <a:off x="7763077" y="3131244"/>
+            <a:off x="7734039" y="2664411"/>
             <a:ext cx="67931" cy="2344991"/>
           </a:xfrm>
           <a:custGeom>
@@ -7000,7 +7038,7 @@
         </p:nvSpPr>
         <p:spPr>
           <a:xfrm flipH="1">
-            <a:off x="7310285" y="1487418"/>
+            <a:off x="7281247" y="1020585"/>
             <a:ext cx="160298" cy="2312091"/>
           </a:xfrm>
           <a:custGeom>
@@ -7097,7 +7135,7 @@
         </p:nvSpPr>
         <p:spPr>
           <a:xfrm flipH="1">
-            <a:off x="7065306" y="2474512"/>
+            <a:off x="7036268" y="2007679"/>
             <a:ext cx="266397" cy="2319286"/>
           </a:xfrm>
           <a:custGeom>
@@ -7213,7 +7251,7 @@
         </p:nvSpPr>
         <p:spPr>
           <a:xfrm>
-            <a:off x="4884099" y="1544718"/>
+            <a:off x="4855061" y="1077885"/>
             <a:ext cx="664675" cy="696040"/>
           </a:xfrm>
           <a:custGeom>
@@ -7412,7 +7450,10 @@
             </a:schemeClr>
           </a:solidFill>
           <a:ln>
-            <a:noFill/>
+            <a:solidFill>
+              <a:srgbClr val="7F7F7F"/>
+            </a:solidFill>
+            <a:prstDash val="lgDash"/>
           </a:ln>
         </p:spPr>
         <p:style>
@@ -7440,160 +7481,13 @@
       </p:sp>
       <p:sp>
         <p:nvSpPr>
-          <p:cNvPr id="5" name="Ellipse 4"/>
-          <p:cNvSpPr/>
-          <p:nvPr/>
-        </p:nvSpPr>
-        <p:spPr>
-          <a:xfrm>
-            <a:off x="1396556" y="1011834"/>
-            <a:ext cx="1400925" cy="1390248"/>
-          </a:xfrm>
-          <a:prstGeom prst="ellipse">
-            <a:avLst/>
-          </a:prstGeom>
-          <a:solidFill>
-            <a:schemeClr val="bg1">
-              <a:lumMod val="85000"/>
-              <a:alpha val="50000"/>
-            </a:schemeClr>
-          </a:solidFill>
-          <a:ln w="3175" cmpd="sng">
-            <a:solidFill>
-              <a:schemeClr val="tx1"/>
-            </a:solidFill>
-          </a:ln>
-        </p:spPr>
-        <p:style>
-          <a:lnRef idx="0">
-            <a:schemeClr val="accent6"/>
-          </a:lnRef>
-          <a:fillRef idx="3">
-            <a:schemeClr val="accent6"/>
-          </a:fillRef>
-          <a:effectRef idx="3">
-            <a:schemeClr val="accent6"/>
-          </a:effectRef>
-          <a:fontRef idx="minor">
-            <a:schemeClr val="lt1"/>
-          </a:fontRef>
-        </p:style>
-        <p:txBody>
-          <a:bodyPr rtlCol="0" anchor="ctr"/>
-          <a:lstStyle/>
-          <a:p>
-            <a:pPr algn="ctr"/>
-            <a:endParaRPr lang="fr-FR"/>
-          </a:p>
-        </p:txBody>
-      </p:sp>
-      <p:sp>
-        <p:nvSpPr>
-          <p:cNvPr id="6" name="Ellipse 5"/>
-          <p:cNvSpPr/>
-          <p:nvPr/>
-        </p:nvSpPr>
-        <p:spPr>
-          <a:xfrm>
-            <a:off x="672668" y="1011834"/>
-            <a:ext cx="1392059" cy="1366242"/>
-          </a:xfrm>
-          <a:prstGeom prst="ellipse">
-            <a:avLst/>
-          </a:prstGeom>
-          <a:solidFill>
-            <a:schemeClr val="bg1">
-              <a:lumMod val="95000"/>
-              <a:alpha val="50000"/>
-            </a:schemeClr>
-          </a:solidFill>
-          <a:ln w="3175" cmpd="sng">
-            <a:solidFill>
-              <a:schemeClr val="tx1"/>
-            </a:solidFill>
-          </a:ln>
-        </p:spPr>
-        <p:style>
-          <a:lnRef idx="0">
-            <a:schemeClr val="accent1"/>
-          </a:lnRef>
-          <a:fillRef idx="3">
-            <a:schemeClr val="accent1"/>
-          </a:fillRef>
-          <a:effectRef idx="3">
-            <a:schemeClr val="accent1"/>
-          </a:effectRef>
-          <a:fontRef idx="minor">
-            <a:schemeClr val="lt1"/>
-          </a:fontRef>
-        </p:style>
-        <p:txBody>
-          <a:bodyPr rtlCol="0" anchor="ctr"/>
-          <a:lstStyle/>
-          <a:p>
-            <a:pPr algn="ctr"/>
-            <a:endParaRPr lang="fr-FR"/>
-          </a:p>
-        </p:txBody>
-      </p:sp>
-      <p:sp>
-        <p:nvSpPr>
-          <p:cNvPr id="7" name="Ellipse 6"/>
-          <p:cNvSpPr/>
-          <p:nvPr/>
-        </p:nvSpPr>
-        <p:spPr>
-          <a:xfrm>
-            <a:off x="987728" y="1587918"/>
-            <a:ext cx="1400925" cy="1390248"/>
-          </a:xfrm>
-          <a:prstGeom prst="ellipse">
-            <a:avLst/>
-          </a:prstGeom>
-          <a:solidFill>
-            <a:schemeClr val="bg1">
-              <a:lumMod val="65000"/>
-              <a:alpha val="50000"/>
-            </a:schemeClr>
-          </a:solidFill>
-          <a:ln w="3175" cmpd="sng">
-            <a:solidFill>
-              <a:schemeClr val="tx1"/>
-            </a:solidFill>
-          </a:ln>
-        </p:spPr>
-        <p:style>
-          <a:lnRef idx="0">
-            <a:schemeClr val="accent2"/>
-          </a:lnRef>
-          <a:fillRef idx="3">
-            <a:schemeClr val="accent2"/>
-          </a:fillRef>
-          <a:effectRef idx="3">
-            <a:schemeClr val="accent2"/>
-          </a:effectRef>
-          <a:fontRef idx="minor">
-            <a:schemeClr val="lt1"/>
-          </a:fontRef>
-        </p:style>
-        <p:txBody>
-          <a:bodyPr rtlCol="0" anchor="ctr"/>
-          <a:lstStyle/>
-          <a:p>
-            <a:pPr algn="ctr"/>
-            <a:endParaRPr lang="fr-FR"/>
-          </a:p>
-        </p:txBody>
-      </p:sp>
-      <p:sp>
-        <p:nvSpPr>
           <p:cNvPr id="9" name="Forme libre 8"/>
           <p:cNvSpPr/>
           <p:nvPr/>
         </p:nvSpPr>
         <p:spPr>
           <a:xfrm>
-            <a:off x="4884099" y="971304"/>
+            <a:off x="4855061" y="504471"/>
             <a:ext cx="669925" cy="571500"/>
           </a:xfrm>
           <a:custGeom>
@@ -7919,8 +7813,13 @@
               <a:lumMod val="85000"/>
             </a:schemeClr>
           </a:solidFill>
-          <a:ln>
-            <a:noFill/>
+          <a:ln w="3175" cmpd="sng">
+            <a:solidFill>
+              <a:schemeClr val="bg1">
+                <a:lumMod val="50000"/>
+              </a:schemeClr>
+            </a:solidFill>
+            <a:prstDash val="lgDash"/>
           </a:ln>
         </p:spPr>
         <p:style>
@@ -7954,7 +7853,7 @@
         </p:nvSpPr>
         <p:spPr>
           <a:xfrm>
-            <a:off x="5293567" y="1706140"/>
+            <a:off x="5264529" y="1239307"/>
             <a:ext cx="663852" cy="695942"/>
           </a:xfrm>
           <a:custGeom>
@@ -8265,7 +8164,10 @@
             </a:schemeClr>
           </a:solidFill>
           <a:ln>
-            <a:noFill/>
+            <a:solidFill>
+              <a:srgbClr val="7F7F7F"/>
+            </a:solidFill>
+            <a:prstDash val="lgDash"/>
           </a:ln>
         </p:spPr>
         <p:style>
@@ -8299,7 +8201,7 @@
         </p:nvSpPr>
         <p:spPr>
           <a:xfrm>
-            <a:off x="4483137" y="2369436"/>
+            <a:off x="4454099" y="1902603"/>
             <a:ext cx="1386465" cy="683828"/>
           </a:xfrm>
           <a:custGeom>
@@ -8642,7 +8544,10 @@
             </a:schemeClr>
           </a:solidFill>
           <a:ln>
-            <a:noFill/>
+            <a:solidFill>
+              <a:srgbClr val="7F7F7F"/>
+            </a:solidFill>
+            <a:prstDash val="lgDash"/>
           </a:ln>
         </p:spPr>
         <p:style>
@@ -8676,7 +8581,7 @@
         </p:nvSpPr>
         <p:spPr>
           <a:xfrm>
-            <a:off x="4390671" y="1637065"/>
+            <a:off x="4361633" y="1170232"/>
             <a:ext cx="709083" cy="716139"/>
           </a:xfrm>
           <a:custGeom>
@@ -8963,7 +8868,10 @@
             </a:schemeClr>
           </a:solidFill>
           <a:ln>
-            <a:noFill/>
+            <a:solidFill>
+              <a:srgbClr val="7F7F7F"/>
+            </a:solidFill>
+            <a:prstDash val="lgDash"/>
           </a:ln>
         </p:spPr>
         <p:style>
@@ -8997,7 +8905,7 @@
         </p:nvSpPr>
         <p:spPr>
           <a:xfrm>
-            <a:off x="4018670" y="918916"/>
+            <a:off x="3989632" y="452083"/>
             <a:ext cx="1050925" cy="1247775"/>
           </a:xfrm>
           <a:custGeom>
@@ -9419,8 +9327,13 @@
               <a:lumMod val="85000"/>
             </a:schemeClr>
           </a:solidFill>
-          <a:ln>
-            <a:noFill/>
+          <a:ln w="3175" cmpd="sng">
+            <a:solidFill>
+              <a:schemeClr val="bg1">
+                <a:lumMod val="50000"/>
+              </a:schemeClr>
+            </a:solidFill>
+            <a:prstDash val="lgDash"/>
           </a:ln>
         </p:spPr>
         <p:style>
@@ -9454,7 +9367,7 @@
         </p:nvSpPr>
         <p:spPr>
           <a:xfrm>
-            <a:off x="6887201" y="888076"/>
+            <a:off x="6858163" y="421243"/>
             <a:ext cx="642586" cy="625231"/>
           </a:xfrm>
           <a:prstGeom prst="ellipse">
@@ -9529,7 +9442,7 @@
         </p:nvSpPr>
         <p:spPr>
           <a:xfrm>
-            <a:off x="7601722" y="2506013"/>
+            <a:off x="7572684" y="2039180"/>
             <a:ext cx="642586" cy="625231"/>
           </a:xfrm>
           <a:prstGeom prst="ellipse">
@@ -9611,7 +9524,7 @@
         </p:nvSpPr>
         <p:spPr>
           <a:xfrm>
-            <a:off x="4884099" y="4456151"/>
+            <a:off x="4855061" y="3989318"/>
             <a:ext cx="664675" cy="696040"/>
           </a:xfrm>
           <a:custGeom>
@@ -9844,7 +9757,7 @@
         </p:nvSpPr>
         <p:spPr>
           <a:xfrm>
-            <a:off x="4884099" y="3882737"/>
+            <a:off x="4855061" y="3415904"/>
             <a:ext cx="669925" cy="571500"/>
           </a:xfrm>
           <a:custGeom>
@@ -10205,7 +10118,7 @@
         </p:nvSpPr>
         <p:spPr>
           <a:xfrm>
-            <a:off x="5351872" y="3799509"/>
+            <a:off x="5322834" y="3332676"/>
             <a:ext cx="1055935" cy="1323529"/>
           </a:xfrm>
           <a:custGeom>
@@ -10654,7 +10567,7 @@
         </p:nvSpPr>
         <p:spPr>
           <a:xfrm>
-            <a:off x="5293567" y="4617573"/>
+            <a:off x="5264529" y="4150740"/>
             <a:ext cx="663852" cy="695942"/>
           </a:xfrm>
           <a:custGeom>
@@ -10999,7 +10912,7 @@
         </p:nvSpPr>
         <p:spPr>
           <a:xfrm>
-            <a:off x="4483137" y="5280869"/>
+            <a:off x="4454099" y="4814036"/>
             <a:ext cx="1386465" cy="683828"/>
           </a:xfrm>
           <a:custGeom>
@@ -11376,7 +11289,7 @@
         </p:nvSpPr>
         <p:spPr>
           <a:xfrm>
-            <a:off x="4390671" y="4548498"/>
+            <a:off x="4361633" y="4081665"/>
             <a:ext cx="709083" cy="716139"/>
           </a:xfrm>
           <a:custGeom>
@@ -11697,7 +11610,7 @@
         </p:nvSpPr>
         <p:spPr>
           <a:xfrm>
-            <a:off x="4018670" y="3830349"/>
+            <a:off x="3989632" y="3363516"/>
             <a:ext cx="1050925" cy="1247775"/>
           </a:xfrm>
           <a:custGeom>
@@ -12154,7 +12067,7 @@
         </p:nvSpPr>
         <p:spPr>
           <a:xfrm>
-            <a:off x="8320368" y="3800341"/>
+            <a:off x="8291330" y="3333508"/>
             <a:ext cx="642586" cy="625231"/>
           </a:xfrm>
           <a:prstGeom prst="ellipse">
@@ -12201,7 +12114,7 @@
         </p:nvSpPr>
         <p:spPr>
           <a:xfrm>
-            <a:off x="8320368" y="4760714"/>
+            <a:off x="8291330" y="4293881"/>
             <a:ext cx="642586" cy="625231"/>
           </a:xfrm>
           <a:prstGeom prst="ellipse">
@@ -12248,7 +12161,7 @@
         </p:nvSpPr>
         <p:spPr>
           <a:xfrm>
-            <a:off x="7601722" y="5358656"/>
+            <a:off x="7572684" y="4891823"/>
             <a:ext cx="642586" cy="625231"/>
           </a:xfrm>
           <a:prstGeom prst="ellipse">
@@ -12295,7 +12208,7 @@
         </p:nvSpPr>
         <p:spPr>
           <a:xfrm>
-            <a:off x="8359401" y="3832091"/>
+            <a:off x="8330363" y="3365258"/>
             <a:ext cx="568800" cy="554400"/>
           </a:xfrm>
           <a:prstGeom prst="ellipse">
@@ -12348,7 +12261,7 @@
         </p:nvSpPr>
         <p:spPr>
           <a:xfrm>
-            <a:off x="8362404" y="4794574"/>
+            <a:off x="8333366" y="4327741"/>
             <a:ext cx="568800" cy="554400"/>
           </a:xfrm>
           <a:prstGeom prst="ellipse">
@@ -12401,7 +12314,7 @@
         </p:nvSpPr>
         <p:spPr>
           <a:xfrm>
-            <a:off x="7635453" y="5392961"/>
+            <a:off x="7606415" y="4926128"/>
             <a:ext cx="568800" cy="554400"/>
           </a:xfrm>
           <a:prstGeom prst="ellipse">
@@ -12454,7 +12367,7 @@
         </p:nvCxnSpPr>
         <p:spPr>
           <a:xfrm flipV="1">
-            <a:off x="4583876" y="764396"/>
+            <a:off x="4554838" y="297563"/>
             <a:ext cx="0" cy="370309"/>
           </a:xfrm>
           <a:prstGeom prst="straightConnector1">
@@ -12462,9 +12375,7 @@
           </a:prstGeom>
           <a:ln w="2540" cmpd="sng">
             <a:solidFill>
-              <a:schemeClr val="accent3">
-                <a:lumMod val="75000"/>
-              </a:schemeClr>
+              <a:srgbClr val="000000"/>
             </a:solidFill>
             <a:prstDash val="dash"/>
             <a:headEnd type="oval"/>
@@ -12495,7 +12406,7 @@
         </p:nvSpPr>
         <p:spPr>
           <a:xfrm flipH="1">
-            <a:off x="2421666" y="2232305"/>
+            <a:off x="2392628" y="1765472"/>
             <a:ext cx="398059" cy="1799037"/>
           </a:xfrm>
           <a:custGeom>
@@ -12611,7 +12522,7 @@
         </p:nvSpPr>
         <p:spPr>
           <a:xfrm>
-            <a:off x="602114" y="2216666"/>
+            <a:off x="573076" y="1749833"/>
             <a:ext cx="418048" cy="1814676"/>
           </a:xfrm>
           <a:custGeom>
@@ -12727,7 +12638,7 @@
         </p:nvSpPr>
         <p:spPr>
           <a:xfrm flipH="1">
-            <a:off x="1647983" y="2978166"/>
+            <a:off x="1618945" y="2511333"/>
             <a:ext cx="67931" cy="1521185"/>
           </a:xfrm>
           <a:custGeom>
@@ -12801,7 +12712,7 @@
         </p:nvSpPr>
         <p:spPr>
           <a:xfrm>
-            <a:off x="7601722" y="1736835"/>
+            <a:off x="7572684" y="1270002"/>
             <a:ext cx="642586" cy="625231"/>
           </a:xfrm>
           <a:prstGeom prst="ellipse">
@@ -12870,23 +12781,20 @@
       </p:sp>
       <p:sp>
         <p:nvSpPr>
-          <p:cNvPr id="98" name="Ellipse 97"/>
+          <p:cNvPr id="18" name="Ellipse 17"/>
           <p:cNvSpPr/>
           <p:nvPr/>
         </p:nvSpPr>
         <p:spPr>
           <a:xfrm>
-            <a:off x="1396556" y="3941529"/>
-            <a:ext cx="1400925" cy="1390248"/>
+            <a:off x="6858163" y="1382448"/>
+            <a:ext cx="642586" cy="625231"/>
           </a:xfrm>
           <a:prstGeom prst="ellipse">
             <a:avLst/>
           </a:prstGeom>
           <a:solidFill>
-            <a:schemeClr val="bg1">
-              <a:lumMod val="85000"/>
-              <a:alpha val="50000"/>
-            </a:schemeClr>
+            <a:schemeClr val="bg1"/>
           </a:solidFill>
           <a:ln w="3175" cmpd="sng">
             <a:solidFill>
@@ -12913,150 +12821,6 @@
           <a:lstStyle/>
           <a:p>
             <a:pPr algn="ctr"/>
-            <a:endParaRPr lang="fr-FR"/>
-          </a:p>
-        </p:txBody>
-      </p:sp>
-      <p:sp>
-        <p:nvSpPr>
-          <p:cNvPr id="99" name="Ellipse 98"/>
-          <p:cNvSpPr/>
-          <p:nvPr/>
-        </p:nvSpPr>
-        <p:spPr>
-          <a:xfrm>
-            <a:off x="672668" y="3941529"/>
-            <a:ext cx="1392059" cy="1366242"/>
-          </a:xfrm>
-          <a:prstGeom prst="ellipse">
-            <a:avLst/>
-          </a:prstGeom>
-          <a:solidFill>
-            <a:schemeClr val="bg1">
-              <a:lumMod val="95000"/>
-              <a:alpha val="50000"/>
-            </a:schemeClr>
-          </a:solidFill>
-          <a:ln w="3175" cmpd="sng">
-            <a:solidFill>
-              <a:schemeClr val="tx1"/>
-            </a:solidFill>
-          </a:ln>
-        </p:spPr>
-        <p:style>
-          <a:lnRef idx="0">
-            <a:schemeClr val="accent1"/>
-          </a:lnRef>
-          <a:fillRef idx="3">
-            <a:schemeClr val="accent1"/>
-          </a:fillRef>
-          <a:effectRef idx="3">
-            <a:schemeClr val="accent1"/>
-          </a:effectRef>
-          <a:fontRef idx="minor">
-            <a:schemeClr val="lt1"/>
-          </a:fontRef>
-        </p:style>
-        <p:txBody>
-          <a:bodyPr rtlCol="0" anchor="ctr"/>
-          <a:lstStyle/>
-          <a:p>
-            <a:pPr algn="ctr"/>
-            <a:endParaRPr lang="fr-FR"/>
-          </a:p>
-        </p:txBody>
-      </p:sp>
-      <p:sp>
-        <p:nvSpPr>
-          <p:cNvPr id="100" name="Ellipse 99"/>
-          <p:cNvSpPr/>
-          <p:nvPr/>
-        </p:nvSpPr>
-        <p:spPr>
-          <a:xfrm>
-            <a:off x="987728" y="4517613"/>
-            <a:ext cx="1400925" cy="1390248"/>
-          </a:xfrm>
-          <a:prstGeom prst="ellipse">
-            <a:avLst/>
-          </a:prstGeom>
-          <a:solidFill>
-            <a:schemeClr val="bg1">
-              <a:lumMod val="65000"/>
-              <a:alpha val="50000"/>
-            </a:schemeClr>
-          </a:solidFill>
-          <a:ln w="3175" cmpd="sng">
-            <a:solidFill>
-              <a:schemeClr val="tx1"/>
-            </a:solidFill>
-          </a:ln>
-        </p:spPr>
-        <p:style>
-          <a:lnRef idx="0">
-            <a:schemeClr val="accent2"/>
-          </a:lnRef>
-          <a:fillRef idx="3">
-            <a:schemeClr val="accent2"/>
-          </a:fillRef>
-          <a:effectRef idx="3">
-            <a:schemeClr val="accent2"/>
-          </a:effectRef>
-          <a:fontRef idx="minor">
-            <a:schemeClr val="lt1"/>
-          </a:fontRef>
-        </p:style>
-        <p:txBody>
-          <a:bodyPr rtlCol="0" anchor="ctr"/>
-          <a:lstStyle/>
-          <a:p>
-            <a:pPr algn="ctr"/>
-            <a:endParaRPr lang="fr-FR"/>
-          </a:p>
-        </p:txBody>
-      </p:sp>
-      <p:sp>
-        <p:nvSpPr>
-          <p:cNvPr id="18" name="Ellipse 17"/>
-          <p:cNvSpPr/>
-          <p:nvPr/>
-        </p:nvSpPr>
-        <p:spPr>
-          <a:xfrm>
-            <a:off x="6887201" y="1849281"/>
-            <a:ext cx="642586" cy="625231"/>
-          </a:xfrm>
-          <a:prstGeom prst="ellipse">
-            <a:avLst/>
-          </a:prstGeom>
-          <a:solidFill>
-            <a:schemeClr val="bg1"/>
-          </a:solidFill>
-          <a:ln w="3175" cmpd="sng">
-            <a:solidFill>
-              <a:schemeClr val="tx1"/>
-            </a:solidFill>
-          </a:ln>
-        </p:spPr>
-        <p:style>
-          <a:lnRef idx="0">
-            <a:schemeClr val="accent6"/>
-          </a:lnRef>
-          <a:fillRef idx="3">
-            <a:schemeClr val="accent6"/>
-          </a:fillRef>
-          <a:effectRef idx="3">
-            <a:schemeClr val="accent6"/>
-          </a:effectRef>
-          <a:fontRef idx="minor">
-            <a:schemeClr val="lt1"/>
-          </a:fontRef>
-        </p:style>
-        <p:txBody>
-          <a:bodyPr rtlCol="0" anchor="ctr"/>
-          <a:lstStyle/>
-          <a:p>
-            <a:pPr algn="ctr"/>
             <a:r>
               <a:rPr lang="fr-FR" sz="1100" dirty="0" smtClean="0">
                 <a:solidFill>
@@ -13098,7 +12862,7 @@
         </p:nvCxnSpPr>
         <p:spPr>
           <a:xfrm>
-            <a:off x="2983153" y="2196963"/>
+            <a:off x="2954115" y="1730130"/>
             <a:ext cx="290070" cy="0"/>
           </a:xfrm>
           <a:prstGeom prst="line">
@@ -13136,7 +12900,7 @@
         </p:nvSpPr>
         <p:spPr>
           <a:xfrm>
-            <a:off x="3273223" y="1989604"/>
+            <a:off x="3244185" y="1522771"/>
             <a:ext cx="438513" cy="210818"/>
           </a:xfrm>
           <a:custGeom>
@@ -13236,7 +13000,7 @@
         </p:nvSpPr>
         <p:spPr>
           <a:xfrm flipV="1">
-            <a:off x="3277554" y="2192645"/>
+            <a:off x="3248516" y="1725812"/>
             <a:ext cx="438513" cy="262841"/>
           </a:xfrm>
           <a:custGeom>
@@ -13337,14 +13101,14 @@
           <p:nvPr/>
         </p:nvPicPr>
         <p:blipFill>
-          <a:blip r:embed="rId2"/>
+          <a:blip r:embed="rId3"/>
           <a:stretch>
             <a:fillRect/>
           </a:stretch>
         </p:blipFill>
         <p:spPr>
           <a:xfrm>
-            <a:off x="3174341" y="1761126"/>
+            <a:off x="3145303" y="1294293"/>
             <a:ext cx="365886" cy="365886"/>
           </a:xfrm>
           <a:prstGeom prst="rect">
@@ -13360,7 +13124,7 @@
         </p:nvSpPr>
         <p:spPr>
           <a:xfrm>
-            <a:off x="2799523" y="1262289"/>
+            <a:off x="2770485" y="795456"/>
             <a:ext cx="1215034" cy="492443"/>
           </a:xfrm>
           <a:prstGeom prst="rect">
@@ -13397,7 +13161,7 @@
         </p:nvCxnSpPr>
         <p:spPr>
           <a:xfrm>
-            <a:off x="2959876" y="5187803"/>
+            <a:off x="2930838" y="4720970"/>
             <a:ext cx="290070" cy="0"/>
           </a:xfrm>
           <a:prstGeom prst="line">
@@ -13435,7 +13199,7 @@
         </p:nvSpPr>
         <p:spPr>
           <a:xfrm>
-            <a:off x="3249946" y="4980444"/>
+            <a:off x="3220908" y="4513611"/>
             <a:ext cx="438513" cy="210818"/>
           </a:xfrm>
           <a:custGeom>
@@ -13535,7 +13299,7 @@
         </p:nvSpPr>
         <p:spPr>
           <a:xfrm flipV="1">
-            <a:off x="3254277" y="5183485"/>
+            <a:off x="3225239" y="4716652"/>
             <a:ext cx="438513" cy="262841"/>
           </a:xfrm>
           <a:custGeom>
@@ -13636,14 +13400,14 @@
           <p:nvPr/>
         </p:nvPicPr>
         <p:blipFill>
-          <a:blip r:embed="rId2"/>
+          <a:blip r:embed="rId3"/>
           <a:stretch>
             <a:fillRect/>
           </a:stretch>
         </p:blipFill>
         <p:spPr>
           <a:xfrm>
-            <a:off x="3151064" y="4751966"/>
+            <a:off x="3122026" y="4285133"/>
             <a:ext cx="365886" cy="365886"/>
           </a:xfrm>
           <a:prstGeom prst="rect">
@@ -13659,7 +13423,7 @@
         </p:nvSpPr>
         <p:spPr>
           <a:xfrm>
-            <a:off x="2762135" y="4253129"/>
+            <a:off x="2733097" y="3786296"/>
             <a:ext cx="1215034" cy="492443"/>
           </a:xfrm>
           <a:prstGeom prst="rect">
@@ -13696,7 +13460,7 @@
         </p:nvSpPr>
         <p:spPr>
           <a:xfrm>
-            <a:off x="7601722" y="3960557"/>
+            <a:off x="7572684" y="3493724"/>
             <a:ext cx="642586" cy="625231"/>
           </a:xfrm>
           <a:prstGeom prst="ellipse">
@@ -13743,7 +13507,7 @@
         </p:nvSpPr>
         <p:spPr>
           <a:xfrm>
-            <a:off x="7635453" y="3997191"/>
+            <a:off x="7606415" y="3530358"/>
             <a:ext cx="568800" cy="554400"/>
           </a:xfrm>
           <a:prstGeom prst="ellipse">
@@ -13796,7 +13560,7 @@
         </p:nvSpPr>
         <p:spPr>
           <a:xfrm>
-            <a:off x="6887201" y="3799509"/>
+            <a:off x="6858163" y="3332676"/>
             <a:ext cx="642586" cy="625231"/>
           </a:xfrm>
           <a:prstGeom prst="ellipse">
@@ -13843,7 +13607,7 @@
         </p:nvSpPr>
         <p:spPr>
           <a:xfrm>
-            <a:off x="6925301" y="3843849"/>
+            <a:off x="6896263" y="3377016"/>
             <a:ext cx="568800" cy="554400"/>
           </a:xfrm>
           <a:prstGeom prst="ellipse">
@@ -13896,7 +13660,7 @@
         </p:nvSpPr>
         <p:spPr>
           <a:xfrm>
-            <a:off x="7601722" y="4648268"/>
+            <a:off x="7572684" y="4181435"/>
             <a:ext cx="642586" cy="625231"/>
           </a:xfrm>
           <a:prstGeom prst="ellipse">
@@ -13943,7 +13707,7 @@
         </p:nvSpPr>
         <p:spPr>
           <a:xfrm>
-            <a:off x="7635453" y="4680684"/>
+            <a:off x="7606415" y="4213851"/>
             <a:ext cx="568800" cy="554400"/>
           </a:xfrm>
           <a:prstGeom prst="ellipse">
@@ -13996,7 +13760,7 @@
         </p:nvSpPr>
         <p:spPr>
           <a:xfrm>
-            <a:off x="6887201" y="4760714"/>
+            <a:off x="6858163" y="4293881"/>
             <a:ext cx="642586" cy="625231"/>
           </a:xfrm>
           <a:prstGeom prst="ellipse">
@@ -14043,7 +13807,7 @@
         </p:nvSpPr>
         <p:spPr>
           <a:xfrm>
-            <a:off x="6925301" y="4794574"/>
+            <a:off x="6896263" y="4327741"/>
             <a:ext cx="568800" cy="554400"/>
           </a:xfrm>
           <a:prstGeom prst="ellipse">
@@ -14096,7 +13860,7 @@
         </p:nvSpPr>
         <p:spPr>
           <a:xfrm>
-            <a:off x="518392" y="842316"/>
+            <a:off x="489354" y="375483"/>
             <a:ext cx="640598" cy="292388"/>
           </a:xfrm>
           <a:prstGeom prst="rect">
@@ -14133,7 +13897,7 @@
         </p:nvSpPr>
         <p:spPr>
           <a:xfrm>
-            <a:off x="1549343" y="739739"/>
+            <a:off x="1520305" y="272906"/>
             <a:ext cx="640598" cy="292388"/>
           </a:xfrm>
           <a:prstGeom prst="rect">
@@ -14170,7 +13934,7 @@
         </p:nvSpPr>
         <p:spPr>
           <a:xfrm>
-            <a:off x="801701" y="2793231"/>
+            <a:off x="772663" y="2326398"/>
             <a:ext cx="640598" cy="292388"/>
           </a:xfrm>
           <a:prstGeom prst="rect">
@@ -14207,7 +13971,7 @@
         </p:nvSpPr>
         <p:spPr>
           <a:xfrm>
-            <a:off x="432082" y="3754875"/>
+            <a:off x="403044" y="3288042"/>
             <a:ext cx="890494" cy="292388"/>
           </a:xfrm>
           <a:prstGeom prst="rect">
@@ -14244,7 +14008,7 @@
         </p:nvSpPr>
         <p:spPr>
           <a:xfrm>
-            <a:off x="1545500" y="3660560"/>
+            <a:off x="1516462" y="3193727"/>
             <a:ext cx="890494" cy="292388"/>
           </a:xfrm>
           <a:prstGeom prst="rect">
@@ -14281,7 +14045,7 @@
         </p:nvSpPr>
         <p:spPr>
           <a:xfrm>
-            <a:off x="615103" y="5715952"/>
+            <a:off x="586065" y="5249119"/>
             <a:ext cx="890494" cy="292388"/>
           </a:xfrm>
           <a:prstGeom prst="rect">
@@ -14318,7 +14082,7 @@
         </p:nvSpPr>
         <p:spPr>
           <a:xfrm rot="16200000">
-            <a:off x="-865812" y="4720121"/>
+            <a:off x="-894850" y="4253288"/>
             <a:ext cx="2392973" cy="323165"/>
           </a:xfrm>
           <a:prstGeom prst="rect">
@@ -14355,7 +14119,7 @@
         </p:nvSpPr>
         <p:spPr>
           <a:xfrm rot="16200000">
-            <a:off x="-924745" y="1850647"/>
+            <a:off x="-953783" y="1383814"/>
             <a:ext cx="2495666" cy="323165"/>
           </a:xfrm>
           <a:prstGeom prst="rect">
@@ -14392,7 +14156,7 @@
         </p:nvCxnSpPr>
         <p:spPr>
           <a:xfrm>
-            <a:off x="4583876" y="764396"/>
+            <a:off x="4554838" y="297563"/>
             <a:ext cx="2629542" cy="1"/>
           </a:xfrm>
           <a:prstGeom prst="straightConnector1">
@@ -14400,9 +14164,7 @@
           </a:prstGeom>
           <a:ln w="2540" cmpd="sng">
             <a:solidFill>
-              <a:schemeClr val="accent3">
-                <a:lumMod val="75000"/>
-              </a:schemeClr>
+              <a:srgbClr val="000000"/>
             </a:solidFill>
             <a:prstDash val="dash"/>
             <a:headEnd type="none"/>
@@ -14433,7 +14195,7 @@
         </p:nvCxnSpPr>
         <p:spPr>
           <a:xfrm>
-            <a:off x="7213418" y="764397"/>
+            <a:off x="7184380" y="297564"/>
             <a:ext cx="0" cy="267730"/>
           </a:xfrm>
           <a:prstGeom prst="straightConnector1">
@@ -14441,9 +14203,7 @@
           </a:prstGeom>
           <a:ln w="2540" cmpd="sng">
             <a:solidFill>
-              <a:schemeClr val="accent3">
-                <a:lumMod val="75000"/>
-              </a:schemeClr>
+              <a:srgbClr val="000000"/>
             </a:solidFill>
             <a:prstDash val="dash"/>
             <a:headEnd type="none"/>
@@ -14474,7 +14234,7 @@
         </p:nvSpPr>
         <p:spPr>
           <a:xfrm>
-            <a:off x="4343659" y="1495496"/>
+            <a:off x="4314621" y="1028663"/>
             <a:ext cx="782227" cy="823673"/>
           </a:xfrm>
           <a:custGeom>
@@ -14643,14 +14403,14 @@
           <p:nvPr/>
         </p:nvPicPr>
         <p:blipFill>
-          <a:blip r:embed="rId3"/>
+          <a:blip r:embed="rId4"/>
           <a:stretch>
             <a:fillRect/>
           </a:stretch>
         </p:blipFill>
         <p:spPr>
           <a:xfrm rot="3597322">
-            <a:off x="4186320" y="2256426"/>
+            <a:off x="4157282" y="1789593"/>
             <a:ext cx="269653" cy="269653"/>
           </a:xfrm>
           <a:prstGeom prst="rect">
@@ -14666,7 +14426,7 @@
         </p:nvSpPr>
         <p:spPr>
           <a:xfrm>
-            <a:off x="4829999" y="1241869"/>
+            <a:off x="4800961" y="775036"/>
             <a:ext cx="1164781" cy="1213606"/>
           </a:xfrm>
           <a:custGeom>
@@ -14922,14 +14682,14 @@
           <p:nvPr/>
         </p:nvPicPr>
         <p:blipFill>
-          <a:blip r:embed="rId3"/>
+          <a:blip r:embed="rId4"/>
           <a:stretch>
             <a:fillRect/>
           </a:stretch>
         </p:blipFill>
         <p:spPr>
           <a:xfrm rot="17376350">
-            <a:off x="5934233" y="2184515"/>
+            <a:off x="5905195" y="1717682"/>
             <a:ext cx="269653" cy="269653"/>
           </a:xfrm>
           <a:prstGeom prst="rect">
@@ -14945,7 +14705,7 @@
         </p:nvCxnSpPr>
         <p:spPr>
           <a:xfrm flipV="1">
-            <a:off x="4505362" y="3680900"/>
+            <a:off x="4476324" y="3214067"/>
             <a:ext cx="0" cy="370309"/>
           </a:xfrm>
           <a:prstGeom prst="straightConnector1">
@@ -14953,9 +14713,7 @@
           </a:prstGeom>
           <a:ln w="2540" cmpd="sng">
             <a:solidFill>
-              <a:schemeClr val="accent3">
-                <a:lumMod val="75000"/>
-              </a:schemeClr>
+              <a:srgbClr val="000000"/>
             </a:solidFill>
             <a:prstDash val="dash"/>
             <a:headEnd type="oval"/>
@@ -14986,7 +14744,7 @@
         </p:nvCxnSpPr>
         <p:spPr>
           <a:xfrm>
-            <a:off x="4505362" y="3680900"/>
+            <a:off x="4476324" y="3214067"/>
             <a:ext cx="2629542" cy="1"/>
           </a:xfrm>
           <a:prstGeom prst="straightConnector1">
@@ -14994,9 +14752,7 @@
           </a:prstGeom>
           <a:ln w="2540" cmpd="sng">
             <a:solidFill>
-              <a:schemeClr val="accent3">
-                <a:lumMod val="75000"/>
-              </a:schemeClr>
+              <a:srgbClr val="000000"/>
             </a:solidFill>
             <a:prstDash val="dash"/>
             <a:headEnd type="none"/>
@@ -15027,7 +14783,7 @@
         </p:nvCxnSpPr>
         <p:spPr>
           <a:xfrm>
-            <a:off x="7134904" y="3680901"/>
+            <a:off x="7105866" y="3214068"/>
             <a:ext cx="0" cy="267730"/>
           </a:xfrm>
           <a:prstGeom prst="straightConnector1">
@@ -15035,9 +14791,7 @@
           </a:prstGeom>
           <a:ln w="2540" cmpd="sng">
             <a:solidFill>
-              <a:schemeClr val="accent3">
-                <a:lumMod val="75000"/>
-              </a:schemeClr>
+              <a:srgbClr val="000000"/>
             </a:solidFill>
             <a:prstDash val="dash"/>
             <a:headEnd type="none"/>
@@ -15068,7 +14822,7 @@
         </p:nvSpPr>
         <p:spPr>
           <a:xfrm>
-            <a:off x="4829775" y="4164356"/>
+            <a:off x="4800737" y="3697523"/>
             <a:ext cx="1164781" cy="1213606"/>
           </a:xfrm>
           <a:custGeom>
@@ -15324,14 +15078,14 @@
           <p:nvPr/>
         </p:nvPicPr>
         <p:blipFill>
-          <a:blip r:embed="rId3"/>
+          <a:blip r:embed="rId4"/>
           <a:stretch>
             <a:fillRect/>
           </a:stretch>
         </p:blipFill>
         <p:spPr>
           <a:xfrm rot="17376350">
-            <a:off x="5934009" y="5107002"/>
+            <a:off x="5904971" y="4640169"/>
             <a:ext cx="269653" cy="269653"/>
           </a:xfrm>
           <a:prstGeom prst="rect">
@@ -15347,7 +15101,7 @@
         </p:nvSpPr>
         <p:spPr>
           <a:xfrm>
-            <a:off x="4343659" y="4411411"/>
+            <a:off x="4314621" y="3944578"/>
             <a:ext cx="782227" cy="823673"/>
           </a:xfrm>
           <a:custGeom>
@@ -15516,14 +15270,14 @@
           <p:nvPr/>
         </p:nvPicPr>
         <p:blipFill>
-          <a:blip r:embed="rId3"/>
+          <a:blip r:embed="rId4"/>
           <a:stretch>
             <a:fillRect/>
           </a:stretch>
         </p:blipFill>
         <p:spPr>
           <a:xfrm rot="3597322">
-            <a:off x="4186320" y="5172341"/>
+            <a:off x="4157282" y="4705508"/>
             <a:ext cx="269653" cy="269653"/>
           </a:xfrm>
           <a:prstGeom prst="rect">
@@ -15539,7 +15293,7 @@
         </p:nvSpPr>
         <p:spPr>
           <a:xfrm>
-            <a:off x="6862541" y="3923973"/>
+            <a:off x="6833503" y="3457140"/>
             <a:ext cx="714521" cy="430887"/>
           </a:xfrm>
           <a:prstGeom prst="rect">
@@ -15582,7 +15336,7 @@
         </p:nvSpPr>
         <p:spPr>
           <a:xfrm>
-            <a:off x="7566777" y="4063538"/>
+            <a:off x="7537739" y="3596705"/>
             <a:ext cx="714521" cy="430887"/>
           </a:xfrm>
           <a:prstGeom prst="rect">
@@ -15629,7 +15383,7 @@
         </p:nvSpPr>
         <p:spPr>
           <a:xfrm>
-            <a:off x="8293628" y="3907395"/>
+            <a:off x="8264590" y="3440562"/>
             <a:ext cx="714521" cy="430887"/>
           </a:xfrm>
           <a:prstGeom prst="rect">
@@ -15676,7 +15430,7 @@
         </p:nvSpPr>
         <p:spPr>
           <a:xfrm>
-            <a:off x="6855635" y="4853513"/>
+            <a:off x="6826597" y="4386680"/>
             <a:ext cx="714521" cy="430887"/>
           </a:xfrm>
           <a:prstGeom prst="rect">
@@ -15723,7 +15477,7 @@
         </p:nvSpPr>
         <p:spPr>
           <a:xfrm>
-            <a:off x="7570156" y="4741971"/>
+            <a:off x="7541118" y="4275138"/>
             <a:ext cx="714521" cy="430887"/>
           </a:xfrm>
           <a:prstGeom prst="rect">
@@ -15770,7 +15524,7 @@
         </p:nvSpPr>
         <p:spPr>
           <a:xfrm>
-            <a:off x="8293363" y="4847300"/>
+            <a:off x="8264325" y="4380467"/>
             <a:ext cx="714521" cy="430887"/>
           </a:xfrm>
           <a:prstGeom prst="rect">
@@ -15817,7 +15571,7 @@
         </p:nvSpPr>
         <p:spPr>
           <a:xfrm>
-            <a:off x="7579107" y="5445410"/>
+            <a:off x="7550069" y="4978577"/>
             <a:ext cx="714521" cy="430887"/>
           </a:xfrm>
           <a:prstGeom prst="rect">
@@ -15853,6 +15607,474 @@
               <a:latin typeface="Seravek ExtraLight"/>
               <a:cs typeface="Seravek ExtraLight"/>
             </a:endParaRPr>
+          </a:p>
+        </p:txBody>
+      </p:sp>
+      <p:sp>
+        <p:nvSpPr>
+          <p:cNvPr id="108" name="Ellipse 107"/>
+          <p:cNvSpPr/>
+          <p:nvPr/>
+        </p:nvSpPr>
+        <p:spPr>
+          <a:xfrm>
+            <a:off x="1396556" y="530890"/>
+            <a:ext cx="1400925" cy="1390248"/>
+          </a:xfrm>
+          <a:prstGeom prst="ellipse">
+            <a:avLst/>
+          </a:prstGeom>
+          <a:solidFill>
+            <a:schemeClr val="bg1">
+              <a:lumMod val="85000"/>
+              <a:alpha val="10000"/>
+            </a:schemeClr>
+          </a:solidFill>
+          <a:ln/>
+          <a:effectLst>
+            <a:outerShdw blurRad="40005" dist="19939" dir="5400000" algn="tl" rotWithShape="0">
+              <a:srgbClr val="000000">
+                <a:alpha val="38000"/>
+              </a:srgbClr>
+            </a:outerShdw>
+          </a:effectLst>
+        </p:spPr>
+        <p:style>
+          <a:lnRef idx="1">
+            <a:schemeClr val="dk1"/>
+          </a:lnRef>
+          <a:fillRef idx="2">
+            <a:schemeClr val="dk1"/>
+          </a:fillRef>
+          <a:effectRef idx="1">
+            <a:schemeClr val="dk1"/>
+          </a:effectRef>
+          <a:fontRef idx="minor">
+            <a:schemeClr val="dk1"/>
+          </a:fontRef>
+        </p:style>
+        <p:txBody>
+          <a:bodyPr rtlCol="0" anchor="ctr"/>
+          <a:lstStyle/>
+          <a:p>
+            <a:pPr algn="ctr"/>
+            <a:endParaRPr lang="fr-FR"/>
+          </a:p>
+        </p:txBody>
+      </p:sp>
+      <p:sp>
+        <p:nvSpPr>
+          <p:cNvPr id="110" name="Ellipse 109"/>
+          <p:cNvSpPr/>
+          <p:nvPr/>
+        </p:nvSpPr>
+        <p:spPr>
+          <a:xfrm>
+            <a:off x="672668" y="530890"/>
+            <a:ext cx="1392059" cy="1366242"/>
+          </a:xfrm>
+          <a:prstGeom prst="ellipse">
+            <a:avLst/>
+          </a:prstGeom>
+          <a:solidFill>
+            <a:schemeClr val="bg1">
+              <a:lumMod val="85000"/>
+              <a:alpha val="10000"/>
+            </a:schemeClr>
+          </a:solidFill>
+          <a:ln/>
+          <a:effectLst>
+            <a:outerShdw blurRad="40005" dist="19939" dir="5400000" algn="tl" rotWithShape="0">
+              <a:srgbClr val="000000">
+                <a:alpha val="38000"/>
+              </a:srgbClr>
+            </a:outerShdw>
+          </a:effectLst>
+        </p:spPr>
+        <p:style>
+          <a:lnRef idx="1">
+            <a:schemeClr val="dk1"/>
+          </a:lnRef>
+          <a:fillRef idx="2">
+            <a:schemeClr val="dk1"/>
+          </a:fillRef>
+          <a:effectRef idx="1">
+            <a:schemeClr val="dk1"/>
+          </a:effectRef>
+          <a:fontRef idx="minor">
+            <a:schemeClr val="dk1"/>
+          </a:fontRef>
+        </p:style>
+        <p:txBody>
+          <a:bodyPr rtlCol="0" anchor="ctr"/>
+          <a:lstStyle/>
+          <a:p>
+            <a:pPr algn="ctr"/>
+            <a:endParaRPr lang="fr-FR"/>
+          </a:p>
+        </p:txBody>
+      </p:sp>
+      <p:sp>
+        <p:nvSpPr>
+          <p:cNvPr id="124" name="Ellipse 123"/>
+          <p:cNvSpPr/>
+          <p:nvPr/>
+        </p:nvSpPr>
+        <p:spPr>
+          <a:xfrm>
+            <a:off x="987728" y="1106974"/>
+            <a:ext cx="1400925" cy="1390248"/>
+          </a:xfrm>
+          <a:prstGeom prst="ellipse">
+            <a:avLst/>
+          </a:prstGeom>
+          <a:solidFill>
+            <a:schemeClr val="bg1">
+              <a:lumMod val="85000"/>
+              <a:alpha val="10000"/>
+            </a:schemeClr>
+          </a:solidFill>
+          <a:ln/>
+          <a:effectLst>
+            <a:outerShdw blurRad="40005" dist="19939" dir="5400000" algn="tl" rotWithShape="0">
+              <a:srgbClr val="000000">
+                <a:alpha val="38000"/>
+              </a:srgbClr>
+            </a:outerShdw>
+          </a:effectLst>
+        </p:spPr>
+        <p:style>
+          <a:lnRef idx="1">
+            <a:schemeClr val="dk1"/>
+          </a:lnRef>
+          <a:fillRef idx="2">
+            <a:schemeClr val="dk1"/>
+          </a:fillRef>
+          <a:effectRef idx="1">
+            <a:schemeClr val="dk1"/>
+          </a:effectRef>
+          <a:fontRef idx="minor">
+            <a:schemeClr val="dk1"/>
+          </a:fontRef>
+        </p:style>
+        <p:txBody>
+          <a:bodyPr rtlCol="0" anchor="ctr"/>
+          <a:lstStyle/>
+          <a:p>
+            <a:pPr algn="ctr"/>
+            <a:endParaRPr lang="fr-FR"/>
+          </a:p>
+        </p:txBody>
+      </p:sp>
+      <p:sp>
+        <p:nvSpPr>
+          <p:cNvPr id="126" name="Ellipse 125"/>
+          <p:cNvSpPr/>
+          <p:nvPr/>
+        </p:nvSpPr>
+        <p:spPr>
+          <a:xfrm>
+            <a:off x="1369560" y="3495294"/>
+            <a:ext cx="1400925" cy="1390248"/>
+          </a:xfrm>
+          <a:prstGeom prst="ellipse">
+            <a:avLst/>
+          </a:prstGeom>
+          <a:solidFill>
+            <a:schemeClr val="bg1">
+              <a:lumMod val="85000"/>
+              <a:alpha val="10000"/>
+            </a:schemeClr>
+          </a:solidFill>
+          <a:ln/>
+          <a:effectLst>
+            <a:outerShdw blurRad="40005" dist="19939" dir="5400000" algn="tl" rotWithShape="0">
+              <a:srgbClr val="000000">
+                <a:alpha val="38000"/>
+              </a:srgbClr>
+            </a:outerShdw>
+          </a:effectLst>
+        </p:spPr>
+        <p:style>
+          <a:lnRef idx="1">
+            <a:schemeClr val="dk1"/>
+          </a:lnRef>
+          <a:fillRef idx="2">
+            <a:schemeClr val="dk1"/>
+          </a:fillRef>
+          <a:effectRef idx="1">
+            <a:schemeClr val="dk1"/>
+          </a:effectRef>
+          <a:fontRef idx="minor">
+            <a:schemeClr val="dk1"/>
+          </a:fontRef>
+        </p:style>
+        <p:txBody>
+          <a:bodyPr rtlCol="0" anchor="ctr"/>
+          <a:lstStyle/>
+          <a:p>
+            <a:pPr algn="ctr"/>
+            <a:endParaRPr lang="fr-FR"/>
+          </a:p>
+        </p:txBody>
+      </p:sp>
+      <p:sp>
+        <p:nvSpPr>
+          <p:cNvPr id="129" name="Ellipse 128"/>
+          <p:cNvSpPr/>
+          <p:nvPr/>
+        </p:nvSpPr>
+        <p:spPr>
+          <a:xfrm>
+            <a:off x="645672" y="3495294"/>
+            <a:ext cx="1392059" cy="1366242"/>
+          </a:xfrm>
+          <a:prstGeom prst="ellipse">
+            <a:avLst/>
+          </a:prstGeom>
+          <a:solidFill>
+            <a:schemeClr val="bg1">
+              <a:lumMod val="85000"/>
+              <a:alpha val="10000"/>
+            </a:schemeClr>
+          </a:solidFill>
+          <a:ln/>
+          <a:effectLst>
+            <a:outerShdw blurRad="40005" dist="19939" dir="5400000" algn="tl" rotWithShape="0">
+              <a:srgbClr val="000000">
+                <a:alpha val="38000"/>
+              </a:srgbClr>
+            </a:outerShdw>
+          </a:effectLst>
+        </p:spPr>
+        <p:style>
+          <a:lnRef idx="1">
+            <a:schemeClr val="dk1"/>
+          </a:lnRef>
+          <a:fillRef idx="2">
+            <a:schemeClr val="dk1"/>
+          </a:fillRef>
+          <a:effectRef idx="1">
+            <a:schemeClr val="dk1"/>
+          </a:effectRef>
+          <a:fontRef idx="minor">
+            <a:schemeClr val="dk1"/>
+          </a:fontRef>
+        </p:style>
+        <p:txBody>
+          <a:bodyPr rtlCol="0" anchor="ctr"/>
+          <a:lstStyle/>
+          <a:p>
+            <a:pPr algn="ctr"/>
+            <a:endParaRPr lang="fr-FR"/>
+          </a:p>
+        </p:txBody>
+      </p:sp>
+      <p:sp>
+        <p:nvSpPr>
+          <p:cNvPr id="130" name="Ellipse 129"/>
+          <p:cNvSpPr/>
+          <p:nvPr/>
+        </p:nvSpPr>
+        <p:spPr>
+          <a:xfrm>
+            <a:off x="960732" y="4071378"/>
+            <a:ext cx="1400925" cy="1390248"/>
+          </a:xfrm>
+          <a:prstGeom prst="ellipse">
+            <a:avLst/>
+          </a:prstGeom>
+          <a:solidFill>
+            <a:schemeClr val="bg1">
+              <a:lumMod val="85000"/>
+              <a:alpha val="10000"/>
+            </a:schemeClr>
+          </a:solidFill>
+          <a:ln/>
+          <a:effectLst>
+            <a:outerShdw blurRad="40005" dist="19939" dir="5400000" algn="tl" rotWithShape="0">
+              <a:srgbClr val="000000">
+                <a:alpha val="38000"/>
+              </a:srgbClr>
+            </a:outerShdw>
+          </a:effectLst>
+        </p:spPr>
+        <p:style>
+          <a:lnRef idx="1">
+            <a:schemeClr val="dk1"/>
+          </a:lnRef>
+          <a:fillRef idx="2">
+            <a:schemeClr val="dk1"/>
+          </a:fillRef>
+          <a:effectRef idx="1">
+            <a:schemeClr val="dk1"/>
+          </a:effectRef>
+          <a:fontRef idx="minor">
+            <a:schemeClr val="dk1"/>
+          </a:fontRef>
+        </p:style>
+        <p:txBody>
+          <a:bodyPr rtlCol="0" anchor="ctr"/>
+          <a:lstStyle/>
+          <a:p>
+            <a:pPr algn="ctr"/>
+            <a:endParaRPr lang="fr-FR"/>
+          </a:p>
+        </p:txBody>
+      </p:sp>
+      <p:sp>
+        <p:nvSpPr>
+          <p:cNvPr id="131" name="Ellipse 130"/>
+          <p:cNvSpPr/>
+          <p:nvPr/>
+        </p:nvSpPr>
+        <p:spPr>
+          <a:xfrm>
+            <a:off x="1451405" y="3556451"/>
+            <a:ext cx="1248525" cy="1269825"/>
+          </a:xfrm>
+          <a:prstGeom prst="ellipse">
+            <a:avLst/>
+          </a:prstGeom>
+          <a:solidFill>
+            <a:schemeClr val="bg1">
+              <a:lumMod val="85000"/>
+              <a:alpha val="10000"/>
+            </a:schemeClr>
+          </a:solidFill>
+          <a:ln/>
+          <a:effectLst>
+            <a:outerShdw blurRad="40005" dist="19939" dir="5400000" algn="tl" rotWithShape="0">
+              <a:srgbClr val="000000">
+                <a:alpha val="38000"/>
+              </a:srgbClr>
+            </a:outerShdw>
+          </a:effectLst>
+        </p:spPr>
+        <p:style>
+          <a:lnRef idx="1">
+            <a:schemeClr val="dk1"/>
+          </a:lnRef>
+          <a:fillRef idx="2">
+            <a:schemeClr val="dk1"/>
+          </a:fillRef>
+          <a:effectRef idx="1">
+            <a:schemeClr val="dk1"/>
+          </a:effectRef>
+          <a:fontRef idx="minor">
+            <a:schemeClr val="dk1"/>
+          </a:fontRef>
+        </p:style>
+        <p:txBody>
+          <a:bodyPr rtlCol="0" anchor="ctr"/>
+          <a:lstStyle/>
+          <a:p>
+            <a:pPr algn="ctr"/>
+            <a:endParaRPr lang="fr-FR"/>
+          </a:p>
+        </p:txBody>
+      </p:sp>
+      <p:sp>
+        <p:nvSpPr>
+          <p:cNvPr id="141" name="Ellipse 140"/>
+          <p:cNvSpPr/>
+          <p:nvPr/>
+        </p:nvSpPr>
+        <p:spPr>
+          <a:xfrm>
+            <a:off x="727517" y="3554372"/>
+            <a:ext cx="1240623" cy="1247898"/>
+          </a:xfrm>
+          <a:prstGeom prst="ellipse">
+            <a:avLst/>
+          </a:prstGeom>
+          <a:solidFill>
+            <a:schemeClr val="bg1">
+              <a:lumMod val="85000"/>
+              <a:alpha val="10000"/>
+            </a:schemeClr>
+          </a:solidFill>
+          <a:ln/>
+          <a:effectLst>
+            <a:outerShdw blurRad="40005" dist="19939" dir="5400000" algn="tl" rotWithShape="0">
+              <a:srgbClr val="000000">
+                <a:alpha val="38000"/>
+              </a:srgbClr>
+            </a:outerShdw>
+          </a:effectLst>
+        </p:spPr>
+        <p:style>
+          <a:lnRef idx="1">
+            <a:schemeClr val="dk1"/>
+          </a:lnRef>
+          <a:fillRef idx="2">
+            <a:schemeClr val="dk1"/>
+          </a:fillRef>
+          <a:effectRef idx="1">
+            <a:schemeClr val="dk1"/>
+          </a:effectRef>
+          <a:fontRef idx="minor">
+            <a:schemeClr val="dk1"/>
+          </a:fontRef>
+        </p:style>
+        <p:txBody>
+          <a:bodyPr rtlCol="0" anchor="ctr"/>
+          <a:lstStyle/>
+          <a:p>
+            <a:pPr algn="ctr"/>
+            <a:endParaRPr lang="fr-FR"/>
+          </a:p>
+        </p:txBody>
+      </p:sp>
+      <p:sp>
+        <p:nvSpPr>
+          <p:cNvPr id="142" name="Ellipse 141"/>
+          <p:cNvSpPr/>
+          <p:nvPr/>
+        </p:nvSpPr>
+        <p:spPr>
+          <a:xfrm>
+            <a:off x="1042577" y="4132535"/>
+            <a:ext cx="1248525" cy="1269825"/>
+          </a:xfrm>
+          <a:prstGeom prst="ellipse">
+            <a:avLst/>
+          </a:prstGeom>
+          <a:solidFill>
+            <a:schemeClr val="bg1">
+              <a:lumMod val="85000"/>
+              <a:alpha val="10000"/>
+            </a:schemeClr>
+          </a:solidFill>
+          <a:ln/>
+          <a:effectLst>
+            <a:outerShdw blurRad="40005" dist="19939" dir="5400000" algn="tl" rotWithShape="0">
+              <a:srgbClr val="000000">
+                <a:alpha val="38000"/>
+              </a:srgbClr>
+            </a:outerShdw>
+          </a:effectLst>
+        </p:spPr>
+        <p:style>
+          <a:lnRef idx="1">
+            <a:schemeClr val="dk1"/>
+          </a:lnRef>
+          <a:fillRef idx="2">
+            <a:schemeClr val="dk1"/>
+          </a:fillRef>
+          <a:effectRef idx="1">
+            <a:schemeClr val="dk1"/>
+          </a:effectRef>
+          <a:fontRef idx="minor">
+            <a:schemeClr val="dk1"/>
+          </a:fontRef>
+        </p:style>
+        <p:txBody>
+          <a:bodyPr rtlCol="0" anchor="ctr"/>
+          <a:lstStyle/>
+          <a:p>
+            <a:pPr algn="ctr"/>
+            <a:endParaRPr lang="fr-FR"/>
           </a:p>
         </p:txBody>
       </p:sp>
@@ -36624,7 +36846,7 @@
         </p:nvSpPr>
         <p:spPr>
           <a:xfrm>
-            <a:off x="484670" y="764397"/>
+            <a:off x="484670" y="212898"/>
             <a:ext cx="8565316" cy="2495667"/>
           </a:xfrm>
           <a:prstGeom prst="roundRect">
@@ -36674,7 +36896,7 @@
         </p:nvSpPr>
         <p:spPr>
           <a:xfrm>
-            <a:off x="484670" y="3685218"/>
+            <a:off x="484670" y="3133719"/>
             <a:ext cx="8565316" cy="2392973"/>
           </a:xfrm>
           <a:prstGeom prst="roundRect">
@@ -36724,7 +36946,7 @@
         </p:nvSpPr>
         <p:spPr>
           <a:xfrm>
-            <a:off x="8362404" y="1472573"/>
+            <a:off x="8235405" y="921074"/>
             <a:ext cx="164008" cy="2312091"/>
           </a:xfrm>
           <a:custGeom>
@@ -36821,7 +37043,7 @@
         </p:nvSpPr>
         <p:spPr>
           <a:xfrm>
-            <a:off x="8320368" y="1849281"/>
+            <a:off x="8193369" y="1297782"/>
             <a:ext cx="642586" cy="625231"/>
           </a:xfrm>
           <a:prstGeom prst="ellipse">
@@ -36889,7 +37111,7 @@
         </p:nvCxnSpPr>
         <p:spPr>
           <a:xfrm>
-            <a:off x="5633837" y="2107514"/>
+            <a:off x="5506838" y="1556015"/>
             <a:ext cx="2847360" cy="387"/>
           </a:xfrm>
           <a:prstGeom prst="straightConnector1">
@@ -36930,7 +37152,7 @@
         </p:nvSpPr>
         <p:spPr>
           <a:xfrm>
-            <a:off x="5351872" y="888076"/>
+            <a:off x="5224873" y="336577"/>
             <a:ext cx="1055935" cy="1323529"/>
           </a:xfrm>
           <a:custGeom>
@@ -37379,7 +37601,7 @@
         </p:nvSpPr>
         <p:spPr>
           <a:xfrm>
-            <a:off x="8320368" y="888908"/>
+            <a:off x="8193369" y="337409"/>
             <a:ext cx="642586" cy="625231"/>
           </a:xfrm>
           <a:prstGeom prst="ellipse">
@@ -37434,7 +37656,7 @@
         </p:nvCxnSpPr>
         <p:spPr>
           <a:xfrm>
-            <a:off x="5959053" y="1322430"/>
+            <a:off x="5832054" y="770931"/>
             <a:ext cx="2522144" cy="0"/>
           </a:xfrm>
           <a:prstGeom prst="straightConnector1">
@@ -37475,7 +37697,7 @@
         </p:nvSpPr>
         <p:spPr>
           <a:xfrm>
-            <a:off x="7601722" y="990334"/>
+            <a:off x="7474723" y="438835"/>
             <a:ext cx="642586" cy="625231"/>
           </a:xfrm>
           <a:prstGeom prst="ellipse">
@@ -37537,7 +37759,7 @@
         </p:nvCxnSpPr>
         <p:spPr>
           <a:xfrm flipV="1">
-            <a:off x="5242221" y="1205302"/>
+            <a:off x="5115222" y="653803"/>
             <a:ext cx="2520856" cy="11760"/>
           </a:xfrm>
           <a:prstGeom prst="straightConnector1">
@@ -37578,7 +37800,7 @@
         </p:nvSpPr>
         <p:spPr>
           <a:xfrm>
-            <a:off x="8481197" y="2487555"/>
+            <a:off x="8354198" y="1936056"/>
             <a:ext cx="272563" cy="2319286"/>
           </a:xfrm>
           <a:custGeom>
@@ -37694,7 +37916,7 @@
         </p:nvSpPr>
         <p:spPr>
           <a:xfrm flipH="1">
-            <a:off x="7855383" y="2343077"/>
+            <a:off x="7728384" y="1791578"/>
             <a:ext cx="67931" cy="2344991"/>
           </a:xfrm>
           <a:custGeom>
@@ -37768,7 +37990,7 @@
         </p:nvSpPr>
         <p:spPr>
           <a:xfrm flipH="1">
-            <a:off x="7953140" y="1615565"/>
+            <a:off x="7826141" y="1064066"/>
             <a:ext cx="67931" cy="2344991"/>
           </a:xfrm>
           <a:custGeom>
@@ -37842,7 +38064,7 @@
         </p:nvSpPr>
         <p:spPr>
           <a:xfrm flipH="1">
-            <a:off x="7763077" y="3131244"/>
+            <a:off x="7636078" y="2579745"/>
             <a:ext cx="67931" cy="2344991"/>
           </a:xfrm>
           <a:custGeom>
@@ -37916,7 +38138,7 @@
         </p:nvSpPr>
         <p:spPr>
           <a:xfrm flipH="1">
-            <a:off x="7310285" y="1487418"/>
+            <a:off x="7183286" y="935919"/>
             <a:ext cx="160298" cy="2312091"/>
           </a:xfrm>
           <a:custGeom>
@@ -38013,7 +38235,7 @@
         </p:nvSpPr>
         <p:spPr>
           <a:xfrm flipH="1">
-            <a:off x="7065306" y="2474512"/>
+            <a:off x="6938307" y="1923013"/>
             <a:ext cx="266397" cy="2319286"/>
           </a:xfrm>
           <a:custGeom>
@@ -38129,7 +38351,7 @@
         </p:nvSpPr>
         <p:spPr>
           <a:xfrm>
-            <a:off x="4884099" y="1544718"/>
+            <a:off x="4757100" y="993219"/>
             <a:ext cx="664675" cy="696040"/>
           </a:xfrm>
           <a:custGeom>
@@ -38362,7 +38584,7 @@
         </p:nvSpPr>
         <p:spPr>
           <a:xfrm>
-            <a:off x="1396556" y="1011834"/>
+            <a:off x="1396556" y="460335"/>
             <a:ext cx="1400925" cy="1390248"/>
           </a:xfrm>
           <a:prstGeom prst="ellipse">
@@ -38371,27 +38593,30 @@
           <a:solidFill>
             <a:schemeClr val="bg1">
               <a:lumMod val="85000"/>
-              <a:alpha val="50000"/>
+              <a:alpha val="10000"/>
             </a:schemeClr>
           </a:solidFill>
-          <a:ln w="3175" cmpd="sng">
-            <a:solidFill>
-              <a:schemeClr val="tx1"/>
-            </a:solidFill>
-          </a:ln>
+          <a:ln/>
+          <a:effectLst>
+            <a:outerShdw blurRad="40005" dist="19939" dir="5400000" algn="tl" rotWithShape="0">
+              <a:srgbClr val="000000">
+                <a:alpha val="38000"/>
+              </a:srgbClr>
+            </a:outerShdw>
+          </a:effectLst>
         </p:spPr>
         <p:style>
-          <a:lnRef idx="0">
-            <a:schemeClr val="accent6"/>
+          <a:lnRef idx="1">
+            <a:schemeClr val="dk1"/>
           </a:lnRef>
-          <a:fillRef idx="3">
-            <a:schemeClr val="accent6"/>
+          <a:fillRef idx="2">
+            <a:schemeClr val="dk1"/>
           </a:fillRef>
-          <a:effectRef idx="3">
-            <a:schemeClr val="accent6"/>
+          <a:effectRef idx="1">
+            <a:schemeClr val="dk1"/>
           </a:effectRef>
           <a:fontRef idx="minor">
-            <a:schemeClr val="lt1"/>
+            <a:schemeClr val="dk1"/>
           </a:fontRef>
         </p:style>
         <p:txBody>
@@ -38411,7 +38636,7 @@
         </p:nvSpPr>
         <p:spPr>
           <a:xfrm>
-            <a:off x="672668" y="1011834"/>
+            <a:off x="672668" y="460335"/>
             <a:ext cx="1392059" cy="1366242"/>
           </a:xfrm>
           <a:prstGeom prst="ellipse">
@@ -38419,28 +38644,31 @@
           </a:prstGeom>
           <a:solidFill>
             <a:schemeClr val="bg1">
-              <a:lumMod val="95000"/>
-              <a:alpha val="50000"/>
+              <a:lumMod val="85000"/>
+              <a:alpha val="10000"/>
             </a:schemeClr>
           </a:solidFill>
-          <a:ln w="3175" cmpd="sng">
-            <a:solidFill>
-              <a:schemeClr val="tx1"/>
-            </a:solidFill>
-          </a:ln>
+          <a:ln/>
+          <a:effectLst>
+            <a:outerShdw blurRad="40005" dist="19939" dir="5400000" algn="tl" rotWithShape="0">
+              <a:srgbClr val="000000">
+                <a:alpha val="38000"/>
+              </a:srgbClr>
+            </a:outerShdw>
+          </a:effectLst>
         </p:spPr>
         <p:style>
-          <a:lnRef idx="0">
-            <a:schemeClr val="accent1"/>
+          <a:lnRef idx="1">
+            <a:schemeClr val="dk1"/>
           </a:lnRef>
-          <a:fillRef idx="3">
-            <a:schemeClr val="accent1"/>
+          <a:fillRef idx="2">
+            <a:schemeClr val="dk1"/>
           </a:fillRef>
-          <a:effectRef idx="3">
-            <a:schemeClr val="accent1"/>
+          <a:effectRef idx="1">
+            <a:schemeClr val="dk1"/>
           </a:effectRef>
           <a:fontRef idx="minor">
-            <a:schemeClr val="lt1"/>
+            <a:schemeClr val="dk1"/>
           </a:fontRef>
         </p:style>
         <p:txBody>
@@ -38460,7 +38688,7 @@
         </p:nvSpPr>
         <p:spPr>
           <a:xfrm>
-            <a:off x="987728" y="1587918"/>
+            <a:off x="987728" y="1036419"/>
             <a:ext cx="1400925" cy="1390248"/>
           </a:xfrm>
           <a:prstGeom prst="ellipse">
@@ -38468,28 +38696,31 @@
           </a:prstGeom>
           <a:solidFill>
             <a:schemeClr val="bg1">
-              <a:lumMod val="65000"/>
-              <a:alpha val="50000"/>
+              <a:lumMod val="85000"/>
+              <a:alpha val="10000"/>
             </a:schemeClr>
           </a:solidFill>
-          <a:ln w="3175" cmpd="sng">
-            <a:solidFill>
-              <a:schemeClr val="tx1"/>
-            </a:solidFill>
-          </a:ln>
+          <a:ln/>
+          <a:effectLst>
+            <a:outerShdw blurRad="40005" dist="19939" dir="5400000" algn="tl" rotWithShape="0">
+              <a:srgbClr val="000000">
+                <a:alpha val="38000"/>
+              </a:srgbClr>
+            </a:outerShdw>
+          </a:effectLst>
         </p:spPr>
         <p:style>
-          <a:lnRef idx="0">
-            <a:schemeClr val="accent2"/>
+          <a:lnRef idx="1">
+            <a:schemeClr val="dk1"/>
           </a:lnRef>
-          <a:fillRef idx="3">
-            <a:schemeClr val="accent2"/>
+          <a:fillRef idx="2">
+            <a:schemeClr val="dk1"/>
           </a:fillRef>
-          <a:effectRef idx="3">
-            <a:schemeClr val="accent2"/>
+          <a:effectRef idx="1">
+            <a:schemeClr val="dk1"/>
           </a:effectRef>
           <a:fontRef idx="minor">
-            <a:schemeClr val="lt1"/>
+            <a:schemeClr val="dk1"/>
           </a:fontRef>
         </p:style>
         <p:txBody>
@@ -38509,7 +38740,7 @@
         </p:nvSpPr>
         <p:spPr>
           <a:xfrm>
-            <a:off x="4884099" y="971304"/>
+            <a:off x="4757100" y="419805"/>
             <a:ext cx="669925" cy="571500"/>
           </a:xfrm>
           <a:custGeom>
@@ -38870,7 +39101,7 @@
         </p:nvSpPr>
         <p:spPr>
           <a:xfrm>
-            <a:off x="5293567" y="1706140"/>
+            <a:off x="5166568" y="1154641"/>
             <a:ext cx="663852" cy="695942"/>
           </a:xfrm>
           <a:custGeom>
@@ -39215,7 +39446,7 @@
         </p:nvSpPr>
         <p:spPr>
           <a:xfrm>
-            <a:off x="4483137" y="2369436"/>
+            <a:off x="4356138" y="1817937"/>
             <a:ext cx="1386465" cy="683828"/>
           </a:xfrm>
           <a:custGeom>
@@ -39592,7 +39823,7 @@
         </p:nvSpPr>
         <p:spPr>
           <a:xfrm>
-            <a:off x="4390671" y="1637065"/>
+            <a:off x="4263672" y="1085566"/>
             <a:ext cx="709083" cy="716139"/>
           </a:xfrm>
           <a:custGeom>
@@ -39913,7 +40144,7 @@
         </p:nvSpPr>
         <p:spPr>
           <a:xfrm>
-            <a:off x="4018670" y="918916"/>
+            <a:off x="3891671" y="367417"/>
             <a:ext cx="1050925" cy="1247775"/>
           </a:xfrm>
           <a:custGeom>
@@ -40370,7 +40601,7 @@
         </p:nvSpPr>
         <p:spPr>
           <a:xfrm>
-            <a:off x="6887201" y="888076"/>
+            <a:off x="6760202" y="336577"/>
             <a:ext cx="642586" cy="625231"/>
           </a:xfrm>
           <a:prstGeom prst="ellipse">
@@ -40445,7 +40676,7 @@
         </p:nvSpPr>
         <p:spPr>
           <a:xfrm>
-            <a:off x="7601722" y="2506013"/>
+            <a:off x="7474723" y="1954514"/>
             <a:ext cx="642586" cy="625231"/>
           </a:xfrm>
           <a:prstGeom prst="ellipse">
@@ -40520,7 +40751,7 @@
         </p:nvSpPr>
         <p:spPr>
           <a:xfrm>
-            <a:off x="4884099" y="4456151"/>
+            <a:off x="4757100" y="3904652"/>
             <a:ext cx="664675" cy="696040"/>
           </a:xfrm>
           <a:custGeom>
@@ -40753,7 +40984,7 @@
         </p:nvSpPr>
         <p:spPr>
           <a:xfrm>
-            <a:off x="4884099" y="3882737"/>
+            <a:off x="4757100" y="3331238"/>
             <a:ext cx="669925" cy="571500"/>
           </a:xfrm>
           <a:custGeom>
@@ -41114,7 +41345,7 @@
         </p:nvSpPr>
         <p:spPr>
           <a:xfrm>
-            <a:off x="5351872" y="3799509"/>
+            <a:off x="5224873" y="3248010"/>
             <a:ext cx="1055935" cy="1323529"/>
           </a:xfrm>
           <a:custGeom>
@@ -41563,7 +41794,7 @@
         </p:nvSpPr>
         <p:spPr>
           <a:xfrm>
-            <a:off x="5293567" y="4617573"/>
+            <a:off x="5166568" y="4066074"/>
             <a:ext cx="663852" cy="695942"/>
           </a:xfrm>
           <a:custGeom>
@@ -41908,7 +42139,7 @@
         </p:nvSpPr>
         <p:spPr>
           <a:xfrm>
-            <a:off x="4483137" y="5280869"/>
+            <a:off x="4356138" y="4729370"/>
             <a:ext cx="1386465" cy="683828"/>
           </a:xfrm>
           <a:custGeom>
@@ -42285,7 +42516,7 @@
         </p:nvSpPr>
         <p:spPr>
           <a:xfrm>
-            <a:off x="4390671" y="4548498"/>
+            <a:off x="4263672" y="3996999"/>
             <a:ext cx="709083" cy="716139"/>
           </a:xfrm>
           <a:custGeom>
@@ -42606,7 +42837,7 @@
         </p:nvSpPr>
         <p:spPr>
           <a:xfrm>
-            <a:off x="4018670" y="3830349"/>
+            <a:off x="3891671" y="3278850"/>
             <a:ext cx="1050925" cy="1247775"/>
           </a:xfrm>
           <a:custGeom>
@@ -43063,7 +43294,7 @@
         </p:nvSpPr>
         <p:spPr>
           <a:xfrm>
-            <a:off x="8320368" y="3800341"/>
+            <a:off x="8193369" y="3248842"/>
             <a:ext cx="642586" cy="625231"/>
           </a:xfrm>
           <a:prstGeom prst="ellipse">
@@ -43110,7 +43341,7 @@
         </p:nvSpPr>
         <p:spPr>
           <a:xfrm>
-            <a:off x="8320368" y="4760714"/>
+            <a:off x="8193369" y="4209215"/>
             <a:ext cx="642586" cy="625231"/>
           </a:xfrm>
           <a:prstGeom prst="ellipse">
@@ -43157,7 +43388,7 @@
         </p:nvSpPr>
         <p:spPr>
           <a:xfrm>
-            <a:off x="7601722" y="5358656"/>
+            <a:off x="7474723" y="4807157"/>
             <a:ext cx="642586" cy="625231"/>
           </a:xfrm>
           <a:prstGeom prst="ellipse">
@@ -43204,7 +43435,7 @@
         </p:nvSpPr>
         <p:spPr>
           <a:xfrm>
-            <a:off x="8359401" y="3832091"/>
+            <a:off x="8232402" y="3280592"/>
             <a:ext cx="568800" cy="554400"/>
           </a:xfrm>
           <a:prstGeom prst="ellipse">
@@ -43280,7 +43511,7 @@
         </p:nvSpPr>
         <p:spPr>
           <a:xfrm>
-            <a:off x="8362404" y="4794574"/>
+            <a:off x="8235405" y="4243075"/>
             <a:ext cx="568800" cy="554400"/>
           </a:xfrm>
           <a:prstGeom prst="ellipse">
@@ -43356,7 +43587,7 @@
         </p:nvSpPr>
         <p:spPr>
           <a:xfrm>
-            <a:off x="7635453" y="5392961"/>
+            <a:off x="7508454" y="4841462"/>
             <a:ext cx="568800" cy="554400"/>
           </a:xfrm>
           <a:prstGeom prst="ellipse">
@@ -43432,7 +43663,7 @@
         </p:nvCxnSpPr>
         <p:spPr>
           <a:xfrm flipV="1">
-            <a:off x="4584184" y="1111692"/>
+            <a:off x="4457185" y="560193"/>
             <a:ext cx="2481122" cy="11760"/>
           </a:xfrm>
           <a:prstGeom prst="straightConnector1">
@@ -43473,7 +43704,7 @@
         </p:nvCxnSpPr>
         <p:spPr>
           <a:xfrm>
-            <a:off x="5242221" y="2847368"/>
+            <a:off x="5115222" y="2295869"/>
             <a:ext cx="2520856" cy="0"/>
           </a:xfrm>
           <a:prstGeom prst="straightConnector1">
@@ -43514,7 +43745,7 @@
         </p:nvCxnSpPr>
         <p:spPr>
           <a:xfrm flipV="1">
-            <a:off x="5984442" y="4242078"/>
+            <a:off x="5857443" y="3690579"/>
             <a:ext cx="2622230" cy="11760"/>
           </a:xfrm>
           <a:prstGeom prst="straightConnector1">
@@ -43555,7 +43786,7 @@
         </p:nvCxnSpPr>
         <p:spPr>
           <a:xfrm>
-            <a:off x="5659226" y="5038922"/>
+            <a:off x="5532227" y="4487423"/>
             <a:ext cx="2867186" cy="2626"/>
           </a:xfrm>
           <a:prstGeom prst="straightConnector1">
@@ -43596,7 +43827,7 @@
         </p:nvCxnSpPr>
         <p:spPr>
           <a:xfrm>
-            <a:off x="5267610" y="5778776"/>
+            <a:off x="5140611" y="5227277"/>
             <a:ext cx="2718184" cy="387"/>
           </a:xfrm>
           <a:prstGeom prst="straightConnector1">
@@ -43637,7 +43868,7 @@
         </p:nvSpPr>
         <p:spPr>
           <a:xfrm flipH="1">
-            <a:off x="2421666" y="2232305"/>
+            <a:off x="2421666" y="1680806"/>
             <a:ext cx="398059" cy="1799037"/>
           </a:xfrm>
           <a:custGeom>
@@ -43753,7 +43984,7 @@
         </p:nvSpPr>
         <p:spPr>
           <a:xfrm>
-            <a:off x="602114" y="2216666"/>
+            <a:off x="602114" y="1665167"/>
             <a:ext cx="418048" cy="1814676"/>
           </a:xfrm>
           <a:custGeom>
@@ -43869,7 +44100,7 @@
         </p:nvSpPr>
         <p:spPr>
           <a:xfrm flipH="1">
-            <a:off x="1647983" y="2978166"/>
+            <a:off x="1647983" y="2426667"/>
             <a:ext cx="67931" cy="1521185"/>
           </a:xfrm>
           <a:custGeom>
@@ -43943,7 +44174,7 @@
         </p:nvSpPr>
         <p:spPr>
           <a:xfrm>
-            <a:off x="7601722" y="1736835"/>
+            <a:off x="7474723" y="1185336"/>
             <a:ext cx="642586" cy="625231"/>
           </a:xfrm>
           <a:prstGeom prst="ellipse">
@@ -44011,7 +44242,7 @@
         </p:nvCxnSpPr>
         <p:spPr>
           <a:xfrm>
-            <a:off x="5242221" y="2001231"/>
+            <a:off x="5115222" y="1449732"/>
             <a:ext cx="2520856" cy="0"/>
           </a:xfrm>
           <a:prstGeom prst="straightConnector1">
@@ -44046,23 +44277,20 @@
       </p:cxnSp>
       <p:sp>
         <p:nvSpPr>
-          <p:cNvPr id="98" name="Ellipse 97"/>
+          <p:cNvPr id="18" name="Ellipse 17"/>
           <p:cNvSpPr/>
           <p:nvPr/>
         </p:nvSpPr>
         <p:spPr>
           <a:xfrm>
-            <a:off x="1396556" y="3941529"/>
-            <a:ext cx="1400925" cy="1390248"/>
+            <a:off x="6760202" y="1297782"/>
+            <a:ext cx="642586" cy="625231"/>
           </a:xfrm>
           <a:prstGeom prst="ellipse">
             <a:avLst/>
           </a:prstGeom>
           <a:solidFill>
-            <a:schemeClr val="bg1">
-              <a:lumMod val="85000"/>
-              <a:alpha val="50000"/>
-            </a:schemeClr>
+            <a:schemeClr val="bg1"/>
           </a:solidFill>
           <a:ln w="3175" cmpd="sng">
             <a:solidFill>
@@ -44089,150 +44317,6 @@
           <a:lstStyle/>
           <a:p>
             <a:pPr algn="ctr"/>
-            <a:endParaRPr lang="fr-FR"/>
-          </a:p>
-        </p:txBody>
-      </p:sp>
-      <p:sp>
-        <p:nvSpPr>
-          <p:cNvPr id="99" name="Ellipse 98"/>
-          <p:cNvSpPr/>
-          <p:nvPr/>
-        </p:nvSpPr>
-        <p:spPr>
-          <a:xfrm>
-            <a:off x="672668" y="3941529"/>
-            <a:ext cx="1392059" cy="1366242"/>
-          </a:xfrm>
-          <a:prstGeom prst="ellipse">
-            <a:avLst/>
-          </a:prstGeom>
-          <a:solidFill>
-            <a:schemeClr val="bg1">
-              <a:lumMod val="95000"/>
-              <a:alpha val="50000"/>
-            </a:schemeClr>
-          </a:solidFill>
-          <a:ln w="3175" cmpd="sng">
-            <a:solidFill>
-              <a:schemeClr val="tx1"/>
-            </a:solidFill>
-          </a:ln>
-        </p:spPr>
-        <p:style>
-          <a:lnRef idx="0">
-            <a:schemeClr val="accent1"/>
-          </a:lnRef>
-          <a:fillRef idx="3">
-            <a:schemeClr val="accent1"/>
-          </a:fillRef>
-          <a:effectRef idx="3">
-            <a:schemeClr val="accent1"/>
-          </a:effectRef>
-          <a:fontRef idx="minor">
-            <a:schemeClr val="lt1"/>
-          </a:fontRef>
-        </p:style>
-        <p:txBody>
-          <a:bodyPr rtlCol="0" anchor="ctr"/>
-          <a:lstStyle/>
-          <a:p>
-            <a:pPr algn="ctr"/>
-            <a:endParaRPr lang="fr-FR"/>
-          </a:p>
-        </p:txBody>
-      </p:sp>
-      <p:sp>
-        <p:nvSpPr>
-          <p:cNvPr id="100" name="Ellipse 99"/>
-          <p:cNvSpPr/>
-          <p:nvPr/>
-        </p:nvSpPr>
-        <p:spPr>
-          <a:xfrm>
-            <a:off x="987728" y="4517613"/>
-            <a:ext cx="1400925" cy="1390248"/>
-          </a:xfrm>
-          <a:prstGeom prst="ellipse">
-            <a:avLst/>
-          </a:prstGeom>
-          <a:solidFill>
-            <a:schemeClr val="bg1">
-              <a:lumMod val="65000"/>
-              <a:alpha val="50000"/>
-            </a:schemeClr>
-          </a:solidFill>
-          <a:ln w="3175" cmpd="sng">
-            <a:solidFill>
-              <a:schemeClr val="tx1"/>
-            </a:solidFill>
-          </a:ln>
-        </p:spPr>
-        <p:style>
-          <a:lnRef idx="0">
-            <a:schemeClr val="accent2"/>
-          </a:lnRef>
-          <a:fillRef idx="3">
-            <a:schemeClr val="accent2"/>
-          </a:fillRef>
-          <a:effectRef idx="3">
-            <a:schemeClr val="accent2"/>
-          </a:effectRef>
-          <a:fontRef idx="minor">
-            <a:schemeClr val="lt1"/>
-          </a:fontRef>
-        </p:style>
-        <p:txBody>
-          <a:bodyPr rtlCol="0" anchor="ctr"/>
-          <a:lstStyle/>
-          <a:p>
-            <a:pPr algn="ctr"/>
-            <a:endParaRPr lang="fr-FR"/>
-          </a:p>
-        </p:txBody>
-      </p:sp>
-      <p:sp>
-        <p:nvSpPr>
-          <p:cNvPr id="18" name="Ellipse 17"/>
-          <p:cNvSpPr/>
-          <p:nvPr/>
-        </p:nvSpPr>
-        <p:spPr>
-          <a:xfrm>
-            <a:off x="6887201" y="1849281"/>
-            <a:ext cx="642586" cy="625231"/>
-          </a:xfrm>
-          <a:prstGeom prst="ellipse">
-            <a:avLst/>
-          </a:prstGeom>
-          <a:solidFill>
-            <a:schemeClr val="bg1"/>
-          </a:solidFill>
-          <a:ln w="3175" cmpd="sng">
-            <a:solidFill>
-              <a:schemeClr val="tx1"/>
-            </a:solidFill>
-          </a:ln>
-        </p:spPr>
-        <p:style>
-          <a:lnRef idx="0">
-            <a:schemeClr val="accent6"/>
-          </a:lnRef>
-          <a:fillRef idx="3">
-            <a:schemeClr val="accent6"/>
-          </a:fillRef>
-          <a:effectRef idx="3">
-            <a:schemeClr val="accent6"/>
-          </a:effectRef>
-          <a:fontRef idx="minor">
-            <a:schemeClr val="lt1"/>
-          </a:fontRef>
-        </p:style>
-        <p:txBody>
-          <a:bodyPr rtlCol="0" anchor="ctr"/>
-          <a:lstStyle/>
-          <a:p>
-            <a:pPr algn="ctr"/>
             <a:r>
               <a:rPr lang="fr-FR" sz="1100" dirty="0">
                 <a:solidFill>
@@ -44267,7 +44351,7 @@
         </p:nvCxnSpPr>
         <p:spPr>
           <a:xfrm flipV="1">
-            <a:off x="4558487" y="2199845"/>
+            <a:off x="4431488" y="1648346"/>
             <a:ext cx="2506819" cy="11760"/>
           </a:xfrm>
           <a:prstGeom prst="straightConnector1">
@@ -44308,7 +44392,7 @@
         </p:nvCxnSpPr>
         <p:spPr>
           <a:xfrm>
-            <a:off x="2983153" y="2196963"/>
+            <a:off x="2856154" y="1645464"/>
             <a:ext cx="290070" cy="0"/>
           </a:xfrm>
           <a:prstGeom prst="line">
@@ -44346,7 +44430,7 @@
         </p:nvSpPr>
         <p:spPr>
           <a:xfrm>
-            <a:off x="3273223" y="1989604"/>
+            <a:off x="3146224" y="1438105"/>
             <a:ext cx="438513" cy="210818"/>
           </a:xfrm>
           <a:custGeom>
@@ -44446,7 +44530,7 @@
         </p:nvSpPr>
         <p:spPr>
           <a:xfrm>
-            <a:off x="3357284" y="2050708"/>
+            <a:off x="3230285" y="1499209"/>
             <a:ext cx="438513" cy="151950"/>
           </a:xfrm>
           <a:custGeom>
@@ -44546,7 +44630,7 @@
         </p:nvSpPr>
         <p:spPr>
           <a:xfrm flipV="1">
-            <a:off x="3277554" y="2192645"/>
+            <a:off x="3150555" y="1641146"/>
             <a:ext cx="438513" cy="262841"/>
           </a:xfrm>
           <a:custGeom>
@@ -44646,7 +44730,7 @@
         </p:nvSpPr>
         <p:spPr>
           <a:xfrm flipV="1">
-            <a:off x="3361615" y="2194882"/>
+            <a:off x="3234616" y="1643383"/>
             <a:ext cx="438513" cy="189446"/>
           </a:xfrm>
           <a:custGeom>
@@ -44754,7 +44838,7 @@
         </p:blipFill>
         <p:spPr>
           <a:xfrm>
-            <a:off x="3174341" y="1761126"/>
+            <a:off x="3047342" y="1209627"/>
             <a:ext cx="365886" cy="365886"/>
           </a:xfrm>
           <a:prstGeom prst="rect">
@@ -44770,7 +44854,7 @@
         </p:nvSpPr>
         <p:spPr>
           <a:xfrm>
-            <a:off x="2870078" y="1262289"/>
+            <a:off x="2743079" y="710790"/>
             <a:ext cx="1215034" cy="492443"/>
           </a:xfrm>
           <a:prstGeom prst="rect">
@@ -44807,7 +44891,7 @@
         </p:nvCxnSpPr>
         <p:spPr>
           <a:xfrm>
-            <a:off x="2959876" y="5187803"/>
+            <a:off x="2832877" y="4636304"/>
             <a:ext cx="290070" cy="0"/>
           </a:xfrm>
           <a:prstGeom prst="line">
@@ -44845,7 +44929,7 @@
         </p:nvSpPr>
         <p:spPr>
           <a:xfrm>
-            <a:off x="3249946" y="4980444"/>
+            <a:off x="3122947" y="4428945"/>
             <a:ext cx="438513" cy="210818"/>
           </a:xfrm>
           <a:custGeom>
@@ -44945,7 +45029,7 @@
         </p:nvSpPr>
         <p:spPr>
           <a:xfrm>
-            <a:off x="3334007" y="5041548"/>
+            <a:off x="3207008" y="4490049"/>
             <a:ext cx="438513" cy="151950"/>
           </a:xfrm>
           <a:custGeom>
@@ -45045,7 +45129,7 @@
         </p:nvSpPr>
         <p:spPr>
           <a:xfrm flipV="1">
-            <a:off x="3254277" y="5183485"/>
+            <a:off x="3127278" y="4631986"/>
             <a:ext cx="438513" cy="262841"/>
           </a:xfrm>
           <a:custGeom>
@@ -45145,7 +45229,7 @@
         </p:nvSpPr>
         <p:spPr>
           <a:xfrm flipV="1">
-            <a:off x="3338338" y="5185722"/>
+            <a:off x="3211339" y="4634223"/>
             <a:ext cx="438513" cy="189446"/>
           </a:xfrm>
           <a:custGeom>
@@ -45253,7 +45337,7 @@
         </p:blipFill>
         <p:spPr>
           <a:xfrm>
-            <a:off x="3151064" y="4751966"/>
+            <a:off x="3024065" y="4200467"/>
             <a:ext cx="365886" cy="365886"/>
           </a:xfrm>
           <a:prstGeom prst="rect">
@@ -45269,7 +45353,7 @@
         </p:nvSpPr>
         <p:spPr>
           <a:xfrm>
-            <a:off x="2846801" y="4253129"/>
+            <a:off x="2719802" y="3701630"/>
             <a:ext cx="1215034" cy="492443"/>
           </a:xfrm>
           <a:prstGeom prst="rect">
@@ -45306,7 +45390,7 @@
         </p:nvSpPr>
         <p:spPr>
           <a:xfrm>
-            <a:off x="7601722" y="3960557"/>
+            <a:off x="7474723" y="3409058"/>
             <a:ext cx="642586" cy="625231"/>
           </a:xfrm>
           <a:prstGeom prst="ellipse">
@@ -45353,7 +45437,7 @@
         </p:nvSpPr>
         <p:spPr>
           <a:xfrm>
-            <a:off x="7635453" y="3997191"/>
+            <a:off x="7508454" y="3445692"/>
             <a:ext cx="568800" cy="554400"/>
           </a:xfrm>
           <a:prstGeom prst="ellipse">
@@ -45429,7 +45513,7 @@
         </p:nvCxnSpPr>
         <p:spPr>
           <a:xfrm flipV="1">
-            <a:off x="5267610" y="4136710"/>
+            <a:off x="5140611" y="3585211"/>
             <a:ext cx="2622230" cy="11760"/>
           </a:xfrm>
           <a:prstGeom prst="straightConnector1">
@@ -45470,7 +45554,7 @@
         </p:nvSpPr>
         <p:spPr>
           <a:xfrm>
-            <a:off x="6887201" y="3799509"/>
+            <a:off x="6760202" y="3248010"/>
             <a:ext cx="642586" cy="625231"/>
           </a:xfrm>
           <a:prstGeom prst="ellipse">
@@ -45517,7 +45601,7 @@
         </p:nvSpPr>
         <p:spPr>
           <a:xfrm>
-            <a:off x="6925301" y="3843849"/>
+            <a:off x="6798302" y="3292350"/>
             <a:ext cx="568800" cy="554400"/>
           </a:xfrm>
           <a:prstGeom prst="ellipse">
@@ -45593,7 +45677,7 @@
         </p:nvCxnSpPr>
         <p:spPr>
           <a:xfrm flipV="1">
-            <a:off x="4609573" y="4031342"/>
+            <a:off x="4482574" y="3479843"/>
             <a:ext cx="2455733" cy="23518"/>
           </a:xfrm>
           <a:prstGeom prst="straightConnector1">
@@ -45634,7 +45718,7 @@
         </p:nvSpPr>
         <p:spPr>
           <a:xfrm>
-            <a:off x="7601722" y="4648268"/>
+            <a:off x="7474723" y="4096769"/>
             <a:ext cx="642586" cy="625231"/>
           </a:xfrm>
           <a:prstGeom prst="ellipse">
@@ -45681,7 +45765,7 @@
         </p:nvSpPr>
         <p:spPr>
           <a:xfrm>
-            <a:off x="7635453" y="4680684"/>
+            <a:off x="7508454" y="4129185"/>
             <a:ext cx="568800" cy="554400"/>
           </a:xfrm>
           <a:prstGeom prst="ellipse">
@@ -45757,7 +45841,7 @@
         </p:nvCxnSpPr>
         <p:spPr>
           <a:xfrm>
-            <a:off x="5267610" y="4932639"/>
+            <a:off x="5140611" y="4381140"/>
             <a:ext cx="2563398" cy="0"/>
           </a:xfrm>
           <a:prstGeom prst="straightConnector1">
@@ -45798,7 +45882,7 @@
         </p:nvSpPr>
         <p:spPr>
           <a:xfrm>
-            <a:off x="6887201" y="4760714"/>
+            <a:off x="6760202" y="4209215"/>
             <a:ext cx="642586" cy="625231"/>
           </a:xfrm>
           <a:prstGeom prst="ellipse">
@@ -45845,7 +45929,7 @@
         </p:nvSpPr>
         <p:spPr>
           <a:xfrm>
-            <a:off x="6925301" y="4794574"/>
+            <a:off x="6798302" y="4243075"/>
             <a:ext cx="568800" cy="554400"/>
           </a:xfrm>
           <a:prstGeom prst="ellipse">
@@ -45921,7 +46005,7 @@
         </p:nvCxnSpPr>
         <p:spPr>
           <a:xfrm flipV="1">
-            <a:off x="4583876" y="5131253"/>
+            <a:off x="4456877" y="4579754"/>
             <a:ext cx="2481430" cy="11760"/>
           </a:xfrm>
           <a:prstGeom prst="straightConnector1">
@@ -45962,7 +46046,7 @@
         </p:nvSpPr>
         <p:spPr>
           <a:xfrm>
-            <a:off x="518392" y="842316"/>
+            <a:off x="518392" y="290817"/>
             <a:ext cx="640598" cy="292388"/>
           </a:xfrm>
           <a:prstGeom prst="rect">
@@ -45999,7 +46083,7 @@
         </p:nvSpPr>
         <p:spPr>
           <a:xfrm>
-            <a:off x="1549343" y="739739"/>
+            <a:off x="1549343" y="188240"/>
             <a:ext cx="640598" cy="292388"/>
           </a:xfrm>
           <a:prstGeom prst="rect">
@@ -46043,7 +46127,7 @@
         </p:nvSpPr>
         <p:spPr>
           <a:xfrm>
-            <a:off x="801701" y="2793231"/>
+            <a:off x="801701" y="2241732"/>
             <a:ext cx="640598" cy="292388"/>
           </a:xfrm>
           <a:prstGeom prst="rect">
@@ -46087,7 +46171,7 @@
         </p:nvSpPr>
         <p:spPr>
           <a:xfrm>
-            <a:off x="432082" y="3754875"/>
+            <a:off x="432082" y="3203376"/>
             <a:ext cx="890494" cy="292388"/>
           </a:xfrm>
           <a:prstGeom prst="rect">
@@ -46124,7 +46208,7 @@
         </p:nvSpPr>
         <p:spPr>
           <a:xfrm>
-            <a:off x="1545500" y="3660560"/>
+            <a:off x="1545500" y="3109061"/>
             <a:ext cx="890494" cy="292388"/>
           </a:xfrm>
           <a:prstGeom prst="rect">
@@ -46161,7 +46245,7 @@
         </p:nvSpPr>
         <p:spPr>
           <a:xfrm>
-            <a:off x="615103" y="5715952"/>
+            <a:off x="615103" y="5164453"/>
             <a:ext cx="890494" cy="292388"/>
           </a:xfrm>
           <a:prstGeom prst="rect">
@@ -46198,7 +46282,7 @@
         </p:nvSpPr>
         <p:spPr>
           <a:xfrm rot="16200000">
-            <a:off x="-865812" y="4720121"/>
+            <a:off x="-865812" y="4168622"/>
             <a:ext cx="2392973" cy="323165"/>
           </a:xfrm>
           <a:prstGeom prst="rect">
@@ -46235,7 +46319,7 @@
         </p:nvSpPr>
         <p:spPr>
           <a:xfrm rot="16200000">
-            <a:off x="-924745" y="1850647"/>
+            <a:off x="-924745" y="1299148"/>
             <a:ext cx="2495666" cy="323165"/>
           </a:xfrm>
           <a:prstGeom prst="rect">
@@ -46258,6 +46342,294 @@
               <a:t>Syntax</a:t>
             </a:r>
             <a:endParaRPr lang="en-US" sz="1500" b="1" dirty="0">
+              <a:latin typeface="Seravek ExtraLight"/>
+              <a:cs typeface="Seravek ExtraLight"/>
+            </a:endParaRPr>
+          </a:p>
+        </p:txBody>
+      </p:sp>
+      <p:sp>
+        <p:nvSpPr>
+          <p:cNvPr id="91" name="Ellipse 90"/>
+          <p:cNvSpPr/>
+          <p:nvPr/>
+        </p:nvSpPr>
+        <p:spPr>
+          <a:xfrm>
+            <a:off x="1429569" y="3412342"/>
+            <a:ext cx="1400925" cy="1390248"/>
+          </a:xfrm>
+          <a:prstGeom prst="ellipse">
+            <a:avLst/>
+          </a:prstGeom>
+          <a:solidFill>
+            <a:schemeClr val="bg1">
+              <a:lumMod val="85000"/>
+              <a:alpha val="10000"/>
+            </a:schemeClr>
+          </a:solidFill>
+          <a:ln/>
+          <a:effectLst>
+            <a:outerShdw blurRad="40005" dist="19939" dir="5400000" algn="tl" rotWithShape="0">
+              <a:srgbClr val="000000">
+                <a:alpha val="38000"/>
+              </a:srgbClr>
+            </a:outerShdw>
+          </a:effectLst>
+        </p:spPr>
+        <p:style>
+          <a:lnRef idx="1">
+            <a:schemeClr val="dk1"/>
+          </a:lnRef>
+          <a:fillRef idx="2">
+            <a:schemeClr val="dk1"/>
+          </a:fillRef>
+          <a:effectRef idx="1">
+            <a:schemeClr val="dk1"/>
+          </a:effectRef>
+          <a:fontRef idx="minor">
+            <a:schemeClr val="dk1"/>
+          </a:fontRef>
+        </p:style>
+        <p:txBody>
+          <a:bodyPr rtlCol="0" anchor="ctr"/>
+          <a:lstStyle/>
+          <a:p>
+            <a:pPr algn="ctr"/>
+            <a:endParaRPr lang="fr-FR"/>
+          </a:p>
+        </p:txBody>
+      </p:sp>
+      <p:sp>
+        <p:nvSpPr>
+          <p:cNvPr id="92" name="Ellipse 91"/>
+          <p:cNvSpPr/>
+          <p:nvPr/>
+        </p:nvSpPr>
+        <p:spPr>
+          <a:xfrm>
+            <a:off x="705681" y="3412342"/>
+            <a:ext cx="1392059" cy="1366242"/>
+          </a:xfrm>
+          <a:prstGeom prst="ellipse">
+            <a:avLst/>
+          </a:prstGeom>
+          <a:solidFill>
+            <a:schemeClr val="bg1">
+              <a:lumMod val="85000"/>
+              <a:alpha val="10000"/>
+            </a:schemeClr>
+          </a:solidFill>
+          <a:ln/>
+          <a:effectLst>
+            <a:outerShdw blurRad="40005" dist="19939" dir="5400000" algn="tl" rotWithShape="0">
+              <a:srgbClr val="000000">
+                <a:alpha val="38000"/>
+              </a:srgbClr>
+            </a:outerShdw>
+          </a:effectLst>
+        </p:spPr>
+        <p:style>
+          <a:lnRef idx="1">
+            <a:schemeClr val="dk1"/>
+          </a:lnRef>
+          <a:fillRef idx="2">
+            <a:schemeClr val="dk1"/>
+          </a:fillRef>
+          <a:effectRef idx="1">
+            <a:schemeClr val="dk1"/>
+          </a:effectRef>
+          <a:fontRef idx="minor">
+            <a:schemeClr val="dk1"/>
+          </a:fontRef>
+        </p:style>
+        <p:txBody>
+          <a:bodyPr rtlCol="0" anchor="ctr"/>
+          <a:lstStyle/>
+          <a:p>
+            <a:pPr algn="ctr"/>
+            <a:endParaRPr lang="fr-FR"/>
+          </a:p>
+        </p:txBody>
+      </p:sp>
+      <p:sp>
+        <p:nvSpPr>
+          <p:cNvPr id="93" name="Ellipse 92"/>
+          <p:cNvSpPr/>
+          <p:nvPr/>
+        </p:nvSpPr>
+        <p:spPr>
+          <a:xfrm>
+            <a:off x="1020741" y="3988426"/>
+            <a:ext cx="1400925" cy="1390248"/>
+          </a:xfrm>
+          <a:prstGeom prst="ellipse">
+            <a:avLst/>
+          </a:prstGeom>
+          <a:solidFill>
+            <a:schemeClr val="bg1">
+              <a:lumMod val="85000"/>
+              <a:alpha val="10000"/>
+            </a:schemeClr>
+          </a:solidFill>
+          <a:ln/>
+          <a:effectLst>
+            <a:outerShdw blurRad="40005" dist="19939" dir="5400000" algn="tl" rotWithShape="0">
+              <a:srgbClr val="000000">
+                <a:alpha val="38000"/>
+              </a:srgbClr>
+            </a:outerShdw>
+          </a:effectLst>
+        </p:spPr>
+        <p:style>
+          <a:lnRef idx="1">
+            <a:schemeClr val="dk1"/>
+          </a:lnRef>
+          <a:fillRef idx="2">
+            <a:schemeClr val="dk1"/>
+          </a:fillRef>
+          <a:effectRef idx="1">
+            <a:schemeClr val="dk1"/>
+          </a:effectRef>
+          <a:fontRef idx="minor">
+            <a:schemeClr val="dk1"/>
+          </a:fontRef>
+        </p:style>
+        <p:txBody>
+          <a:bodyPr rtlCol="0" anchor="ctr"/>
+          <a:lstStyle/>
+          <a:p>
+            <a:pPr algn="ctr"/>
+            <a:endParaRPr lang="fr-FR"/>
+          </a:p>
+        </p:txBody>
+      </p:sp>
+      <p:sp>
+        <p:nvSpPr>
+          <p:cNvPr id="95" name="ZoneTexte 94"/>
+          <p:cNvSpPr txBox="1"/>
+          <p:nvPr/>
+        </p:nvSpPr>
+        <p:spPr>
+          <a:xfrm>
+            <a:off x="633053" y="6094028"/>
+            <a:ext cx="1932585" cy="584776"/>
+          </a:xfrm>
+          <a:prstGeom prst="rect">
+            <a:avLst/>
+          </a:prstGeom>
+          <a:noFill/>
+        </p:spPr>
+        <p:txBody>
+          <a:bodyPr wrap="square" rtlCol="0">
+            <a:spAutoFit/>
+          </a:bodyPr>
+          <a:lstStyle/>
+          <a:p>
+            <a:pPr algn="ctr"/>
+            <a:r>
+              <a:rPr lang="en-US" sz="1600" b="1" dirty="0" smtClean="0">
+                <a:latin typeface="Seravek ExtraLight"/>
+                <a:cs typeface="Seravek ExtraLight"/>
+              </a:rPr>
+              <a:t>First: </a:t>
+            </a:r>
+            <a:r>
+              <a:rPr lang="en-US" sz="1600" dirty="0" smtClean="0">
+                <a:latin typeface="Seravek ExtraLight"/>
+                <a:cs typeface="Seravek ExtraLight"/>
+              </a:rPr>
+              <a:t>Identifying overlapping</a:t>
+            </a:r>
+            <a:endParaRPr lang="en-US" sz="1600" dirty="0">
+              <a:latin typeface="Seravek ExtraLight"/>
+              <a:cs typeface="Seravek ExtraLight"/>
+            </a:endParaRPr>
+          </a:p>
+        </p:txBody>
+      </p:sp>
+      <p:sp>
+        <p:nvSpPr>
+          <p:cNvPr id="96" name="ZoneTexte 95"/>
+          <p:cNvSpPr txBox="1"/>
+          <p:nvPr/>
+        </p:nvSpPr>
+        <p:spPr>
+          <a:xfrm>
+            <a:off x="3850009" y="6094028"/>
+            <a:ext cx="1932585" cy="584776"/>
+          </a:xfrm>
+          <a:prstGeom prst="rect">
+            <a:avLst/>
+          </a:prstGeom>
+          <a:noFill/>
+        </p:spPr>
+        <p:txBody>
+          <a:bodyPr wrap="square" rtlCol="0">
+            <a:spAutoFit/>
+          </a:bodyPr>
+          <a:lstStyle/>
+          <a:p>
+            <a:pPr algn="ctr"/>
+            <a:r>
+              <a:rPr lang="en-US" sz="1600" b="1" dirty="0" smtClean="0">
+                <a:latin typeface="Seravek ExtraLight"/>
+                <a:cs typeface="Seravek ExtraLight"/>
+              </a:rPr>
+              <a:t>Second: </a:t>
+            </a:r>
+            <a:r>
+              <a:rPr lang="en-US" sz="1600" dirty="0" smtClean="0">
+                <a:latin typeface="Seravek ExtraLight"/>
+                <a:cs typeface="Seravek ExtraLight"/>
+              </a:rPr>
+              <a:t>Breaking-down the input set</a:t>
+            </a:r>
+            <a:endParaRPr lang="en-US" sz="1600" dirty="0">
+              <a:latin typeface="Seravek ExtraLight"/>
+              <a:cs typeface="Seravek ExtraLight"/>
+            </a:endParaRPr>
+          </a:p>
+        </p:txBody>
+      </p:sp>
+      <p:sp>
+        <p:nvSpPr>
+          <p:cNvPr id="97" name="ZoneTexte 96"/>
+          <p:cNvSpPr txBox="1"/>
+          <p:nvPr/>
+        </p:nvSpPr>
+        <p:spPr>
+          <a:xfrm>
+            <a:off x="6818613" y="6094028"/>
+            <a:ext cx="1932585" cy="584776"/>
+          </a:xfrm>
+          <a:prstGeom prst="rect">
+            <a:avLst/>
+          </a:prstGeom>
+          <a:noFill/>
+        </p:spPr>
+        <p:txBody>
+          <a:bodyPr wrap="square" rtlCol="0">
+            <a:spAutoFit/>
+          </a:bodyPr>
+          <a:lstStyle/>
+          <a:p>
+            <a:pPr algn="ctr"/>
+            <a:r>
+              <a:rPr lang="en-US" sz="1600" b="1" dirty="0" smtClean="0">
+                <a:latin typeface="Seravek ExtraLight"/>
+                <a:cs typeface="Seravek ExtraLight"/>
+              </a:rPr>
+              <a:t>Third: </a:t>
+            </a:r>
+            <a:r>
+              <a:rPr lang="en-US" sz="1600" dirty="0" smtClean="0">
+                <a:latin typeface="Seravek ExtraLight"/>
+                <a:cs typeface="Seravek ExtraLight"/>
+              </a:rPr>
+              <a:t>Encapsulating language modules</a:t>
+            </a:r>
+            <a:endParaRPr lang="en-US" sz="1600" dirty="0">
               <a:latin typeface="Seravek ExtraLight"/>
               <a:cs typeface="Seravek ExtraLight"/>
             </a:endParaRPr>

--- a/papers/2016-ICSR-ModulesExtraction/images/domains.pptx
+++ b/papers/2016-ICSR-ModulesExtraction/images/domains.pptx
@@ -5,7 +5,7 @@
     <p:sldMasterId id="2147483648" r:id="rId1"/>
   </p:sldMasterIdLst>
   <p:notesMasterIdLst>
-    <p:notesMasterId r:id="rId8"/>
+    <p:notesMasterId r:id="rId9"/>
   </p:notesMasterIdLst>
   <p:sldIdLst>
     <p:sldId id="261" r:id="rId2"/>
@@ -14,6 +14,7 @@
     <p:sldId id="263" r:id="rId5"/>
     <p:sldId id="267" r:id="rId6"/>
     <p:sldId id="265" r:id="rId7"/>
+    <p:sldId id="268" r:id="rId8"/>
   </p:sldIdLst>
   <p:sldSz cx="9144000" cy="6858000" type="screen4x3"/>
   <p:notesSz cx="6858000" cy="9144000"/>
@@ -197,7 +198,7 @@
           <a:p>
             <a:fld id="{24AFE135-3210-A348-91D1-71A1B4E41AE3}" type="datetimeFigureOut">
               <a:rPr lang="fr-FR" smtClean="0"/>
-              <a:t>23/11/2015</a:t>
+              <a:t>24/11/2015</a:t>
             </a:fld>
             <a:endParaRPr lang="fr-FR"/>
           </a:p>
@@ -982,7 +983,7 @@
           <a:p>
             <a:fld id="{7B69463B-0436-3A47-840E-B5853DA20947}" type="datetimeFigureOut">
               <a:rPr lang="fr-FR" smtClean="0"/>
-              <a:t>23/11/2015</a:t>
+              <a:t>24/11/2015</a:t>
             </a:fld>
             <a:endParaRPr lang="fr-FR"/>
           </a:p>
@@ -1152,7 +1153,7 @@
           <a:p>
             <a:fld id="{7B69463B-0436-3A47-840E-B5853DA20947}" type="datetimeFigureOut">
               <a:rPr lang="fr-FR" smtClean="0"/>
-              <a:t>23/11/2015</a:t>
+              <a:t>24/11/2015</a:t>
             </a:fld>
             <a:endParaRPr lang="fr-FR"/>
           </a:p>
@@ -1332,7 +1333,7 @@
           <a:p>
             <a:fld id="{7B69463B-0436-3A47-840E-B5853DA20947}" type="datetimeFigureOut">
               <a:rPr lang="fr-FR" smtClean="0"/>
-              <a:t>23/11/2015</a:t>
+              <a:t>24/11/2015</a:t>
             </a:fld>
             <a:endParaRPr lang="fr-FR"/>
           </a:p>
@@ -1502,7 +1503,7 @@
           <a:p>
             <a:fld id="{7B69463B-0436-3A47-840E-B5853DA20947}" type="datetimeFigureOut">
               <a:rPr lang="fr-FR" smtClean="0"/>
-              <a:t>23/11/2015</a:t>
+              <a:t>24/11/2015</a:t>
             </a:fld>
             <a:endParaRPr lang="fr-FR"/>
           </a:p>
@@ -1748,7 +1749,7 @@
           <a:p>
             <a:fld id="{7B69463B-0436-3A47-840E-B5853DA20947}" type="datetimeFigureOut">
               <a:rPr lang="fr-FR" smtClean="0"/>
-              <a:t>23/11/2015</a:t>
+              <a:t>24/11/2015</a:t>
             </a:fld>
             <a:endParaRPr lang="fr-FR"/>
           </a:p>
@@ -2036,7 +2037,7 @@
           <a:p>
             <a:fld id="{7B69463B-0436-3A47-840E-B5853DA20947}" type="datetimeFigureOut">
               <a:rPr lang="fr-FR" smtClean="0"/>
-              <a:t>23/11/2015</a:t>
+              <a:t>24/11/2015</a:t>
             </a:fld>
             <a:endParaRPr lang="fr-FR"/>
           </a:p>
@@ -2458,7 +2459,7 @@
           <a:p>
             <a:fld id="{7B69463B-0436-3A47-840E-B5853DA20947}" type="datetimeFigureOut">
               <a:rPr lang="fr-FR" smtClean="0"/>
-              <a:t>23/11/2015</a:t>
+              <a:t>24/11/2015</a:t>
             </a:fld>
             <a:endParaRPr lang="fr-FR"/>
           </a:p>
@@ -2576,7 +2577,7 @@
           <a:p>
             <a:fld id="{7B69463B-0436-3A47-840E-B5853DA20947}" type="datetimeFigureOut">
               <a:rPr lang="fr-FR" smtClean="0"/>
-              <a:t>23/11/2015</a:t>
+              <a:t>24/11/2015</a:t>
             </a:fld>
             <a:endParaRPr lang="fr-FR"/>
           </a:p>
@@ -2671,7 +2672,7 @@
           <a:p>
             <a:fld id="{7B69463B-0436-3A47-840E-B5853DA20947}" type="datetimeFigureOut">
               <a:rPr lang="fr-FR" smtClean="0"/>
-              <a:t>23/11/2015</a:t>
+              <a:t>24/11/2015</a:t>
             </a:fld>
             <a:endParaRPr lang="fr-FR"/>
           </a:p>
@@ -2948,7 +2949,7 @@
           <a:p>
             <a:fld id="{7B69463B-0436-3A47-840E-B5853DA20947}" type="datetimeFigureOut">
               <a:rPr lang="fr-FR" smtClean="0"/>
-              <a:t>23/11/2015</a:t>
+              <a:t>24/11/2015</a:t>
             </a:fld>
             <a:endParaRPr lang="fr-FR"/>
           </a:p>
@@ -3201,7 +3202,7 @@
           <a:p>
             <a:fld id="{7B69463B-0436-3A47-840E-B5853DA20947}" type="datetimeFigureOut">
               <a:rPr lang="fr-FR" smtClean="0"/>
-              <a:t>23/11/2015</a:t>
+              <a:t>24/11/2015</a:t>
             </a:fld>
             <a:endParaRPr lang="fr-FR"/>
           </a:p>
@@ -3414,7 +3415,7 @@
           <a:p>
             <a:fld id="{7B69463B-0436-3A47-840E-B5853DA20947}" type="datetimeFigureOut">
               <a:rPr lang="fr-FR" smtClean="0"/>
-              <a:t>23/11/2015</a:t>
+              <a:t>24/11/2015</a:t>
             </a:fld>
             <a:endParaRPr lang="fr-FR"/>
           </a:p>
@@ -31435,6 +31436,2296 @@
     <p:extLst>
       <p:ext uri="{BB962C8B-B14F-4D97-AF65-F5344CB8AC3E}">
         <p14:creationId xmlns:p14="http://schemas.microsoft.com/office/powerpoint/2010/main" val="901648069"/>
+      </p:ext>
+    </p:extLst>
+  </p:cSld>
+  <p:clrMapOvr>
+    <a:masterClrMapping/>
+  </p:clrMapOvr>
+</p:sld>
+</file>
+
+<file path=ppt/slides/slide7.xml><?xml version="1.0" encoding="utf-8"?>
+<p:sld xmlns:a="http://schemas.openxmlformats.org/drawingml/2006/main" xmlns:r="http://schemas.openxmlformats.org/officeDocument/2006/relationships" xmlns:p="http://schemas.openxmlformats.org/presentationml/2006/main">
+  <p:cSld>
+    <p:spTree>
+      <p:nvGrpSpPr>
+        <p:cNvPr id="1" name=""/>
+        <p:cNvGrpSpPr/>
+        <p:nvPr/>
+      </p:nvGrpSpPr>
+      <p:grpSpPr>
+        <a:xfrm>
+          <a:off x="0" y="0"/>
+          <a:ext cx="0" cy="0"/>
+          <a:chOff x="0" y="0"/>
+          <a:chExt cx="0" cy="0"/>
+        </a:xfrm>
+      </p:grpSpPr>
+      <p:sp>
+        <p:nvSpPr>
+          <p:cNvPr id="11" name="Rectangle à coins arrondis 10"/>
+          <p:cNvSpPr/>
+          <p:nvPr/>
+        </p:nvSpPr>
+        <p:spPr>
+          <a:xfrm>
+            <a:off x="6081889" y="2765779"/>
+            <a:ext cx="762000" cy="626532"/>
+          </a:xfrm>
+          <a:prstGeom prst="roundRect">
+            <a:avLst/>
+          </a:prstGeom>
+          <a:solidFill>
+            <a:schemeClr val="bg1">
+              <a:lumMod val="95000"/>
+            </a:schemeClr>
+          </a:solidFill>
+          <a:ln w="3175" cmpd="sng">
+            <a:solidFill>
+              <a:schemeClr val="tx1"/>
+            </a:solidFill>
+          </a:ln>
+        </p:spPr>
+        <p:style>
+          <a:lnRef idx="1">
+            <a:schemeClr val="accent1"/>
+          </a:lnRef>
+          <a:fillRef idx="3">
+            <a:schemeClr val="accent1"/>
+          </a:fillRef>
+          <a:effectRef idx="2">
+            <a:schemeClr val="accent1"/>
+          </a:effectRef>
+          <a:fontRef idx="minor">
+            <a:schemeClr val="lt1"/>
+          </a:fontRef>
+        </p:style>
+        <p:txBody>
+          <a:bodyPr rtlCol="0" anchor="ctr"/>
+          <a:lstStyle/>
+          <a:p>
+            <a:pPr algn="ctr"/>
+            <a:endParaRPr lang="fr-FR"/>
+          </a:p>
+        </p:txBody>
+      </p:sp>
+      <p:graphicFrame>
+        <p:nvGraphicFramePr>
+          <p:cNvPr id="5" name="Tableau 4"/>
+          <p:cNvGraphicFramePr>
+            <a:graphicFrameLocks noGrp="1"/>
+          </p:cNvGraphicFramePr>
+          <p:nvPr>
+            <p:extLst>
+              <p:ext uri="{D42A27DB-BD31-4B8C-83A1-F6EECF244321}">
+                <p14:modId xmlns:p14="http://schemas.microsoft.com/office/powerpoint/2010/main" val="597660736"/>
+              </p:ext>
+            </p:extLst>
+          </p:nvPr>
+        </p:nvGraphicFramePr>
+        <p:xfrm>
+          <a:off x="1523998" y="1397000"/>
+          <a:ext cx="5489225" cy="1854200"/>
+        </p:xfrm>
+        <a:graphic>
+          <a:graphicData uri="http://schemas.openxmlformats.org/drawingml/2006/table">
+            <a:tbl>
+              <a:tblPr firstRow="1" bandRow="1">
+                <a:tableStyleId>{5C22544A-7EE6-4342-B048-85BDC9FD1C3A}</a:tableStyleId>
+              </a:tblPr>
+              <a:tblGrid>
+                <a:gridCol w="1097845"/>
+                <a:gridCol w="1097845"/>
+                <a:gridCol w="1097845"/>
+                <a:gridCol w="1097845"/>
+                <a:gridCol w="1097845"/>
+              </a:tblGrid>
+              <a:tr h="370840">
+                <a:tc>
+                  <a:txBody>
+                    <a:bodyPr/>
+                    <a:lstStyle/>
+                    <a:p>
+                      <a:pPr algn="ctr"/>
+                      <a:endParaRPr lang="fr-FR" sz="1200" dirty="0">
+                        <a:solidFill>
+                          <a:schemeClr val="tx1"/>
+                        </a:solidFill>
+                        <a:latin typeface="Seravek ExtraLight"/>
+                        <a:cs typeface="Seravek ExtraLight"/>
+                      </a:endParaRPr>
+                    </a:p>
+                  </a:txBody>
+                  <a:tcPr anchor="ctr">
+                    <a:lnL w="12700" cap="flat" cmpd="sng" algn="ctr">
+                      <a:solidFill>
+                        <a:scrgbClr r="0" g="0" b="0"/>
+                      </a:solidFill>
+                      <a:prstDash val="solid"/>
+                      <a:round/>
+                      <a:headEnd type="none" w="med" len="med"/>
+                      <a:tailEnd type="none" w="med" len="med"/>
+                    </a:lnL>
+                    <a:lnR w="12700" cap="flat" cmpd="sng" algn="ctr">
+                      <a:solidFill>
+                        <a:scrgbClr r="0" g="0" b="0"/>
+                      </a:solidFill>
+                      <a:prstDash val="solid"/>
+                      <a:round/>
+                      <a:headEnd type="none" w="med" len="med"/>
+                      <a:tailEnd type="none" w="med" len="med"/>
+                    </a:lnR>
+                    <a:lnT w="12700" cap="flat" cmpd="sng" algn="ctr">
+                      <a:solidFill>
+                        <a:scrgbClr r="0" g="0" b="0"/>
+                      </a:solidFill>
+                      <a:prstDash val="solid"/>
+                      <a:round/>
+                      <a:headEnd type="none" w="med" len="med"/>
+                      <a:tailEnd type="none" w="med" len="med"/>
+                    </a:lnT>
+                    <a:lnB w="12700" cap="flat" cmpd="sng" algn="ctr">
+                      <a:solidFill>
+                        <a:scrgbClr r="0" g="0" b="0"/>
+                      </a:solidFill>
+                      <a:prstDash val="solid"/>
+                      <a:round/>
+                      <a:headEnd type="none" w="med" len="med"/>
+                      <a:tailEnd type="none" w="med" len="med"/>
+                    </a:lnB>
+                    <a:solidFill>
+                      <a:srgbClr val="D9D9D9"/>
+                    </a:solidFill>
+                  </a:tcPr>
+                </a:tc>
+                <a:tc>
+                  <a:txBody>
+                    <a:bodyPr/>
+                    <a:lstStyle/>
+                    <a:p>
+                      <a:pPr marL="0" marR="0" indent="0" algn="ctr" defTabSz="457200" rtl="0" eaLnBrk="1" fontAlgn="auto" latinLnBrk="0" hangingPunct="1">
+                        <a:lnSpc>
+                          <a:spcPct val="100000"/>
+                        </a:lnSpc>
+                        <a:spcBef>
+                          <a:spcPts val="0"/>
+                        </a:spcBef>
+                        <a:spcAft>
+                          <a:spcPts val="0"/>
+                        </a:spcAft>
+                        <a:buClrTx/>
+                        <a:buSzTx/>
+                        <a:buFontTx/>
+                        <a:buNone/>
+                        <a:tabLst/>
+                        <a:defRPr/>
+                      </a:pPr>
+                      <a:r>
+                        <a:rPr lang="fr-FR" sz="1200" dirty="0" smtClean="0">
+                          <a:solidFill>
+                            <a:schemeClr val="tx1"/>
+                          </a:solidFill>
+                          <a:latin typeface="Seravek ExtraLight"/>
+                          <a:cs typeface="Seravek ExtraLight"/>
+                        </a:rPr>
+                        <a:t>MM1</a:t>
+                      </a:r>
+                    </a:p>
+                  </a:txBody>
+                  <a:tcPr anchor="ctr">
+                    <a:lnL w="12700" cap="flat" cmpd="sng" algn="ctr">
+                      <a:solidFill>
+                        <a:scrgbClr r="0" g="0" b="0"/>
+                      </a:solidFill>
+                      <a:prstDash val="solid"/>
+                      <a:round/>
+                      <a:headEnd type="none" w="med" len="med"/>
+                      <a:tailEnd type="none" w="med" len="med"/>
+                    </a:lnL>
+                    <a:lnR w="12700" cap="flat" cmpd="sng" algn="ctr">
+                      <a:solidFill>
+                        <a:scrgbClr r="0" g="0" b="0"/>
+                      </a:solidFill>
+                      <a:prstDash val="solid"/>
+                      <a:round/>
+                      <a:headEnd type="none" w="med" len="med"/>
+                      <a:tailEnd type="none" w="med" len="med"/>
+                    </a:lnR>
+                    <a:lnT w="12700" cap="flat" cmpd="sng" algn="ctr">
+                      <a:solidFill>
+                        <a:scrgbClr r="0" g="0" b="0"/>
+                      </a:solidFill>
+                      <a:prstDash val="solid"/>
+                      <a:round/>
+                      <a:headEnd type="none" w="med" len="med"/>
+                      <a:tailEnd type="none" w="med" len="med"/>
+                    </a:lnT>
+                    <a:lnB w="12700" cap="flat" cmpd="sng" algn="ctr">
+                      <a:solidFill>
+                        <a:scrgbClr r="0" g="0" b="0"/>
+                      </a:solidFill>
+                      <a:prstDash val="solid"/>
+                      <a:round/>
+                      <a:headEnd type="none" w="med" len="med"/>
+                      <a:tailEnd type="none" w="med" len="med"/>
+                    </a:lnB>
+                    <a:solidFill>
+                      <a:schemeClr val="bg1">
+                        <a:lumMod val="85000"/>
+                      </a:schemeClr>
+                    </a:solidFill>
+                  </a:tcPr>
+                </a:tc>
+                <a:tc>
+                  <a:txBody>
+                    <a:bodyPr/>
+                    <a:lstStyle/>
+                    <a:p>
+                      <a:pPr marL="0" marR="0" indent="0" algn="ctr" defTabSz="457200" rtl="0" eaLnBrk="1" fontAlgn="auto" latinLnBrk="0" hangingPunct="1">
+                        <a:lnSpc>
+                          <a:spcPct val="100000"/>
+                        </a:lnSpc>
+                        <a:spcBef>
+                          <a:spcPts val="0"/>
+                        </a:spcBef>
+                        <a:spcAft>
+                          <a:spcPts val="0"/>
+                        </a:spcAft>
+                        <a:buClrTx/>
+                        <a:buSzTx/>
+                        <a:buFontTx/>
+                        <a:buNone/>
+                        <a:tabLst/>
+                        <a:defRPr/>
+                      </a:pPr>
+                      <a:r>
+                        <a:rPr lang="fr-FR" sz="1200" dirty="0" smtClean="0">
+                          <a:solidFill>
+                            <a:schemeClr val="tx1"/>
+                          </a:solidFill>
+                          <a:latin typeface="Seravek ExtraLight"/>
+                          <a:cs typeface="Seravek ExtraLight"/>
+                        </a:rPr>
+                        <a:t>MM2</a:t>
+                      </a:r>
+                    </a:p>
+                  </a:txBody>
+                  <a:tcPr anchor="ctr">
+                    <a:lnL w="12700" cap="flat" cmpd="sng" algn="ctr">
+                      <a:solidFill>
+                        <a:scrgbClr r="0" g="0" b="0"/>
+                      </a:solidFill>
+                      <a:prstDash val="solid"/>
+                      <a:round/>
+                      <a:headEnd type="none" w="med" len="med"/>
+                      <a:tailEnd type="none" w="med" len="med"/>
+                    </a:lnL>
+                    <a:lnR w="12700" cap="flat" cmpd="sng" algn="ctr">
+                      <a:solidFill>
+                        <a:scrgbClr r="0" g="0" b="0"/>
+                      </a:solidFill>
+                      <a:prstDash val="solid"/>
+                      <a:round/>
+                      <a:headEnd type="none" w="med" len="med"/>
+                      <a:tailEnd type="none" w="med" len="med"/>
+                    </a:lnR>
+                    <a:lnT w="12700" cap="flat" cmpd="sng" algn="ctr">
+                      <a:solidFill>
+                        <a:scrgbClr r="0" g="0" b="0"/>
+                      </a:solidFill>
+                      <a:prstDash val="solid"/>
+                      <a:round/>
+                      <a:headEnd type="none" w="med" len="med"/>
+                      <a:tailEnd type="none" w="med" len="med"/>
+                    </a:lnT>
+                    <a:lnB w="12700" cap="flat" cmpd="sng" algn="ctr">
+                      <a:solidFill>
+                        <a:scrgbClr r="0" g="0" b="0"/>
+                      </a:solidFill>
+                      <a:prstDash val="solid"/>
+                      <a:round/>
+                      <a:headEnd type="none" w="med" len="med"/>
+                      <a:tailEnd type="none" w="med" len="med"/>
+                    </a:lnB>
+                    <a:solidFill>
+                      <a:schemeClr val="bg1">
+                        <a:lumMod val="85000"/>
+                      </a:schemeClr>
+                    </a:solidFill>
+                  </a:tcPr>
+                </a:tc>
+                <a:tc>
+                  <a:txBody>
+                    <a:bodyPr/>
+                    <a:lstStyle/>
+                    <a:p>
+                      <a:pPr marL="0" marR="0" indent="0" algn="ctr" defTabSz="457200" rtl="0" eaLnBrk="1" fontAlgn="auto" latinLnBrk="0" hangingPunct="1">
+                        <a:lnSpc>
+                          <a:spcPct val="100000"/>
+                        </a:lnSpc>
+                        <a:spcBef>
+                          <a:spcPts val="0"/>
+                        </a:spcBef>
+                        <a:spcAft>
+                          <a:spcPts val="0"/>
+                        </a:spcAft>
+                        <a:buClrTx/>
+                        <a:buSzTx/>
+                        <a:buFontTx/>
+                        <a:buNone/>
+                        <a:tabLst/>
+                        <a:defRPr/>
+                      </a:pPr>
+                      <a:r>
+                        <a:rPr lang="fr-FR" sz="1200" dirty="0" smtClean="0">
+                          <a:solidFill>
+                            <a:schemeClr val="tx1"/>
+                          </a:solidFill>
+                          <a:latin typeface="Seravek ExtraLight"/>
+                          <a:cs typeface="Seravek ExtraLight"/>
+                        </a:rPr>
+                        <a:t>MM3</a:t>
+                      </a:r>
+                    </a:p>
+                  </a:txBody>
+                  <a:tcPr anchor="ctr">
+                    <a:lnL w="12700" cap="flat" cmpd="sng" algn="ctr">
+                      <a:solidFill>
+                        <a:scrgbClr r="0" g="0" b="0"/>
+                      </a:solidFill>
+                      <a:prstDash val="solid"/>
+                      <a:round/>
+                      <a:headEnd type="none" w="med" len="med"/>
+                      <a:tailEnd type="none" w="med" len="med"/>
+                    </a:lnL>
+                    <a:lnR w="12700" cap="flat" cmpd="sng" algn="ctr">
+                      <a:solidFill>
+                        <a:scrgbClr r="0" g="0" b="0"/>
+                      </a:solidFill>
+                      <a:prstDash val="solid"/>
+                      <a:round/>
+                      <a:headEnd type="none" w="med" len="med"/>
+                      <a:tailEnd type="none" w="med" len="med"/>
+                    </a:lnR>
+                    <a:lnT w="12700" cap="flat" cmpd="sng" algn="ctr">
+                      <a:solidFill>
+                        <a:scrgbClr r="0" g="0" b="0"/>
+                      </a:solidFill>
+                      <a:prstDash val="solid"/>
+                      <a:round/>
+                      <a:headEnd type="none" w="med" len="med"/>
+                      <a:tailEnd type="none" w="med" len="med"/>
+                    </a:lnT>
+                    <a:lnB w="12700" cap="flat" cmpd="sng" algn="ctr">
+                      <a:solidFill>
+                        <a:scrgbClr r="0" g="0" b="0"/>
+                      </a:solidFill>
+                      <a:prstDash val="solid"/>
+                      <a:round/>
+                      <a:headEnd type="none" w="med" len="med"/>
+                      <a:tailEnd type="none" w="med" len="med"/>
+                    </a:lnB>
+                    <a:solidFill>
+                      <a:schemeClr val="bg1">
+                        <a:lumMod val="85000"/>
+                      </a:schemeClr>
+                    </a:solidFill>
+                  </a:tcPr>
+                </a:tc>
+                <a:tc>
+                  <a:txBody>
+                    <a:bodyPr/>
+                    <a:lstStyle/>
+                    <a:p>
+                      <a:pPr marL="0" marR="0" indent="0" algn="ctr" defTabSz="457200" rtl="0" eaLnBrk="1" fontAlgn="auto" latinLnBrk="0" hangingPunct="1">
+                        <a:lnSpc>
+                          <a:spcPct val="100000"/>
+                        </a:lnSpc>
+                        <a:spcBef>
+                          <a:spcPts val="0"/>
+                        </a:spcBef>
+                        <a:spcAft>
+                          <a:spcPts val="0"/>
+                        </a:spcAft>
+                        <a:buClrTx/>
+                        <a:buSzTx/>
+                        <a:buFontTx/>
+                        <a:buNone/>
+                        <a:tabLst/>
+                        <a:defRPr/>
+                      </a:pPr>
+                      <a:endParaRPr lang="fr-FR" sz="1200" dirty="0" smtClean="0">
+                        <a:solidFill>
+                          <a:schemeClr val="tx1"/>
+                        </a:solidFill>
+                        <a:latin typeface="Seravek ExtraLight"/>
+                        <a:cs typeface="Seravek ExtraLight"/>
+                      </a:endParaRPr>
+                    </a:p>
+                  </a:txBody>
+                  <a:tcPr anchor="ctr">
+                    <a:lnL w="12700" cap="flat" cmpd="sng" algn="ctr">
+                      <a:solidFill>
+                        <a:scrgbClr r="0" g="0" b="0"/>
+                      </a:solidFill>
+                      <a:prstDash val="solid"/>
+                      <a:round/>
+                      <a:headEnd type="none" w="med" len="med"/>
+                      <a:tailEnd type="none" w="med" len="med"/>
+                    </a:lnL>
+                    <a:lnR w="12700" cap="flat" cmpd="sng" algn="ctr">
+                      <a:noFill/>
+                      <a:prstDash val="solid"/>
+                      <a:round/>
+                      <a:headEnd type="none" w="med" len="med"/>
+                      <a:tailEnd type="none" w="med" len="med"/>
+                    </a:lnR>
+                    <a:lnT w="12700" cap="flat" cmpd="sng" algn="ctr">
+                      <a:noFill/>
+                      <a:prstDash val="solid"/>
+                      <a:round/>
+                      <a:headEnd type="none" w="med" len="med"/>
+                      <a:tailEnd type="none" w="med" len="med"/>
+                    </a:lnT>
+                    <a:lnB w="12700" cap="flat" cmpd="sng" algn="ctr">
+                      <a:noFill/>
+                      <a:prstDash val="solid"/>
+                      <a:round/>
+                      <a:headEnd type="none" w="med" len="med"/>
+                      <a:tailEnd type="none" w="med" len="med"/>
+                    </a:lnB>
+                    <a:lnTlToBr w="12700" cmpd="sng">
+                      <a:noFill/>
+                      <a:prstDash val="solid"/>
+                    </a:lnTlToBr>
+                    <a:lnBlToTr w="12700" cmpd="sng">
+                      <a:noFill/>
+                      <a:prstDash val="solid"/>
+                    </a:lnBlToTr>
+                    <a:noFill/>
+                  </a:tcPr>
+                </a:tc>
+              </a:tr>
+              <a:tr h="370840">
+                <a:tc>
+                  <a:txBody>
+                    <a:bodyPr/>
+                    <a:lstStyle/>
+                    <a:p>
+                      <a:pPr marL="0" marR="0" indent="0" algn="ctr" defTabSz="457200" rtl="0" eaLnBrk="1" fontAlgn="auto" latinLnBrk="0" hangingPunct="1">
+                        <a:lnSpc>
+                          <a:spcPct val="100000"/>
+                        </a:lnSpc>
+                        <a:spcBef>
+                          <a:spcPts val="0"/>
+                        </a:spcBef>
+                        <a:spcAft>
+                          <a:spcPts val="0"/>
+                        </a:spcAft>
+                        <a:buClrTx/>
+                        <a:buSzTx/>
+                        <a:buFontTx/>
+                        <a:buNone/>
+                        <a:tabLst/>
+                        <a:defRPr/>
+                      </a:pPr>
+                      <a:r>
+                        <a:rPr lang="fr-FR" sz="1200" b="1" dirty="0" smtClean="0">
+                          <a:solidFill>
+                            <a:schemeClr val="tx1"/>
+                          </a:solidFill>
+                          <a:latin typeface="Seravek ExtraLight"/>
+                          <a:cs typeface="Seravek ExtraLight"/>
+                        </a:rPr>
+                        <a:t>MM1</a:t>
+                      </a:r>
+                    </a:p>
+                  </a:txBody>
+                  <a:tcPr anchor="ctr">
+                    <a:lnL w="12700" cap="flat" cmpd="sng" algn="ctr">
+                      <a:solidFill>
+                        <a:scrgbClr r="0" g="0" b="0"/>
+                      </a:solidFill>
+                      <a:prstDash val="solid"/>
+                      <a:round/>
+                      <a:headEnd type="none" w="med" len="med"/>
+                      <a:tailEnd type="none" w="med" len="med"/>
+                    </a:lnL>
+                    <a:lnR w="12700" cap="flat" cmpd="sng" algn="ctr">
+                      <a:solidFill>
+                        <a:scrgbClr r="0" g="0" b="0"/>
+                      </a:solidFill>
+                      <a:prstDash val="solid"/>
+                      <a:round/>
+                      <a:headEnd type="none" w="med" len="med"/>
+                      <a:tailEnd type="none" w="med" len="med"/>
+                    </a:lnR>
+                    <a:lnT w="12700" cap="flat" cmpd="sng" algn="ctr">
+                      <a:solidFill>
+                        <a:scrgbClr r="0" g="0" b="0"/>
+                      </a:solidFill>
+                      <a:prstDash val="solid"/>
+                      <a:round/>
+                      <a:headEnd type="none" w="med" len="med"/>
+                      <a:tailEnd type="none" w="med" len="med"/>
+                    </a:lnT>
+                    <a:lnB w="12700" cap="flat" cmpd="sng" algn="ctr">
+                      <a:solidFill>
+                        <a:scrgbClr r="0" g="0" b="0"/>
+                      </a:solidFill>
+                      <a:prstDash val="solid"/>
+                      <a:round/>
+                      <a:headEnd type="none" w="med" len="med"/>
+                      <a:tailEnd type="none" w="med" len="med"/>
+                    </a:lnB>
+                    <a:solidFill>
+                      <a:srgbClr val="D9D9D9"/>
+                    </a:solidFill>
+                  </a:tcPr>
+                </a:tc>
+                <a:tc>
+                  <a:txBody>
+                    <a:bodyPr/>
+                    <a:lstStyle/>
+                    <a:p>
+                      <a:pPr algn="ctr"/>
+                      <a:r>
+                        <a:rPr lang="fr-FR" sz="1100" dirty="0" smtClean="0">
+                          <a:solidFill>
+                            <a:schemeClr val="tx1"/>
+                          </a:solidFill>
+                          <a:latin typeface="Seravek ExtraLight"/>
+                          <a:cs typeface="Seravek ExtraLight"/>
+                        </a:rPr>
+                        <a:t>-</a:t>
+                      </a:r>
+                      <a:endParaRPr lang="fr-FR" sz="1100" dirty="0">
+                        <a:solidFill>
+                          <a:schemeClr val="tx1"/>
+                        </a:solidFill>
+                        <a:latin typeface="Seravek ExtraLight"/>
+                        <a:cs typeface="Seravek ExtraLight"/>
+                      </a:endParaRPr>
+                    </a:p>
+                  </a:txBody>
+                  <a:tcPr anchor="ctr">
+                    <a:lnL w="12700" cap="flat" cmpd="sng" algn="ctr">
+                      <a:solidFill>
+                        <a:scrgbClr r="0" g="0" b="0"/>
+                      </a:solidFill>
+                      <a:prstDash val="solid"/>
+                      <a:round/>
+                      <a:headEnd type="none" w="med" len="med"/>
+                      <a:tailEnd type="none" w="med" len="med"/>
+                    </a:lnL>
+                    <a:lnR w="12700" cap="flat" cmpd="sng" algn="ctr">
+                      <a:solidFill>
+                        <a:scrgbClr r="0" g="0" b="0"/>
+                      </a:solidFill>
+                      <a:prstDash val="solid"/>
+                      <a:round/>
+                      <a:headEnd type="none" w="med" len="med"/>
+                      <a:tailEnd type="none" w="med" len="med"/>
+                    </a:lnR>
+                    <a:lnT w="12700" cap="flat" cmpd="sng" algn="ctr">
+                      <a:solidFill>
+                        <a:scrgbClr r="0" g="0" b="0"/>
+                      </a:solidFill>
+                      <a:prstDash val="solid"/>
+                      <a:round/>
+                      <a:headEnd type="none" w="med" len="med"/>
+                      <a:tailEnd type="none" w="med" len="med"/>
+                    </a:lnT>
+                    <a:lnB w="12700" cap="flat" cmpd="sng" algn="ctr">
+                      <a:solidFill>
+                        <a:scrgbClr r="0" g="0" b="0"/>
+                      </a:solidFill>
+                      <a:prstDash val="solid"/>
+                      <a:round/>
+                      <a:headEnd type="none" w="med" len="med"/>
+                      <a:tailEnd type="none" w="med" len="med"/>
+                    </a:lnB>
+                    <a:solidFill>
+                      <a:srgbClr val="FFFFFF"/>
+                    </a:solidFill>
+                  </a:tcPr>
+                </a:tc>
+                <a:tc>
+                  <a:txBody>
+                    <a:bodyPr/>
+                    <a:lstStyle/>
+                    <a:p>
+                      <a:pPr algn="ctr"/>
+                      <a:r>
+                        <a:rPr lang="fr-FR" sz="1100" dirty="0" smtClean="0">
+                          <a:solidFill>
+                            <a:schemeClr val="tx1"/>
+                          </a:solidFill>
+                          <a:latin typeface="Seravek ExtraLight"/>
+                          <a:cs typeface="Seravek ExtraLight"/>
+                        </a:rPr>
+                        <a:t>|MM2 </a:t>
+                      </a:r>
+                      <a:r>
+                        <a:rPr lang="fr-FR" sz="1100" kern="1200" dirty="0" smtClean="0">
+                          <a:solidFill>
+                            <a:schemeClr val="dk1"/>
+                          </a:solidFill>
+                          <a:effectLst/>
+                          <a:latin typeface="+mn-lt"/>
+                          <a:ea typeface="+mn-ea"/>
+                          <a:cs typeface="+mn-cs"/>
+                          <a:sym typeface="Symbol"/>
+                        </a:rPr>
+                        <a:t></a:t>
+                      </a:r>
+                      <a:r>
+                        <a:rPr lang="fr-FR" sz="1100" kern="1200" dirty="0" smtClean="0">
+                          <a:solidFill>
+                            <a:schemeClr val="dk1"/>
+                          </a:solidFill>
+                          <a:effectLst/>
+                          <a:latin typeface="Seravek ExtraLight"/>
+                          <a:ea typeface="+mn-ea"/>
+                          <a:cs typeface="Seravek ExtraLight"/>
+                          <a:sym typeface="Symbol"/>
+                        </a:rPr>
+                        <a:t> MM1|</a:t>
+                      </a:r>
+                      <a:endParaRPr lang="fr-FR" sz="1100" dirty="0">
+                        <a:solidFill>
+                          <a:schemeClr val="tx1"/>
+                        </a:solidFill>
+                        <a:latin typeface="Seravek ExtraLight"/>
+                        <a:cs typeface="Seravek ExtraLight"/>
+                      </a:endParaRPr>
+                    </a:p>
+                  </a:txBody>
+                  <a:tcPr anchor="ctr">
+                    <a:lnL w="12700" cap="flat" cmpd="sng" algn="ctr">
+                      <a:solidFill>
+                        <a:scrgbClr r="0" g="0" b="0"/>
+                      </a:solidFill>
+                      <a:prstDash val="solid"/>
+                      <a:round/>
+                      <a:headEnd type="none" w="med" len="med"/>
+                      <a:tailEnd type="none" w="med" len="med"/>
+                    </a:lnL>
+                    <a:lnR w="12700" cap="flat" cmpd="sng" algn="ctr">
+                      <a:solidFill>
+                        <a:scrgbClr r="0" g="0" b="0"/>
+                      </a:solidFill>
+                      <a:prstDash val="solid"/>
+                      <a:round/>
+                      <a:headEnd type="none" w="med" len="med"/>
+                      <a:tailEnd type="none" w="med" len="med"/>
+                    </a:lnR>
+                    <a:lnT w="12700" cap="flat" cmpd="sng" algn="ctr">
+                      <a:solidFill>
+                        <a:scrgbClr r="0" g="0" b="0"/>
+                      </a:solidFill>
+                      <a:prstDash val="solid"/>
+                      <a:round/>
+                      <a:headEnd type="none" w="med" len="med"/>
+                      <a:tailEnd type="none" w="med" len="med"/>
+                    </a:lnT>
+                    <a:lnB w="12700" cap="flat" cmpd="sng" algn="ctr">
+                      <a:solidFill>
+                        <a:scrgbClr r="0" g="0" b="0"/>
+                      </a:solidFill>
+                      <a:prstDash val="solid"/>
+                      <a:round/>
+                      <a:headEnd type="none" w="med" len="med"/>
+                      <a:tailEnd type="none" w="med" len="med"/>
+                    </a:lnB>
+                    <a:solidFill>
+                      <a:srgbClr val="FFFFFF"/>
+                    </a:solidFill>
+                  </a:tcPr>
+                </a:tc>
+                <a:tc>
+                  <a:txBody>
+                    <a:bodyPr/>
+                    <a:lstStyle/>
+                    <a:p>
+                      <a:pPr marL="0" marR="0" indent="0" algn="ctr" defTabSz="457200" rtl="0" eaLnBrk="1" fontAlgn="auto" latinLnBrk="0" hangingPunct="1">
+                        <a:lnSpc>
+                          <a:spcPct val="100000"/>
+                        </a:lnSpc>
+                        <a:spcBef>
+                          <a:spcPts val="0"/>
+                        </a:spcBef>
+                        <a:spcAft>
+                          <a:spcPts val="0"/>
+                        </a:spcAft>
+                        <a:buClrTx/>
+                        <a:buSzTx/>
+                        <a:buFontTx/>
+                        <a:buNone/>
+                        <a:tabLst/>
+                        <a:defRPr/>
+                      </a:pPr>
+                      <a:r>
+                        <a:rPr lang="fr-FR" sz="1100" dirty="0" smtClean="0">
+                          <a:solidFill>
+                            <a:schemeClr val="tx1"/>
+                          </a:solidFill>
+                          <a:latin typeface="Seravek ExtraLight"/>
+                          <a:cs typeface="Seravek ExtraLight"/>
+                        </a:rPr>
+                        <a:t>|MM3 </a:t>
+                      </a:r>
+                      <a:r>
+                        <a:rPr lang="fr-FR" sz="1100" kern="1200" dirty="0" smtClean="0">
+                          <a:solidFill>
+                            <a:schemeClr val="dk1"/>
+                          </a:solidFill>
+                          <a:effectLst/>
+                          <a:latin typeface="+mn-lt"/>
+                          <a:ea typeface="+mn-ea"/>
+                          <a:cs typeface="+mn-cs"/>
+                          <a:sym typeface="Symbol"/>
+                        </a:rPr>
+                        <a:t></a:t>
+                      </a:r>
+                      <a:r>
+                        <a:rPr lang="fr-FR" sz="1100" kern="1200" dirty="0" smtClean="0">
+                          <a:solidFill>
+                            <a:schemeClr val="dk1"/>
+                          </a:solidFill>
+                          <a:effectLst/>
+                          <a:latin typeface="Seravek ExtraLight"/>
+                          <a:ea typeface="+mn-ea"/>
+                          <a:cs typeface="Seravek ExtraLight"/>
+                          <a:sym typeface="Symbol"/>
+                        </a:rPr>
+                        <a:t> MM1|</a:t>
+                      </a:r>
+                      <a:endParaRPr lang="fr-FR" sz="1100" dirty="0" smtClean="0">
+                        <a:solidFill>
+                          <a:schemeClr val="tx1"/>
+                        </a:solidFill>
+                        <a:latin typeface="Seravek ExtraLight"/>
+                        <a:cs typeface="Seravek ExtraLight"/>
+                      </a:endParaRPr>
+                    </a:p>
+                  </a:txBody>
+                  <a:tcPr anchor="ctr">
+                    <a:lnL w="12700" cap="flat" cmpd="sng" algn="ctr">
+                      <a:solidFill>
+                        <a:scrgbClr r="0" g="0" b="0"/>
+                      </a:solidFill>
+                      <a:prstDash val="solid"/>
+                      <a:round/>
+                      <a:headEnd type="none" w="med" len="med"/>
+                      <a:tailEnd type="none" w="med" len="med"/>
+                    </a:lnL>
+                    <a:lnR w="12700" cap="flat" cmpd="sng" algn="ctr">
+                      <a:solidFill>
+                        <a:scrgbClr r="0" g="0" b="0"/>
+                      </a:solidFill>
+                      <a:prstDash val="solid"/>
+                      <a:round/>
+                      <a:headEnd type="none" w="med" len="med"/>
+                      <a:tailEnd type="none" w="med" len="med"/>
+                    </a:lnR>
+                    <a:lnT w="12700" cap="flat" cmpd="sng" algn="ctr">
+                      <a:solidFill>
+                        <a:scrgbClr r="0" g="0" b="0"/>
+                      </a:solidFill>
+                      <a:prstDash val="solid"/>
+                      <a:round/>
+                      <a:headEnd type="none" w="med" len="med"/>
+                      <a:tailEnd type="none" w="med" len="med"/>
+                    </a:lnT>
+                    <a:lnB w="12700" cap="flat" cmpd="sng" algn="ctr">
+                      <a:solidFill>
+                        <a:scrgbClr r="0" g="0" b="0"/>
+                      </a:solidFill>
+                      <a:prstDash val="solid"/>
+                      <a:round/>
+                      <a:headEnd type="none" w="med" len="med"/>
+                      <a:tailEnd type="none" w="med" len="med"/>
+                    </a:lnB>
+                    <a:solidFill>
+                      <a:srgbClr val="FFFFFF"/>
+                    </a:solidFill>
+                  </a:tcPr>
+                </a:tc>
+                <a:tc>
+                  <a:txBody>
+                    <a:bodyPr/>
+                    <a:lstStyle/>
+                    <a:p>
+                      <a:pPr marL="0" marR="0" indent="0" algn="ctr" defTabSz="457200" rtl="0" eaLnBrk="1" fontAlgn="auto" latinLnBrk="0" hangingPunct="1">
+                        <a:lnSpc>
+                          <a:spcPct val="100000"/>
+                        </a:lnSpc>
+                        <a:spcBef>
+                          <a:spcPts val="0"/>
+                        </a:spcBef>
+                        <a:spcAft>
+                          <a:spcPts val="0"/>
+                        </a:spcAft>
+                        <a:buClrTx/>
+                        <a:buSzTx/>
+                        <a:buFontTx/>
+                        <a:buNone/>
+                        <a:tabLst/>
+                        <a:defRPr/>
+                      </a:pPr>
+                      <a:endParaRPr lang="fr-FR" sz="1100" dirty="0" smtClean="0">
+                        <a:solidFill>
+                          <a:schemeClr val="tx1"/>
+                        </a:solidFill>
+                        <a:latin typeface="Seravek ExtraLight"/>
+                        <a:cs typeface="Seravek ExtraLight"/>
+                      </a:endParaRPr>
+                    </a:p>
+                  </a:txBody>
+                  <a:tcPr anchor="ctr">
+                    <a:lnL w="12700" cap="flat" cmpd="sng" algn="ctr">
+                      <a:solidFill>
+                        <a:scrgbClr r="0" g="0" b="0"/>
+                      </a:solidFill>
+                      <a:prstDash val="solid"/>
+                      <a:round/>
+                      <a:headEnd type="none" w="med" len="med"/>
+                      <a:tailEnd type="none" w="med" len="med"/>
+                    </a:lnL>
+                    <a:lnR w="12700" cap="flat" cmpd="sng" algn="ctr">
+                      <a:noFill/>
+                      <a:prstDash val="solid"/>
+                      <a:round/>
+                      <a:headEnd type="none" w="med" len="med"/>
+                      <a:tailEnd type="none" w="med" len="med"/>
+                    </a:lnR>
+                    <a:lnT w="12700" cap="flat" cmpd="sng" algn="ctr">
+                      <a:noFill/>
+                      <a:prstDash val="solid"/>
+                      <a:round/>
+                      <a:headEnd type="none" w="med" len="med"/>
+                      <a:tailEnd type="none" w="med" len="med"/>
+                    </a:lnT>
+                    <a:lnB w="12700" cap="flat" cmpd="sng" algn="ctr">
+                      <a:noFill/>
+                      <a:prstDash val="solid"/>
+                      <a:round/>
+                      <a:headEnd type="none" w="med" len="med"/>
+                      <a:tailEnd type="none" w="med" len="med"/>
+                    </a:lnB>
+                    <a:lnTlToBr w="12700" cmpd="sng">
+                      <a:noFill/>
+                      <a:prstDash val="solid"/>
+                    </a:lnTlToBr>
+                    <a:lnBlToTr w="12700" cmpd="sng">
+                      <a:noFill/>
+                      <a:prstDash val="solid"/>
+                    </a:lnBlToTr>
+                    <a:noFill/>
+                  </a:tcPr>
+                </a:tc>
+              </a:tr>
+              <a:tr h="370840">
+                <a:tc>
+                  <a:txBody>
+                    <a:bodyPr/>
+                    <a:lstStyle/>
+                    <a:p>
+                      <a:pPr marL="0" marR="0" indent="0" algn="ctr" defTabSz="457200" rtl="0" eaLnBrk="1" fontAlgn="auto" latinLnBrk="0" hangingPunct="1">
+                        <a:lnSpc>
+                          <a:spcPct val="100000"/>
+                        </a:lnSpc>
+                        <a:spcBef>
+                          <a:spcPts val="0"/>
+                        </a:spcBef>
+                        <a:spcAft>
+                          <a:spcPts val="0"/>
+                        </a:spcAft>
+                        <a:buClrTx/>
+                        <a:buSzTx/>
+                        <a:buFontTx/>
+                        <a:buNone/>
+                        <a:tabLst/>
+                        <a:defRPr/>
+                      </a:pPr>
+                      <a:r>
+                        <a:rPr lang="fr-FR" sz="1200" b="1" dirty="0" smtClean="0">
+                          <a:solidFill>
+                            <a:schemeClr val="tx1"/>
+                          </a:solidFill>
+                          <a:latin typeface="Seravek ExtraLight"/>
+                          <a:cs typeface="Seravek ExtraLight"/>
+                        </a:rPr>
+                        <a:t>MM2</a:t>
+                      </a:r>
+                    </a:p>
+                  </a:txBody>
+                  <a:tcPr anchor="ctr">
+                    <a:lnL w="12700" cap="flat" cmpd="sng" algn="ctr">
+                      <a:solidFill>
+                        <a:scrgbClr r="0" g="0" b="0"/>
+                      </a:solidFill>
+                      <a:prstDash val="solid"/>
+                      <a:round/>
+                      <a:headEnd type="none" w="med" len="med"/>
+                      <a:tailEnd type="none" w="med" len="med"/>
+                    </a:lnL>
+                    <a:lnR w="12700" cap="flat" cmpd="sng" algn="ctr">
+                      <a:solidFill>
+                        <a:scrgbClr r="0" g="0" b="0"/>
+                      </a:solidFill>
+                      <a:prstDash val="solid"/>
+                      <a:round/>
+                      <a:headEnd type="none" w="med" len="med"/>
+                      <a:tailEnd type="none" w="med" len="med"/>
+                    </a:lnR>
+                    <a:lnT w="12700" cap="flat" cmpd="sng" algn="ctr">
+                      <a:solidFill>
+                        <a:scrgbClr r="0" g="0" b="0"/>
+                      </a:solidFill>
+                      <a:prstDash val="solid"/>
+                      <a:round/>
+                      <a:headEnd type="none" w="med" len="med"/>
+                      <a:tailEnd type="none" w="med" len="med"/>
+                    </a:lnT>
+                    <a:lnB w="12700" cap="flat" cmpd="sng" algn="ctr">
+                      <a:solidFill>
+                        <a:scrgbClr r="0" g="0" b="0"/>
+                      </a:solidFill>
+                      <a:prstDash val="solid"/>
+                      <a:round/>
+                      <a:headEnd type="none" w="med" len="med"/>
+                      <a:tailEnd type="none" w="med" len="med"/>
+                    </a:lnB>
+                    <a:solidFill>
+                      <a:srgbClr val="D9D9D9"/>
+                    </a:solidFill>
+                  </a:tcPr>
+                </a:tc>
+                <a:tc>
+                  <a:txBody>
+                    <a:bodyPr/>
+                    <a:lstStyle/>
+                    <a:p>
+                      <a:pPr marL="0" marR="0" indent="0" algn="ctr" defTabSz="457200" rtl="0" eaLnBrk="1" fontAlgn="auto" latinLnBrk="0" hangingPunct="1">
+                        <a:lnSpc>
+                          <a:spcPct val="100000"/>
+                        </a:lnSpc>
+                        <a:spcBef>
+                          <a:spcPts val="0"/>
+                        </a:spcBef>
+                        <a:spcAft>
+                          <a:spcPts val="0"/>
+                        </a:spcAft>
+                        <a:buClrTx/>
+                        <a:buSzTx/>
+                        <a:buFontTx/>
+                        <a:buNone/>
+                        <a:tabLst/>
+                        <a:defRPr/>
+                      </a:pPr>
+                      <a:r>
+                        <a:rPr lang="fr-FR" sz="1100" dirty="0" smtClean="0">
+                          <a:solidFill>
+                            <a:schemeClr val="tx1"/>
+                          </a:solidFill>
+                          <a:latin typeface="Seravek ExtraLight"/>
+                          <a:cs typeface="Seravek ExtraLight"/>
+                        </a:rPr>
+                        <a:t>|MM1 </a:t>
+                      </a:r>
+                      <a:r>
+                        <a:rPr lang="fr-FR" sz="1100" kern="1200" dirty="0" smtClean="0">
+                          <a:solidFill>
+                            <a:schemeClr val="dk1"/>
+                          </a:solidFill>
+                          <a:effectLst/>
+                          <a:latin typeface="+mn-lt"/>
+                          <a:ea typeface="+mn-ea"/>
+                          <a:cs typeface="+mn-cs"/>
+                          <a:sym typeface="Symbol"/>
+                        </a:rPr>
+                        <a:t></a:t>
+                      </a:r>
+                      <a:r>
+                        <a:rPr lang="fr-FR" sz="1100" kern="1200" dirty="0" smtClean="0">
+                          <a:solidFill>
+                            <a:schemeClr val="dk1"/>
+                          </a:solidFill>
+                          <a:effectLst/>
+                          <a:latin typeface="Seravek ExtraLight"/>
+                          <a:ea typeface="+mn-ea"/>
+                          <a:cs typeface="Seravek ExtraLight"/>
+                          <a:sym typeface="Symbol"/>
+                        </a:rPr>
+                        <a:t> MM2|</a:t>
+                      </a:r>
+                      <a:endParaRPr lang="fr-FR" sz="1100" kern="1200" dirty="0" smtClean="0">
+                        <a:solidFill>
+                          <a:schemeClr val="dk1"/>
+                        </a:solidFill>
+                        <a:effectLst/>
+                        <a:latin typeface="Seravek ExtraLight"/>
+                        <a:ea typeface="+mn-ea"/>
+                        <a:cs typeface="Seravek ExtraLight"/>
+                      </a:endParaRPr>
+                    </a:p>
+                  </a:txBody>
+                  <a:tcPr anchor="ctr">
+                    <a:lnL w="12700" cap="flat" cmpd="sng" algn="ctr">
+                      <a:solidFill>
+                        <a:scrgbClr r="0" g="0" b="0"/>
+                      </a:solidFill>
+                      <a:prstDash val="solid"/>
+                      <a:round/>
+                      <a:headEnd type="none" w="med" len="med"/>
+                      <a:tailEnd type="none" w="med" len="med"/>
+                    </a:lnL>
+                    <a:lnR w="12700" cap="flat" cmpd="sng" algn="ctr">
+                      <a:solidFill>
+                        <a:scrgbClr r="0" g="0" b="0"/>
+                      </a:solidFill>
+                      <a:prstDash val="solid"/>
+                      <a:round/>
+                      <a:headEnd type="none" w="med" len="med"/>
+                      <a:tailEnd type="none" w="med" len="med"/>
+                    </a:lnR>
+                    <a:lnT w="12700" cap="flat" cmpd="sng" algn="ctr">
+                      <a:solidFill>
+                        <a:scrgbClr r="0" g="0" b="0"/>
+                      </a:solidFill>
+                      <a:prstDash val="solid"/>
+                      <a:round/>
+                      <a:headEnd type="none" w="med" len="med"/>
+                      <a:tailEnd type="none" w="med" len="med"/>
+                    </a:lnT>
+                    <a:lnB w="12700" cap="flat" cmpd="sng" algn="ctr">
+                      <a:solidFill>
+                        <a:scrgbClr r="0" g="0" b="0"/>
+                      </a:solidFill>
+                      <a:prstDash val="solid"/>
+                      <a:round/>
+                      <a:headEnd type="none" w="med" len="med"/>
+                      <a:tailEnd type="none" w="med" len="med"/>
+                    </a:lnB>
+                    <a:solidFill>
+                      <a:srgbClr val="FFFFFF"/>
+                    </a:solidFill>
+                  </a:tcPr>
+                </a:tc>
+                <a:tc>
+                  <a:txBody>
+                    <a:bodyPr/>
+                    <a:lstStyle/>
+                    <a:p>
+                      <a:pPr algn="ctr"/>
+                      <a:r>
+                        <a:rPr lang="fr-FR" sz="1100" dirty="0" smtClean="0">
+                          <a:solidFill>
+                            <a:schemeClr val="tx1"/>
+                          </a:solidFill>
+                          <a:latin typeface="Seravek ExtraLight"/>
+                          <a:cs typeface="Seravek ExtraLight"/>
+                        </a:rPr>
+                        <a:t>-</a:t>
+                      </a:r>
+                      <a:endParaRPr lang="fr-FR" sz="1100" dirty="0">
+                        <a:solidFill>
+                          <a:schemeClr val="tx1"/>
+                        </a:solidFill>
+                        <a:latin typeface="Seravek ExtraLight"/>
+                        <a:cs typeface="Seravek ExtraLight"/>
+                      </a:endParaRPr>
+                    </a:p>
+                  </a:txBody>
+                  <a:tcPr anchor="ctr">
+                    <a:lnL w="12700" cap="flat" cmpd="sng" algn="ctr">
+                      <a:solidFill>
+                        <a:scrgbClr r="0" g="0" b="0"/>
+                      </a:solidFill>
+                      <a:prstDash val="solid"/>
+                      <a:round/>
+                      <a:headEnd type="none" w="med" len="med"/>
+                      <a:tailEnd type="none" w="med" len="med"/>
+                    </a:lnL>
+                    <a:lnR w="12700" cap="flat" cmpd="sng" algn="ctr">
+                      <a:solidFill>
+                        <a:scrgbClr r="0" g="0" b="0"/>
+                      </a:solidFill>
+                      <a:prstDash val="solid"/>
+                      <a:round/>
+                      <a:headEnd type="none" w="med" len="med"/>
+                      <a:tailEnd type="none" w="med" len="med"/>
+                    </a:lnR>
+                    <a:lnT w="12700" cap="flat" cmpd="sng" algn="ctr">
+                      <a:solidFill>
+                        <a:scrgbClr r="0" g="0" b="0"/>
+                      </a:solidFill>
+                      <a:prstDash val="solid"/>
+                      <a:round/>
+                      <a:headEnd type="none" w="med" len="med"/>
+                      <a:tailEnd type="none" w="med" len="med"/>
+                    </a:lnT>
+                    <a:lnB w="12700" cap="flat" cmpd="sng" algn="ctr">
+                      <a:solidFill>
+                        <a:scrgbClr r="0" g="0" b="0"/>
+                      </a:solidFill>
+                      <a:prstDash val="solid"/>
+                      <a:round/>
+                      <a:headEnd type="none" w="med" len="med"/>
+                      <a:tailEnd type="none" w="med" len="med"/>
+                    </a:lnB>
+                    <a:solidFill>
+                      <a:srgbClr val="FFFFFF"/>
+                    </a:solidFill>
+                  </a:tcPr>
+                </a:tc>
+                <a:tc>
+                  <a:txBody>
+                    <a:bodyPr/>
+                    <a:lstStyle/>
+                    <a:p>
+                      <a:pPr marL="0" marR="0" indent="0" algn="ctr" defTabSz="457200" rtl="0" eaLnBrk="1" fontAlgn="auto" latinLnBrk="0" hangingPunct="1">
+                        <a:lnSpc>
+                          <a:spcPct val="100000"/>
+                        </a:lnSpc>
+                        <a:spcBef>
+                          <a:spcPts val="0"/>
+                        </a:spcBef>
+                        <a:spcAft>
+                          <a:spcPts val="0"/>
+                        </a:spcAft>
+                        <a:buClrTx/>
+                        <a:buSzTx/>
+                        <a:buFontTx/>
+                        <a:buNone/>
+                        <a:tabLst/>
+                        <a:defRPr/>
+                      </a:pPr>
+                      <a:r>
+                        <a:rPr lang="fr-FR" sz="1100" dirty="0" smtClean="0">
+                          <a:solidFill>
+                            <a:schemeClr val="tx1"/>
+                          </a:solidFill>
+                          <a:latin typeface="Seravek ExtraLight"/>
+                          <a:cs typeface="Seravek ExtraLight"/>
+                        </a:rPr>
+                        <a:t>|MM3 </a:t>
+                      </a:r>
+                      <a:r>
+                        <a:rPr lang="fr-FR" sz="1100" kern="1200" dirty="0" smtClean="0">
+                          <a:solidFill>
+                            <a:schemeClr val="dk1"/>
+                          </a:solidFill>
+                          <a:effectLst/>
+                          <a:latin typeface="+mn-lt"/>
+                          <a:ea typeface="+mn-ea"/>
+                          <a:cs typeface="+mn-cs"/>
+                          <a:sym typeface="Symbol"/>
+                        </a:rPr>
+                        <a:t></a:t>
+                      </a:r>
+                      <a:r>
+                        <a:rPr lang="fr-FR" sz="1100" kern="1200" dirty="0" smtClean="0">
+                          <a:solidFill>
+                            <a:schemeClr val="dk1"/>
+                          </a:solidFill>
+                          <a:effectLst/>
+                          <a:latin typeface="Seravek ExtraLight"/>
+                          <a:ea typeface="+mn-ea"/>
+                          <a:cs typeface="Seravek ExtraLight"/>
+                          <a:sym typeface="Symbol"/>
+                        </a:rPr>
+                        <a:t> MM2|</a:t>
+                      </a:r>
+                      <a:endParaRPr lang="fr-FR" sz="1100" dirty="0" smtClean="0">
+                        <a:solidFill>
+                          <a:schemeClr val="tx1"/>
+                        </a:solidFill>
+                        <a:latin typeface="Seravek ExtraLight"/>
+                        <a:cs typeface="Seravek ExtraLight"/>
+                      </a:endParaRPr>
+                    </a:p>
+                  </a:txBody>
+                  <a:tcPr anchor="ctr">
+                    <a:lnL w="12700" cap="flat" cmpd="sng" algn="ctr">
+                      <a:solidFill>
+                        <a:scrgbClr r="0" g="0" b="0"/>
+                      </a:solidFill>
+                      <a:prstDash val="solid"/>
+                      <a:round/>
+                      <a:headEnd type="none" w="med" len="med"/>
+                      <a:tailEnd type="none" w="med" len="med"/>
+                    </a:lnL>
+                    <a:lnR w="12700" cap="flat" cmpd="sng" algn="ctr">
+                      <a:solidFill>
+                        <a:scrgbClr r="0" g="0" b="0"/>
+                      </a:solidFill>
+                      <a:prstDash val="solid"/>
+                      <a:round/>
+                      <a:headEnd type="none" w="med" len="med"/>
+                      <a:tailEnd type="none" w="med" len="med"/>
+                    </a:lnR>
+                    <a:lnT w="12700" cap="flat" cmpd="sng" algn="ctr">
+                      <a:solidFill>
+                        <a:scrgbClr r="0" g="0" b="0"/>
+                      </a:solidFill>
+                      <a:prstDash val="solid"/>
+                      <a:round/>
+                      <a:headEnd type="none" w="med" len="med"/>
+                      <a:tailEnd type="none" w="med" len="med"/>
+                    </a:lnT>
+                    <a:lnB w="12700" cap="flat" cmpd="sng" algn="ctr">
+                      <a:solidFill>
+                        <a:scrgbClr r="0" g="0" b="0"/>
+                      </a:solidFill>
+                      <a:prstDash val="solid"/>
+                      <a:round/>
+                      <a:headEnd type="none" w="med" len="med"/>
+                      <a:tailEnd type="none" w="med" len="med"/>
+                    </a:lnB>
+                    <a:solidFill>
+                      <a:srgbClr val="FFFFFF"/>
+                    </a:solidFill>
+                  </a:tcPr>
+                </a:tc>
+                <a:tc>
+                  <a:txBody>
+                    <a:bodyPr/>
+                    <a:lstStyle/>
+                    <a:p>
+                      <a:pPr marL="0" marR="0" indent="0" algn="ctr" defTabSz="457200" rtl="0" eaLnBrk="1" fontAlgn="auto" latinLnBrk="0" hangingPunct="1">
+                        <a:lnSpc>
+                          <a:spcPct val="100000"/>
+                        </a:lnSpc>
+                        <a:spcBef>
+                          <a:spcPts val="0"/>
+                        </a:spcBef>
+                        <a:spcAft>
+                          <a:spcPts val="0"/>
+                        </a:spcAft>
+                        <a:buClrTx/>
+                        <a:buSzTx/>
+                        <a:buFontTx/>
+                        <a:buNone/>
+                        <a:tabLst/>
+                        <a:defRPr/>
+                      </a:pPr>
+                      <a:endParaRPr lang="fr-FR" sz="1100" dirty="0" smtClean="0">
+                        <a:solidFill>
+                          <a:schemeClr val="tx1"/>
+                        </a:solidFill>
+                        <a:latin typeface="Seravek ExtraLight"/>
+                        <a:cs typeface="Seravek ExtraLight"/>
+                      </a:endParaRPr>
+                    </a:p>
+                  </a:txBody>
+                  <a:tcPr anchor="ctr">
+                    <a:lnL w="12700" cap="flat" cmpd="sng" algn="ctr">
+                      <a:solidFill>
+                        <a:scrgbClr r="0" g="0" b="0"/>
+                      </a:solidFill>
+                      <a:prstDash val="solid"/>
+                      <a:round/>
+                      <a:headEnd type="none" w="med" len="med"/>
+                      <a:tailEnd type="none" w="med" len="med"/>
+                    </a:lnL>
+                    <a:lnR w="12700" cap="flat" cmpd="sng" algn="ctr">
+                      <a:noFill/>
+                      <a:prstDash val="solid"/>
+                      <a:round/>
+                      <a:headEnd type="none" w="med" len="med"/>
+                      <a:tailEnd type="none" w="med" len="med"/>
+                    </a:lnR>
+                    <a:lnT w="12700" cap="flat" cmpd="sng" algn="ctr">
+                      <a:noFill/>
+                      <a:prstDash val="solid"/>
+                      <a:round/>
+                      <a:headEnd type="none" w="med" len="med"/>
+                      <a:tailEnd type="none" w="med" len="med"/>
+                    </a:lnT>
+                    <a:lnB w="12700" cap="flat" cmpd="sng" algn="ctr">
+                      <a:noFill/>
+                      <a:prstDash val="solid"/>
+                      <a:round/>
+                      <a:headEnd type="none" w="med" len="med"/>
+                      <a:tailEnd type="none" w="med" len="med"/>
+                    </a:lnB>
+                    <a:lnTlToBr w="12700" cmpd="sng">
+                      <a:noFill/>
+                      <a:prstDash val="solid"/>
+                    </a:lnTlToBr>
+                    <a:lnBlToTr w="12700" cmpd="sng">
+                      <a:noFill/>
+                      <a:prstDash val="solid"/>
+                    </a:lnBlToTr>
+                    <a:noFill/>
+                  </a:tcPr>
+                </a:tc>
+              </a:tr>
+              <a:tr h="370840">
+                <a:tc>
+                  <a:txBody>
+                    <a:bodyPr/>
+                    <a:lstStyle/>
+                    <a:p>
+                      <a:pPr marL="0" marR="0" indent="0" algn="ctr" defTabSz="457200" rtl="0" eaLnBrk="1" fontAlgn="auto" latinLnBrk="0" hangingPunct="1">
+                        <a:lnSpc>
+                          <a:spcPct val="100000"/>
+                        </a:lnSpc>
+                        <a:spcBef>
+                          <a:spcPts val="0"/>
+                        </a:spcBef>
+                        <a:spcAft>
+                          <a:spcPts val="0"/>
+                        </a:spcAft>
+                        <a:buClrTx/>
+                        <a:buSzTx/>
+                        <a:buFontTx/>
+                        <a:buNone/>
+                        <a:tabLst/>
+                        <a:defRPr/>
+                      </a:pPr>
+                      <a:r>
+                        <a:rPr lang="fr-FR" sz="1200" b="1" dirty="0" smtClean="0">
+                          <a:solidFill>
+                            <a:schemeClr val="tx1"/>
+                          </a:solidFill>
+                          <a:latin typeface="Seravek ExtraLight"/>
+                          <a:cs typeface="Seravek ExtraLight"/>
+                        </a:rPr>
+                        <a:t>MM3</a:t>
+                      </a:r>
+                    </a:p>
+                  </a:txBody>
+                  <a:tcPr anchor="ctr">
+                    <a:lnL w="12700" cap="flat" cmpd="sng" algn="ctr">
+                      <a:solidFill>
+                        <a:scrgbClr r="0" g="0" b="0"/>
+                      </a:solidFill>
+                      <a:prstDash val="solid"/>
+                      <a:round/>
+                      <a:headEnd type="none" w="med" len="med"/>
+                      <a:tailEnd type="none" w="med" len="med"/>
+                    </a:lnL>
+                    <a:lnR w="12700" cap="flat" cmpd="sng" algn="ctr">
+                      <a:solidFill>
+                        <a:scrgbClr r="0" g="0" b="0"/>
+                      </a:solidFill>
+                      <a:prstDash val="solid"/>
+                      <a:round/>
+                      <a:headEnd type="none" w="med" len="med"/>
+                      <a:tailEnd type="none" w="med" len="med"/>
+                    </a:lnR>
+                    <a:lnT w="12700" cap="flat" cmpd="sng" algn="ctr">
+                      <a:solidFill>
+                        <a:scrgbClr r="0" g="0" b="0"/>
+                      </a:solidFill>
+                      <a:prstDash val="solid"/>
+                      <a:round/>
+                      <a:headEnd type="none" w="med" len="med"/>
+                      <a:tailEnd type="none" w="med" len="med"/>
+                    </a:lnT>
+                    <a:lnB w="12700" cap="flat" cmpd="sng" algn="ctr">
+                      <a:solidFill>
+                        <a:scrgbClr r="0" g="0" b="0"/>
+                      </a:solidFill>
+                      <a:prstDash val="solid"/>
+                      <a:round/>
+                      <a:headEnd type="none" w="med" len="med"/>
+                      <a:tailEnd type="none" w="med" len="med"/>
+                    </a:lnB>
+                    <a:solidFill>
+                      <a:srgbClr val="D9D9D9"/>
+                    </a:solidFill>
+                  </a:tcPr>
+                </a:tc>
+                <a:tc>
+                  <a:txBody>
+                    <a:bodyPr/>
+                    <a:lstStyle/>
+                    <a:p>
+                      <a:pPr marL="0" marR="0" indent="0" algn="ctr" defTabSz="457200" rtl="0" eaLnBrk="1" fontAlgn="auto" latinLnBrk="0" hangingPunct="1">
+                        <a:lnSpc>
+                          <a:spcPct val="100000"/>
+                        </a:lnSpc>
+                        <a:spcBef>
+                          <a:spcPts val="0"/>
+                        </a:spcBef>
+                        <a:spcAft>
+                          <a:spcPts val="0"/>
+                        </a:spcAft>
+                        <a:buClrTx/>
+                        <a:buSzTx/>
+                        <a:buFontTx/>
+                        <a:buNone/>
+                        <a:tabLst/>
+                        <a:defRPr/>
+                      </a:pPr>
+                      <a:r>
+                        <a:rPr lang="fr-FR" sz="1100" dirty="0" smtClean="0">
+                          <a:solidFill>
+                            <a:schemeClr val="tx1"/>
+                          </a:solidFill>
+                          <a:latin typeface="Seravek ExtraLight"/>
+                          <a:cs typeface="Seravek ExtraLight"/>
+                        </a:rPr>
+                        <a:t>|MM1 </a:t>
+                      </a:r>
+                      <a:r>
+                        <a:rPr lang="fr-FR" sz="1100" kern="1200" dirty="0" smtClean="0">
+                          <a:solidFill>
+                            <a:schemeClr val="dk1"/>
+                          </a:solidFill>
+                          <a:effectLst/>
+                          <a:latin typeface="+mn-lt"/>
+                          <a:ea typeface="+mn-ea"/>
+                          <a:cs typeface="+mn-cs"/>
+                          <a:sym typeface="Symbol"/>
+                        </a:rPr>
+                        <a:t></a:t>
+                      </a:r>
+                      <a:r>
+                        <a:rPr lang="fr-FR" sz="1100" kern="1200" dirty="0" smtClean="0">
+                          <a:solidFill>
+                            <a:schemeClr val="dk1"/>
+                          </a:solidFill>
+                          <a:effectLst/>
+                          <a:latin typeface="Seravek ExtraLight"/>
+                          <a:ea typeface="+mn-ea"/>
+                          <a:cs typeface="Seravek ExtraLight"/>
+                          <a:sym typeface="Symbol"/>
+                        </a:rPr>
+                        <a:t> MM3|</a:t>
+                      </a:r>
+                      <a:endParaRPr lang="fr-FR" sz="1100" kern="1200" dirty="0" smtClean="0">
+                        <a:solidFill>
+                          <a:schemeClr val="dk1"/>
+                        </a:solidFill>
+                        <a:effectLst/>
+                        <a:latin typeface="Seravek ExtraLight"/>
+                        <a:ea typeface="+mn-ea"/>
+                        <a:cs typeface="Seravek ExtraLight"/>
+                      </a:endParaRPr>
+                    </a:p>
+                  </a:txBody>
+                  <a:tcPr anchor="ctr">
+                    <a:lnL w="12700" cap="flat" cmpd="sng" algn="ctr">
+                      <a:solidFill>
+                        <a:scrgbClr r="0" g="0" b="0"/>
+                      </a:solidFill>
+                      <a:prstDash val="solid"/>
+                      <a:round/>
+                      <a:headEnd type="none" w="med" len="med"/>
+                      <a:tailEnd type="none" w="med" len="med"/>
+                    </a:lnL>
+                    <a:lnR w="12700" cap="flat" cmpd="sng" algn="ctr">
+                      <a:solidFill>
+                        <a:scrgbClr r="0" g="0" b="0"/>
+                      </a:solidFill>
+                      <a:prstDash val="solid"/>
+                      <a:round/>
+                      <a:headEnd type="none" w="med" len="med"/>
+                      <a:tailEnd type="none" w="med" len="med"/>
+                    </a:lnR>
+                    <a:lnT w="12700" cap="flat" cmpd="sng" algn="ctr">
+                      <a:solidFill>
+                        <a:scrgbClr r="0" g="0" b="0"/>
+                      </a:solidFill>
+                      <a:prstDash val="solid"/>
+                      <a:round/>
+                      <a:headEnd type="none" w="med" len="med"/>
+                      <a:tailEnd type="none" w="med" len="med"/>
+                    </a:lnT>
+                    <a:lnB w="12700" cap="flat" cmpd="sng" algn="ctr">
+                      <a:solidFill>
+                        <a:scrgbClr r="0" g="0" b="0"/>
+                      </a:solidFill>
+                      <a:prstDash val="solid"/>
+                      <a:round/>
+                      <a:headEnd type="none" w="med" len="med"/>
+                      <a:tailEnd type="none" w="med" len="med"/>
+                    </a:lnB>
+                    <a:solidFill>
+                      <a:srgbClr val="FFFFFF"/>
+                    </a:solidFill>
+                  </a:tcPr>
+                </a:tc>
+                <a:tc>
+                  <a:txBody>
+                    <a:bodyPr/>
+                    <a:lstStyle/>
+                    <a:p>
+                      <a:pPr marL="0" marR="0" indent="0" algn="ctr" defTabSz="457200" rtl="0" eaLnBrk="1" fontAlgn="auto" latinLnBrk="0" hangingPunct="1">
+                        <a:lnSpc>
+                          <a:spcPct val="100000"/>
+                        </a:lnSpc>
+                        <a:spcBef>
+                          <a:spcPts val="0"/>
+                        </a:spcBef>
+                        <a:spcAft>
+                          <a:spcPts val="0"/>
+                        </a:spcAft>
+                        <a:buClrTx/>
+                        <a:buSzTx/>
+                        <a:buFontTx/>
+                        <a:buNone/>
+                        <a:tabLst/>
+                        <a:defRPr/>
+                      </a:pPr>
+                      <a:r>
+                        <a:rPr lang="fr-FR" sz="1100" dirty="0" smtClean="0">
+                          <a:solidFill>
+                            <a:schemeClr val="tx1"/>
+                          </a:solidFill>
+                          <a:latin typeface="Seravek ExtraLight"/>
+                          <a:cs typeface="Seravek ExtraLight"/>
+                        </a:rPr>
+                        <a:t>|MM2 </a:t>
+                      </a:r>
+                      <a:r>
+                        <a:rPr lang="fr-FR" sz="1100" kern="1200" dirty="0" smtClean="0">
+                          <a:solidFill>
+                            <a:schemeClr val="dk1"/>
+                          </a:solidFill>
+                          <a:effectLst/>
+                          <a:latin typeface="+mn-lt"/>
+                          <a:ea typeface="+mn-ea"/>
+                          <a:cs typeface="+mn-cs"/>
+                          <a:sym typeface="Symbol"/>
+                        </a:rPr>
+                        <a:t></a:t>
+                      </a:r>
+                      <a:r>
+                        <a:rPr lang="fr-FR" sz="1100" kern="1200" dirty="0" smtClean="0">
+                          <a:solidFill>
+                            <a:schemeClr val="dk1"/>
+                          </a:solidFill>
+                          <a:effectLst/>
+                          <a:latin typeface="Seravek ExtraLight"/>
+                          <a:ea typeface="+mn-ea"/>
+                          <a:cs typeface="Seravek ExtraLight"/>
+                          <a:sym typeface="Symbol"/>
+                        </a:rPr>
+                        <a:t> MM3|</a:t>
+                      </a:r>
+                      <a:endParaRPr lang="fr-FR" sz="1100" dirty="0" smtClean="0">
+                        <a:solidFill>
+                          <a:schemeClr val="tx1"/>
+                        </a:solidFill>
+                        <a:latin typeface="Seravek ExtraLight"/>
+                        <a:cs typeface="Seravek ExtraLight"/>
+                      </a:endParaRPr>
+                    </a:p>
+                  </a:txBody>
+                  <a:tcPr anchor="ctr">
+                    <a:lnL w="12700" cap="flat" cmpd="sng" algn="ctr">
+                      <a:solidFill>
+                        <a:scrgbClr r="0" g="0" b="0"/>
+                      </a:solidFill>
+                      <a:prstDash val="solid"/>
+                      <a:round/>
+                      <a:headEnd type="none" w="med" len="med"/>
+                      <a:tailEnd type="none" w="med" len="med"/>
+                    </a:lnL>
+                    <a:lnR w="12700" cap="flat" cmpd="sng" algn="ctr">
+                      <a:solidFill>
+                        <a:scrgbClr r="0" g="0" b="0"/>
+                      </a:solidFill>
+                      <a:prstDash val="solid"/>
+                      <a:round/>
+                      <a:headEnd type="none" w="med" len="med"/>
+                      <a:tailEnd type="none" w="med" len="med"/>
+                    </a:lnR>
+                    <a:lnT w="12700" cap="flat" cmpd="sng" algn="ctr">
+                      <a:solidFill>
+                        <a:scrgbClr r="0" g="0" b="0"/>
+                      </a:solidFill>
+                      <a:prstDash val="solid"/>
+                      <a:round/>
+                      <a:headEnd type="none" w="med" len="med"/>
+                      <a:tailEnd type="none" w="med" len="med"/>
+                    </a:lnT>
+                    <a:lnB w="12700" cap="flat" cmpd="sng" algn="ctr">
+                      <a:solidFill>
+                        <a:scrgbClr r="0" g="0" b="0"/>
+                      </a:solidFill>
+                      <a:prstDash val="solid"/>
+                      <a:round/>
+                      <a:headEnd type="none" w="med" len="med"/>
+                      <a:tailEnd type="none" w="med" len="med"/>
+                    </a:lnB>
+                    <a:solidFill>
+                      <a:srgbClr val="FFFFFF"/>
+                    </a:solidFill>
+                  </a:tcPr>
+                </a:tc>
+                <a:tc>
+                  <a:txBody>
+                    <a:bodyPr/>
+                    <a:lstStyle/>
+                    <a:p>
+                      <a:pPr algn="ctr"/>
+                      <a:r>
+                        <a:rPr lang="fr-FR" sz="1100" dirty="0" smtClean="0">
+                          <a:solidFill>
+                            <a:schemeClr val="tx1"/>
+                          </a:solidFill>
+                          <a:latin typeface="Seravek ExtraLight"/>
+                          <a:cs typeface="Seravek ExtraLight"/>
+                        </a:rPr>
+                        <a:t>-</a:t>
+                      </a:r>
+                      <a:endParaRPr lang="fr-FR" sz="1100" dirty="0">
+                        <a:solidFill>
+                          <a:schemeClr val="tx1"/>
+                        </a:solidFill>
+                        <a:latin typeface="Seravek ExtraLight"/>
+                        <a:cs typeface="Seravek ExtraLight"/>
+                      </a:endParaRPr>
+                    </a:p>
+                  </a:txBody>
+                  <a:tcPr anchor="ctr">
+                    <a:lnL w="12700" cap="flat" cmpd="sng" algn="ctr">
+                      <a:solidFill>
+                        <a:scrgbClr r="0" g="0" b="0"/>
+                      </a:solidFill>
+                      <a:prstDash val="solid"/>
+                      <a:round/>
+                      <a:headEnd type="none" w="med" len="med"/>
+                      <a:tailEnd type="none" w="med" len="med"/>
+                    </a:lnL>
+                    <a:lnR w="12700" cap="flat" cmpd="sng" algn="ctr">
+                      <a:solidFill>
+                        <a:scrgbClr r="0" g="0" b="0"/>
+                      </a:solidFill>
+                      <a:prstDash val="solid"/>
+                      <a:round/>
+                      <a:headEnd type="none" w="med" len="med"/>
+                      <a:tailEnd type="none" w="med" len="med"/>
+                    </a:lnR>
+                    <a:lnT w="12700" cap="flat" cmpd="sng" algn="ctr">
+                      <a:solidFill>
+                        <a:scrgbClr r="0" g="0" b="0"/>
+                      </a:solidFill>
+                      <a:prstDash val="solid"/>
+                      <a:round/>
+                      <a:headEnd type="none" w="med" len="med"/>
+                      <a:tailEnd type="none" w="med" len="med"/>
+                    </a:lnT>
+                    <a:lnB w="12700" cap="flat" cmpd="sng" algn="ctr">
+                      <a:solidFill>
+                        <a:scrgbClr r="0" g="0" b="0"/>
+                      </a:solidFill>
+                      <a:prstDash val="solid"/>
+                      <a:round/>
+                      <a:headEnd type="none" w="med" len="med"/>
+                      <a:tailEnd type="none" w="med" len="med"/>
+                    </a:lnB>
+                    <a:solidFill>
+                      <a:srgbClr val="FFFFFF"/>
+                    </a:solidFill>
+                  </a:tcPr>
+                </a:tc>
+                <a:tc>
+                  <a:txBody>
+                    <a:bodyPr/>
+                    <a:lstStyle/>
+                    <a:p>
+                      <a:pPr algn="ctr"/>
+                      <a:endParaRPr lang="fr-FR" sz="1100" dirty="0">
+                        <a:solidFill>
+                          <a:schemeClr val="tx1"/>
+                        </a:solidFill>
+                        <a:latin typeface="Seravek ExtraLight"/>
+                        <a:cs typeface="Seravek ExtraLight"/>
+                      </a:endParaRPr>
+                    </a:p>
+                  </a:txBody>
+                  <a:tcPr anchor="ctr">
+                    <a:lnL w="12700" cap="flat" cmpd="sng" algn="ctr">
+                      <a:solidFill>
+                        <a:scrgbClr r="0" g="0" b="0"/>
+                      </a:solidFill>
+                      <a:prstDash val="solid"/>
+                      <a:round/>
+                      <a:headEnd type="none" w="med" len="med"/>
+                      <a:tailEnd type="none" w="med" len="med"/>
+                    </a:lnL>
+                    <a:lnR w="12700" cap="flat" cmpd="sng" algn="ctr">
+                      <a:noFill/>
+                      <a:prstDash val="solid"/>
+                      <a:round/>
+                      <a:headEnd type="none" w="med" len="med"/>
+                      <a:tailEnd type="none" w="med" len="med"/>
+                    </a:lnR>
+                    <a:lnT w="12700" cap="flat" cmpd="sng" algn="ctr">
+                      <a:noFill/>
+                      <a:prstDash val="solid"/>
+                      <a:round/>
+                      <a:headEnd type="none" w="med" len="med"/>
+                      <a:tailEnd type="none" w="med" len="med"/>
+                    </a:lnT>
+                    <a:lnB w="12700" cap="flat" cmpd="sng" algn="ctr">
+                      <a:noFill/>
+                      <a:prstDash val="solid"/>
+                      <a:round/>
+                      <a:headEnd type="none" w="med" len="med"/>
+                      <a:tailEnd type="none" w="med" len="med"/>
+                    </a:lnB>
+                    <a:lnTlToBr w="12700" cmpd="sng">
+                      <a:noFill/>
+                      <a:prstDash val="solid"/>
+                    </a:lnTlToBr>
+                    <a:lnBlToTr w="12700" cmpd="sng">
+                      <a:noFill/>
+                      <a:prstDash val="solid"/>
+                    </a:lnBlToTr>
+                    <a:noFill/>
+                  </a:tcPr>
+                </a:tc>
+              </a:tr>
+              <a:tr h="370840">
+                <a:tc>
+                  <a:txBody>
+                    <a:bodyPr/>
+                    <a:lstStyle/>
+                    <a:p>
+                      <a:pPr marL="0" marR="0" indent="0" algn="ctr" defTabSz="457200" rtl="0" eaLnBrk="1" fontAlgn="auto" latinLnBrk="0" hangingPunct="1">
+                        <a:lnSpc>
+                          <a:spcPct val="100000"/>
+                        </a:lnSpc>
+                        <a:spcBef>
+                          <a:spcPts val="0"/>
+                        </a:spcBef>
+                        <a:spcAft>
+                          <a:spcPts val="0"/>
+                        </a:spcAft>
+                        <a:buClrTx/>
+                        <a:buSzTx/>
+                        <a:buFontTx/>
+                        <a:buNone/>
+                        <a:tabLst/>
+                        <a:defRPr/>
+                      </a:pPr>
+                      <a:endParaRPr lang="fr-FR" sz="1200" dirty="0" smtClean="0">
+                        <a:solidFill>
+                          <a:schemeClr val="tx1"/>
+                        </a:solidFill>
+                        <a:latin typeface="Seravek ExtraLight"/>
+                        <a:cs typeface="Seravek ExtraLight"/>
+                      </a:endParaRPr>
+                    </a:p>
+                  </a:txBody>
+                  <a:tcPr anchor="ctr">
+                    <a:lnL w="12700" cap="flat" cmpd="sng" algn="ctr">
+                      <a:noFill/>
+                      <a:prstDash val="solid"/>
+                      <a:round/>
+                      <a:headEnd type="none" w="med" len="med"/>
+                      <a:tailEnd type="none" w="med" len="med"/>
+                    </a:lnL>
+                    <a:lnR w="12700" cap="flat" cmpd="sng" algn="ctr">
+                      <a:noFill/>
+                      <a:prstDash val="solid"/>
+                      <a:round/>
+                      <a:headEnd type="none" w="med" len="med"/>
+                      <a:tailEnd type="none" w="med" len="med"/>
+                    </a:lnR>
+                    <a:lnT w="12700" cap="flat" cmpd="sng" algn="ctr">
+                      <a:solidFill>
+                        <a:scrgbClr r="0" g="0" b="0"/>
+                      </a:solidFill>
+                      <a:prstDash val="solid"/>
+                      <a:round/>
+                      <a:headEnd type="none" w="med" len="med"/>
+                      <a:tailEnd type="none" w="med" len="med"/>
+                    </a:lnT>
+                    <a:lnB w="12700" cap="flat" cmpd="sng" algn="ctr">
+                      <a:noFill/>
+                      <a:prstDash val="solid"/>
+                      <a:round/>
+                      <a:headEnd type="none" w="med" len="med"/>
+                      <a:tailEnd type="none" w="med" len="med"/>
+                    </a:lnB>
+                    <a:noFill/>
+                  </a:tcPr>
+                </a:tc>
+                <a:tc>
+                  <a:txBody>
+                    <a:bodyPr/>
+                    <a:lstStyle/>
+                    <a:p>
+                      <a:pPr marL="0" marR="0" indent="0" algn="ctr" defTabSz="457200" rtl="0" eaLnBrk="1" fontAlgn="auto" latinLnBrk="0" hangingPunct="1">
+                        <a:lnSpc>
+                          <a:spcPct val="100000"/>
+                        </a:lnSpc>
+                        <a:spcBef>
+                          <a:spcPts val="0"/>
+                        </a:spcBef>
+                        <a:spcAft>
+                          <a:spcPts val="0"/>
+                        </a:spcAft>
+                        <a:buClrTx/>
+                        <a:buSzTx/>
+                        <a:buFontTx/>
+                        <a:buNone/>
+                        <a:tabLst/>
+                        <a:defRPr/>
+                      </a:pPr>
+                      <a:r>
+                        <a:rPr lang="fr-FR" sz="1100" kern="1200" dirty="0" smtClean="0">
+                          <a:solidFill>
+                            <a:schemeClr val="dk1"/>
+                          </a:solidFill>
+                          <a:effectLst/>
+                          <a:latin typeface="Seravek ExtraLight"/>
+                          <a:ea typeface="+mn-ea"/>
+                          <a:cs typeface="Seravek ExtraLight"/>
+                        </a:rPr>
+                        <a:t>AVG(MM1)</a:t>
+                      </a:r>
+                    </a:p>
+                  </a:txBody>
+                  <a:tcPr anchor="ctr">
+                    <a:lnL w="12700" cap="flat" cmpd="sng" algn="ctr">
+                      <a:noFill/>
+                      <a:prstDash val="solid"/>
+                      <a:round/>
+                      <a:headEnd type="none" w="med" len="med"/>
+                      <a:tailEnd type="none" w="med" len="med"/>
+                    </a:lnL>
+                    <a:lnR w="12700" cap="flat" cmpd="sng" algn="ctr">
+                      <a:noFill/>
+                      <a:prstDash val="solid"/>
+                      <a:round/>
+                      <a:headEnd type="none" w="med" len="med"/>
+                      <a:tailEnd type="none" w="med" len="med"/>
+                    </a:lnR>
+                    <a:lnT w="12700" cap="flat" cmpd="sng" algn="ctr">
+                      <a:solidFill>
+                        <a:scrgbClr r="0" g="0" b="0"/>
+                      </a:solidFill>
+                      <a:prstDash val="solid"/>
+                      <a:round/>
+                      <a:headEnd type="none" w="med" len="med"/>
+                      <a:tailEnd type="none" w="med" len="med"/>
+                    </a:lnT>
+                    <a:lnB w="12700" cap="flat" cmpd="sng" algn="ctr">
+                      <a:noFill/>
+                      <a:prstDash val="solid"/>
+                      <a:round/>
+                      <a:headEnd type="none" w="med" len="med"/>
+                      <a:tailEnd type="none" w="med" len="med"/>
+                    </a:lnB>
+                    <a:noFill/>
+                  </a:tcPr>
+                </a:tc>
+                <a:tc>
+                  <a:txBody>
+                    <a:bodyPr/>
+                    <a:lstStyle/>
+                    <a:p>
+                      <a:pPr marL="0" marR="0" indent="0" algn="ctr" defTabSz="457200" rtl="0" eaLnBrk="1" fontAlgn="auto" latinLnBrk="0" hangingPunct="1">
+                        <a:lnSpc>
+                          <a:spcPct val="100000"/>
+                        </a:lnSpc>
+                        <a:spcBef>
+                          <a:spcPts val="0"/>
+                        </a:spcBef>
+                        <a:spcAft>
+                          <a:spcPts val="0"/>
+                        </a:spcAft>
+                        <a:buClrTx/>
+                        <a:buSzTx/>
+                        <a:buFontTx/>
+                        <a:buNone/>
+                        <a:tabLst/>
+                        <a:defRPr/>
+                      </a:pPr>
+                      <a:r>
+                        <a:rPr lang="fr-FR" sz="1100" kern="1200" dirty="0" smtClean="0">
+                          <a:solidFill>
+                            <a:schemeClr val="dk1"/>
+                          </a:solidFill>
+                          <a:effectLst/>
+                          <a:latin typeface="Seravek ExtraLight"/>
+                          <a:ea typeface="+mn-ea"/>
+                          <a:cs typeface="Seravek ExtraLight"/>
+                        </a:rPr>
+                        <a:t>AVG(MM2)</a:t>
+                      </a:r>
+                    </a:p>
+                  </a:txBody>
+                  <a:tcPr anchor="ctr">
+                    <a:lnL w="12700" cap="flat" cmpd="sng" algn="ctr">
+                      <a:noFill/>
+                      <a:prstDash val="solid"/>
+                      <a:round/>
+                      <a:headEnd type="none" w="med" len="med"/>
+                      <a:tailEnd type="none" w="med" len="med"/>
+                    </a:lnL>
+                    <a:lnR w="12700" cap="flat" cmpd="sng" algn="ctr">
+                      <a:noFill/>
+                      <a:prstDash val="solid"/>
+                      <a:round/>
+                      <a:headEnd type="none" w="med" len="med"/>
+                      <a:tailEnd type="none" w="med" len="med"/>
+                    </a:lnR>
+                    <a:lnT w="12700" cap="flat" cmpd="sng" algn="ctr">
+                      <a:solidFill>
+                        <a:scrgbClr r="0" g="0" b="0"/>
+                      </a:solidFill>
+                      <a:prstDash val="solid"/>
+                      <a:round/>
+                      <a:headEnd type="none" w="med" len="med"/>
+                      <a:tailEnd type="none" w="med" len="med"/>
+                    </a:lnT>
+                    <a:lnB w="12700" cap="flat" cmpd="sng" algn="ctr">
+                      <a:noFill/>
+                      <a:prstDash val="solid"/>
+                      <a:round/>
+                      <a:headEnd type="none" w="med" len="med"/>
+                      <a:tailEnd type="none" w="med" len="med"/>
+                    </a:lnB>
+                    <a:noFill/>
+                  </a:tcPr>
+                </a:tc>
+                <a:tc>
+                  <a:txBody>
+                    <a:bodyPr/>
+                    <a:lstStyle/>
+                    <a:p>
+                      <a:pPr marL="0" marR="0" indent="0" algn="ctr" defTabSz="457200" rtl="0" eaLnBrk="1" fontAlgn="auto" latinLnBrk="0" hangingPunct="1">
+                        <a:lnSpc>
+                          <a:spcPct val="100000"/>
+                        </a:lnSpc>
+                        <a:spcBef>
+                          <a:spcPts val="0"/>
+                        </a:spcBef>
+                        <a:spcAft>
+                          <a:spcPts val="0"/>
+                        </a:spcAft>
+                        <a:buClrTx/>
+                        <a:buSzTx/>
+                        <a:buFontTx/>
+                        <a:buNone/>
+                        <a:tabLst/>
+                        <a:defRPr/>
+                      </a:pPr>
+                      <a:r>
+                        <a:rPr lang="fr-FR" sz="1100" kern="1200" dirty="0" smtClean="0">
+                          <a:solidFill>
+                            <a:schemeClr val="dk1"/>
+                          </a:solidFill>
+                          <a:effectLst/>
+                          <a:latin typeface="Seravek ExtraLight"/>
+                          <a:ea typeface="+mn-ea"/>
+                          <a:cs typeface="Seravek ExtraLight"/>
+                        </a:rPr>
+                        <a:t>AVG(MM3)</a:t>
+                      </a:r>
+                    </a:p>
+                  </a:txBody>
+                  <a:tcPr anchor="ctr">
+                    <a:lnL w="12700" cap="flat" cmpd="sng" algn="ctr">
+                      <a:noFill/>
+                      <a:prstDash val="solid"/>
+                      <a:round/>
+                      <a:headEnd type="none" w="med" len="med"/>
+                      <a:tailEnd type="none" w="med" len="med"/>
+                    </a:lnL>
+                    <a:lnR w="12700" cap="flat" cmpd="sng" algn="ctr">
+                      <a:noFill/>
+                      <a:prstDash val="solid"/>
+                      <a:round/>
+                      <a:headEnd type="none" w="med" len="med"/>
+                      <a:tailEnd type="none" w="med" len="med"/>
+                    </a:lnR>
+                    <a:lnT w="12700" cap="flat" cmpd="sng" algn="ctr">
+                      <a:solidFill>
+                        <a:scrgbClr r="0" g="0" b="0"/>
+                      </a:solidFill>
+                      <a:prstDash val="solid"/>
+                      <a:round/>
+                      <a:headEnd type="none" w="med" len="med"/>
+                      <a:tailEnd type="none" w="med" len="med"/>
+                    </a:lnT>
+                    <a:lnB w="12700" cap="flat" cmpd="sng" algn="ctr">
+                      <a:noFill/>
+                      <a:prstDash val="solid"/>
+                      <a:round/>
+                      <a:headEnd type="none" w="med" len="med"/>
+                      <a:tailEnd type="none" w="med" len="med"/>
+                    </a:lnB>
+                    <a:noFill/>
+                  </a:tcPr>
+                </a:tc>
+                <a:tc>
+                  <a:txBody>
+                    <a:bodyPr/>
+                    <a:lstStyle/>
+                    <a:p>
+                      <a:pPr marL="0" marR="0" indent="0" algn="ctr" defTabSz="457200" rtl="0" eaLnBrk="1" fontAlgn="auto" latinLnBrk="0" hangingPunct="1">
+                        <a:lnSpc>
+                          <a:spcPct val="100000"/>
+                        </a:lnSpc>
+                        <a:spcBef>
+                          <a:spcPts val="0"/>
+                        </a:spcBef>
+                        <a:spcAft>
+                          <a:spcPts val="0"/>
+                        </a:spcAft>
+                        <a:buClrTx/>
+                        <a:buSzTx/>
+                        <a:buFontTx/>
+                        <a:buNone/>
+                        <a:tabLst/>
+                        <a:defRPr/>
+                      </a:pPr>
+                      <a:r>
+                        <a:rPr lang="fr-FR" sz="1100" b="1" kern="1200" dirty="0" smtClean="0">
+                          <a:solidFill>
+                            <a:schemeClr val="dk1"/>
+                          </a:solidFill>
+                          <a:effectLst/>
+                          <a:latin typeface="Seravek ExtraLight"/>
+                          <a:ea typeface="+mn-ea"/>
+                          <a:cs typeface="Seravek ExtraLight"/>
+                        </a:rPr>
+                        <a:t>AVG(MM)</a:t>
+                      </a:r>
+                    </a:p>
+                  </a:txBody>
+                  <a:tcPr anchor="ctr">
+                    <a:lnL w="12700" cap="flat" cmpd="sng" algn="ctr">
+                      <a:noFill/>
+                      <a:prstDash val="solid"/>
+                      <a:round/>
+                      <a:headEnd type="none" w="med" len="med"/>
+                      <a:tailEnd type="none" w="med" len="med"/>
+                    </a:lnL>
+                    <a:lnR w="12700" cap="flat" cmpd="sng" algn="ctr">
+                      <a:noFill/>
+                      <a:prstDash val="solid"/>
+                      <a:round/>
+                      <a:headEnd type="none" w="med" len="med"/>
+                      <a:tailEnd type="none" w="med" len="med"/>
+                    </a:lnR>
+                    <a:lnT w="12700" cap="flat" cmpd="sng" algn="ctr">
+                      <a:noFill/>
+                      <a:prstDash val="solid"/>
+                      <a:round/>
+                      <a:headEnd type="none" w="med" len="med"/>
+                      <a:tailEnd type="none" w="med" len="med"/>
+                    </a:lnT>
+                    <a:lnB w="12700" cap="flat" cmpd="sng" algn="ctr">
+                      <a:noFill/>
+                      <a:prstDash val="solid"/>
+                      <a:round/>
+                      <a:headEnd type="none" w="med" len="med"/>
+                      <a:tailEnd type="none" w="med" len="med"/>
+                    </a:lnB>
+                    <a:lnTlToBr w="12700" cmpd="sng">
+                      <a:noFill/>
+                      <a:prstDash val="solid"/>
+                    </a:lnTlToBr>
+                    <a:lnBlToTr w="12700" cmpd="sng">
+                      <a:noFill/>
+                      <a:prstDash val="solid"/>
+                    </a:lnBlToTr>
+                    <a:noFill/>
+                  </a:tcPr>
+                </a:tc>
+              </a:tr>
+            </a:tbl>
+          </a:graphicData>
+        </a:graphic>
+      </p:graphicFrame>
+      <p:cxnSp>
+        <p:nvCxnSpPr>
+          <p:cNvPr id="8" name="Connecteur droit avec flèche 7"/>
+          <p:cNvCxnSpPr/>
+          <p:nvPr/>
+        </p:nvCxnSpPr>
+        <p:spPr>
+          <a:xfrm>
+            <a:off x="3189111" y="3251200"/>
+            <a:ext cx="2892778" cy="0"/>
+          </a:xfrm>
+          <a:prstGeom prst="straightConnector1">
+            <a:avLst/>
+          </a:prstGeom>
+          <a:ln w="3175" cmpd="sng">
+            <a:solidFill>
+              <a:schemeClr val="tx1"/>
+            </a:solidFill>
+            <a:tailEnd type="stealth" w="lg" len="lg"/>
+          </a:ln>
+          <a:effectLst/>
+        </p:spPr>
+        <p:style>
+          <a:lnRef idx="2">
+            <a:schemeClr val="accent1"/>
+          </a:lnRef>
+          <a:fillRef idx="0">
+            <a:schemeClr val="accent1"/>
+          </a:fillRef>
+          <a:effectRef idx="1">
+            <a:schemeClr val="accent1"/>
+          </a:effectRef>
+          <a:fontRef idx="minor">
+            <a:schemeClr val="tx1"/>
+          </a:fontRef>
+        </p:style>
+      </p:cxnSp>
+      <p:sp>
+        <p:nvSpPr>
+          <p:cNvPr id="12" name="Ellipse 11"/>
+          <p:cNvSpPr/>
+          <p:nvPr/>
+        </p:nvSpPr>
+        <p:spPr>
+          <a:xfrm>
+            <a:off x="3183416" y="3230986"/>
+            <a:ext cx="36000" cy="36000"/>
+          </a:xfrm>
+          <a:prstGeom prst="ellipse">
+            <a:avLst/>
+          </a:prstGeom>
+          <a:solidFill>
+            <a:schemeClr val="tx1"/>
+          </a:solidFill>
+          <a:ln>
+            <a:solidFill>
+              <a:srgbClr val="000000"/>
+            </a:solidFill>
+          </a:ln>
+          <a:effectLst/>
+        </p:spPr>
+        <p:style>
+          <a:lnRef idx="1">
+            <a:schemeClr val="accent1"/>
+          </a:lnRef>
+          <a:fillRef idx="3">
+            <a:schemeClr val="accent1"/>
+          </a:fillRef>
+          <a:effectRef idx="2">
+            <a:schemeClr val="accent1"/>
+          </a:effectRef>
+          <a:fontRef idx="minor">
+            <a:schemeClr val="lt1"/>
+          </a:fontRef>
+        </p:style>
+        <p:txBody>
+          <a:bodyPr rtlCol="0" anchor="ctr"/>
+          <a:lstStyle/>
+          <a:p>
+            <a:pPr algn="ctr"/>
+            <a:endParaRPr lang="fr-FR"/>
+          </a:p>
+        </p:txBody>
+      </p:sp>
+      <p:sp>
+        <p:nvSpPr>
+          <p:cNvPr id="13" name="Ellipse 12"/>
+          <p:cNvSpPr/>
+          <p:nvPr/>
+        </p:nvSpPr>
+        <p:spPr>
+          <a:xfrm>
+            <a:off x="4294666" y="3230986"/>
+            <a:ext cx="36000" cy="36000"/>
+          </a:xfrm>
+          <a:prstGeom prst="ellipse">
+            <a:avLst/>
+          </a:prstGeom>
+          <a:solidFill>
+            <a:schemeClr val="tx1"/>
+          </a:solidFill>
+          <a:ln>
+            <a:solidFill>
+              <a:srgbClr val="000000"/>
+            </a:solidFill>
+          </a:ln>
+          <a:effectLst/>
+        </p:spPr>
+        <p:style>
+          <a:lnRef idx="1">
+            <a:schemeClr val="accent1"/>
+          </a:lnRef>
+          <a:fillRef idx="3">
+            <a:schemeClr val="accent1"/>
+          </a:fillRef>
+          <a:effectRef idx="2">
+            <a:schemeClr val="accent1"/>
+          </a:effectRef>
+          <a:fontRef idx="minor">
+            <a:schemeClr val="lt1"/>
+          </a:fontRef>
+        </p:style>
+        <p:txBody>
+          <a:bodyPr rtlCol="0" anchor="ctr"/>
+          <a:lstStyle/>
+          <a:p>
+            <a:pPr algn="ctr"/>
+            <a:endParaRPr lang="fr-FR"/>
+          </a:p>
+        </p:txBody>
+      </p:sp>
+      <p:sp>
+        <p:nvSpPr>
+          <p:cNvPr id="14" name="Ellipse 13"/>
+          <p:cNvSpPr/>
+          <p:nvPr/>
+        </p:nvSpPr>
+        <p:spPr>
+          <a:xfrm>
+            <a:off x="5383691" y="3230986"/>
+            <a:ext cx="36000" cy="36000"/>
+          </a:xfrm>
+          <a:prstGeom prst="ellipse">
+            <a:avLst/>
+          </a:prstGeom>
+          <a:solidFill>
+            <a:schemeClr val="tx1"/>
+          </a:solidFill>
+          <a:ln>
+            <a:solidFill>
+              <a:srgbClr val="000000"/>
+            </a:solidFill>
+          </a:ln>
+          <a:effectLst/>
+        </p:spPr>
+        <p:style>
+          <a:lnRef idx="1">
+            <a:schemeClr val="accent1"/>
+          </a:lnRef>
+          <a:fillRef idx="3">
+            <a:schemeClr val="accent1"/>
+          </a:fillRef>
+          <a:effectRef idx="2">
+            <a:schemeClr val="accent1"/>
+          </a:effectRef>
+          <a:fontRef idx="minor">
+            <a:schemeClr val="lt1"/>
+          </a:fontRef>
+        </p:style>
+        <p:txBody>
+          <a:bodyPr rtlCol="0" anchor="ctr"/>
+          <a:lstStyle/>
+          <a:p>
+            <a:pPr algn="ctr"/>
+            <a:endParaRPr lang="fr-FR"/>
+          </a:p>
+        </p:txBody>
+      </p:sp>
+    </p:spTree>
+    <p:extLst>
+      <p:ext uri="{BB962C8B-B14F-4D97-AF65-F5344CB8AC3E}">
+        <p14:creationId xmlns:p14="http://schemas.microsoft.com/office/powerpoint/2010/main" val="2933998130"/>
       </p:ext>
     </p:extLst>
   </p:cSld>

--- a/papers/2016-ICSR-ModulesExtraction/images/domains.pptx
+++ b/papers/2016-ICSR-ModulesExtraction/images/domains.pptx
@@ -199,7 +199,7 @@
           <a:p>
             <a:fld id="{24AFE135-3210-A348-91D1-71A1B4E41AE3}" type="datetimeFigureOut">
               <a:rPr lang="fr-FR" smtClean="0"/>
-              <a:t>01/12/2015</a:t>
+              <a:t>04/12/2015</a:t>
             </a:fld>
             <a:endParaRPr lang="fr-FR"/>
           </a:p>
@@ -984,7 +984,7 @@
           <a:p>
             <a:fld id="{7B69463B-0436-3A47-840E-B5853DA20947}" type="datetimeFigureOut">
               <a:rPr lang="fr-FR" smtClean="0"/>
-              <a:t>01/12/2015</a:t>
+              <a:t>04/12/2015</a:t>
             </a:fld>
             <a:endParaRPr lang="fr-FR"/>
           </a:p>
@@ -1154,7 +1154,7 @@
           <a:p>
             <a:fld id="{7B69463B-0436-3A47-840E-B5853DA20947}" type="datetimeFigureOut">
               <a:rPr lang="fr-FR" smtClean="0"/>
-              <a:t>01/12/2015</a:t>
+              <a:t>04/12/2015</a:t>
             </a:fld>
             <a:endParaRPr lang="fr-FR"/>
           </a:p>
@@ -1334,7 +1334,7 @@
           <a:p>
             <a:fld id="{7B69463B-0436-3A47-840E-B5853DA20947}" type="datetimeFigureOut">
               <a:rPr lang="fr-FR" smtClean="0"/>
-              <a:t>01/12/2015</a:t>
+              <a:t>04/12/2015</a:t>
             </a:fld>
             <a:endParaRPr lang="fr-FR"/>
           </a:p>
@@ -1504,7 +1504,7 @@
           <a:p>
             <a:fld id="{7B69463B-0436-3A47-840E-B5853DA20947}" type="datetimeFigureOut">
               <a:rPr lang="fr-FR" smtClean="0"/>
-              <a:t>01/12/2015</a:t>
+              <a:t>04/12/2015</a:t>
             </a:fld>
             <a:endParaRPr lang="fr-FR"/>
           </a:p>
@@ -1750,7 +1750,7 @@
           <a:p>
             <a:fld id="{7B69463B-0436-3A47-840E-B5853DA20947}" type="datetimeFigureOut">
               <a:rPr lang="fr-FR" smtClean="0"/>
-              <a:t>01/12/2015</a:t>
+              <a:t>04/12/2015</a:t>
             </a:fld>
             <a:endParaRPr lang="fr-FR"/>
           </a:p>
@@ -2038,7 +2038,7 @@
           <a:p>
             <a:fld id="{7B69463B-0436-3A47-840E-B5853DA20947}" type="datetimeFigureOut">
               <a:rPr lang="fr-FR" smtClean="0"/>
-              <a:t>01/12/2015</a:t>
+              <a:t>04/12/2015</a:t>
             </a:fld>
             <a:endParaRPr lang="fr-FR"/>
           </a:p>
@@ -2460,7 +2460,7 @@
           <a:p>
             <a:fld id="{7B69463B-0436-3A47-840E-B5853DA20947}" type="datetimeFigureOut">
               <a:rPr lang="fr-FR" smtClean="0"/>
-              <a:t>01/12/2015</a:t>
+              <a:t>04/12/2015</a:t>
             </a:fld>
             <a:endParaRPr lang="fr-FR"/>
           </a:p>
@@ -2578,7 +2578,7 @@
           <a:p>
             <a:fld id="{7B69463B-0436-3A47-840E-B5853DA20947}" type="datetimeFigureOut">
               <a:rPr lang="fr-FR" smtClean="0"/>
-              <a:t>01/12/2015</a:t>
+              <a:t>04/12/2015</a:t>
             </a:fld>
             <a:endParaRPr lang="fr-FR"/>
           </a:p>
@@ -2673,7 +2673,7 @@
           <a:p>
             <a:fld id="{7B69463B-0436-3A47-840E-B5853DA20947}" type="datetimeFigureOut">
               <a:rPr lang="fr-FR" smtClean="0"/>
-              <a:t>01/12/2015</a:t>
+              <a:t>04/12/2015</a:t>
             </a:fld>
             <a:endParaRPr lang="fr-FR"/>
           </a:p>
@@ -2950,7 +2950,7 @@
           <a:p>
             <a:fld id="{7B69463B-0436-3A47-840E-B5853DA20947}" type="datetimeFigureOut">
               <a:rPr lang="fr-FR" smtClean="0"/>
-              <a:t>01/12/2015</a:t>
+              <a:t>04/12/2015</a:t>
             </a:fld>
             <a:endParaRPr lang="fr-FR"/>
           </a:p>
@@ -3203,7 +3203,7 @@
           <a:p>
             <a:fld id="{7B69463B-0436-3A47-840E-B5853DA20947}" type="datetimeFigureOut">
               <a:rPr lang="fr-FR" smtClean="0"/>
-              <a:t>01/12/2015</a:t>
+              <a:t>04/12/2015</a:t>
             </a:fld>
             <a:endParaRPr lang="fr-FR"/>
           </a:p>
@@ -3416,7 +3416,7 @@
           <a:p>
             <a:fld id="{7B69463B-0436-3A47-840E-B5853DA20947}" type="datetimeFigureOut">
               <a:rPr lang="fr-FR" smtClean="0"/>
-              <a:t>01/12/2015</a:t>
+              <a:t>04/12/2015</a:t>
             </a:fld>
             <a:endParaRPr lang="fr-FR"/>
           </a:p>
@@ -4159,14 +4159,7 @@
                 <a:latin typeface="Seravek ExtraLight"/>
                 <a:cs typeface="Seravek ExtraLight"/>
               </a:rPr>
-              <a:t>Syntactic </a:t>
-            </a:r>
-            <a:r>
-              <a:rPr lang="en-US" sz="1400" b="1" dirty="0" smtClean="0">
-                <a:latin typeface="Seravek ExtraLight"/>
-                <a:cs typeface="Seravek ExtraLight"/>
-              </a:rPr>
-              <a:t>overlapping</a:t>
+              <a:t>Syntactic overlapping</a:t>
             </a:r>
             <a:endParaRPr lang="en-US" sz="1400" b="1" dirty="0">
               <a:latin typeface="Seravek ExtraLight"/>
@@ -4203,14 +4196,7 @@
                 <a:latin typeface="Seravek ExtraLight"/>
                 <a:cs typeface="Seravek ExtraLight"/>
               </a:rPr>
-              <a:t>Semantic </a:t>
-            </a:r>
-            <a:r>
-              <a:rPr lang="en-US" sz="1400" b="1" dirty="0" smtClean="0">
-                <a:latin typeface="Seravek ExtraLight"/>
-                <a:cs typeface="Seravek ExtraLight"/>
-              </a:rPr>
-              <a:t>overlapping</a:t>
+              <a:t>Semantic overlapping</a:t>
             </a:r>
             <a:endParaRPr lang="en-US" sz="1400" b="1" dirty="0">
               <a:latin typeface="Seravek ExtraLight"/>
@@ -32480,150 +32466,6 @@
       </p:cxnSp>
       <p:sp>
         <p:nvSpPr>
-          <p:cNvPr id="167" name="Ellipse 166"/>
-          <p:cNvSpPr/>
-          <p:nvPr/>
-        </p:nvSpPr>
-        <p:spPr>
-          <a:xfrm>
-            <a:off x="3201685" y="1575807"/>
-            <a:ext cx="1080000" cy="1080000"/>
-          </a:xfrm>
-          <a:prstGeom prst="ellipse">
-            <a:avLst/>
-          </a:prstGeom>
-          <a:solidFill>
-            <a:schemeClr val="accent6">
-              <a:lumMod val="75000"/>
-              <a:alpha val="10000"/>
-            </a:schemeClr>
-          </a:solidFill>
-          <a:ln>
-            <a:noFill/>
-          </a:ln>
-          <a:effectLst/>
-        </p:spPr>
-        <p:style>
-          <a:lnRef idx="1">
-            <a:schemeClr val="dk1"/>
-          </a:lnRef>
-          <a:fillRef idx="2">
-            <a:schemeClr val="dk1"/>
-          </a:fillRef>
-          <a:effectRef idx="1">
-            <a:schemeClr val="dk1"/>
-          </a:effectRef>
-          <a:fontRef idx="minor">
-            <a:schemeClr val="dk1"/>
-          </a:fontRef>
-        </p:style>
-        <p:txBody>
-          <a:bodyPr rtlCol="0" anchor="ctr"/>
-          <a:lstStyle/>
-          <a:p>
-            <a:pPr algn="ctr"/>
-            <a:endParaRPr lang="fr-FR"/>
-          </a:p>
-        </p:txBody>
-      </p:sp>
-      <p:sp>
-        <p:nvSpPr>
-          <p:cNvPr id="168" name="Ellipse 167"/>
-          <p:cNvSpPr/>
-          <p:nvPr/>
-        </p:nvSpPr>
-        <p:spPr>
-          <a:xfrm>
-            <a:off x="2482544" y="1571132"/>
-            <a:ext cx="1080000" cy="1080000"/>
-          </a:xfrm>
-          <a:prstGeom prst="ellipse">
-            <a:avLst/>
-          </a:prstGeom>
-          <a:solidFill>
-            <a:schemeClr val="accent3">
-              <a:lumMod val="50000"/>
-              <a:alpha val="10000"/>
-            </a:schemeClr>
-          </a:solidFill>
-          <a:ln>
-            <a:noFill/>
-          </a:ln>
-          <a:effectLst/>
-        </p:spPr>
-        <p:style>
-          <a:lnRef idx="1">
-            <a:schemeClr val="dk1"/>
-          </a:lnRef>
-          <a:fillRef idx="2">
-            <a:schemeClr val="dk1"/>
-          </a:fillRef>
-          <a:effectRef idx="1">
-            <a:schemeClr val="dk1"/>
-          </a:effectRef>
-          <a:fontRef idx="minor">
-            <a:schemeClr val="dk1"/>
-          </a:fontRef>
-        </p:style>
-        <p:txBody>
-          <a:bodyPr rtlCol="0" anchor="ctr"/>
-          <a:lstStyle/>
-          <a:p>
-            <a:pPr algn="ctr"/>
-            <a:endParaRPr lang="fr-FR"/>
-          </a:p>
-        </p:txBody>
-      </p:sp>
-      <p:sp>
-        <p:nvSpPr>
-          <p:cNvPr id="169" name="Ellipse 168"/>
-          <p:cNvSpPr/>
-          <p:nvPr/>
-        </p:nvSpPr>
-        <p:spPr>
-          <a:xfrm>
-            <a:off x="2805814" y="2040313"/>
-            <a:ext cx="1080000" cy="1080000"/>
-          </a:xfrm>
-          <a:prstGeom prst="ellipse">
-            <a:avLst/>
-          </a:prstGeom>
-          <a:solidFill>
-            <a:schemeClr val="accent1">
-              <a:lumMod val="75000"/>
-              <a:alpha val="10000"/>
-            </a:schemeClr>
-          </a:solidFill>
-          <a:ln>
-            <a:noFill/>
-          </a:ln>
-          <a:effectLst/>
-        </p:spPr>
-        <p:style>
-          <a:lnRef idx="1">
-            <a:schemeClr val="dk1"/>
-          </a:lnRef>
-          <a:fillRef idx="2">
-            <a:schemeClr val="dk1"/>
-          </a:fillRef>
-          <a:effectRef idx="1">
-            <a:schemeClr val="dk1"/>
-          </a:effectRef>
-          <a:fontRef idx="minor">
-            <a:schemeClr val="dk1"/>
-          </a:fontRef>
-        </p:style>
-        <p:txBody>
-          <a:bodyPr rtlCol="0" anchor="ctr"/>
-          <a:lstStyle/>
-          <a:p>
-            <a:pPr algn="ctr"/>
-            <a:endParaRPr lang="fr-FR"/>
-          </a:p>
-        </p:txBody>
-      </p:sp>
-      <p:sp>
-        <p:nvSpPr>
           <p:cNvPr id="170" name="Ellipse 169"/>
           <p:cNvSpPr/>
           <p:nvPr/>
@@ -44188,6 +44030,150 @@
           </a:effectRef>
           <a:fontRef idx="minor">
             <a:schemeClr val="tx1"/>
+          </a:fontRef>
+        </p:style>
+        <p:txBody>
+          <a:bodyPr rtlCol="0" anchor="ctr"/>
+          <a:lstStyle/>
+          <a:p>
+            <a:pPr algn="ctr"/>
+            <a:endParaRPr lang="fr-FR"/>
+          </a:p>
+        </p:txBody>
+      </p:sp>
+      <p:sp>
+        <p:nvSpPr>
+          <p:cNvPr id="167" name="Ellipse 166"/>
+          <p:cNvSpPr/>
+          <p:nvPr/>
+        </p:nvSpPr>
+        <p:spPr>
+          <a:xfrm>
+            <a:off x="3201685" y="1575807"/>
+            <a:ext cx="1080000" cy="1080000"/>
+          </a:xfrm>
+          <a:prstGeom prst="ellipse">
+            <a:avLst/>
+          </a:prstGeom>
+          <a:solidFill>
+            <a:schemeClr val="accent6">
+              <a:lumMod val="75000"/>
+              <a:alpha val="10000"/>
+            </a:schemeClr>
+          </a:solidFill>
+          <a:ln>
+            <a:noFill/>
+          </a:ln>
+          <a:effectLst/>
+        </p:spPr>
+        <p:style>
+          <a:lnRef idx="1">
+            <a:schemeClr val="dk1"/>
+          </a:lnRef>
+          <a:fillRef idx="2">
+            <a:schemeClr val="dk1"/>
+          </a:fillRef>
+          <a:effectRef idx="1">
+            <a:schemeClr val="dk1"/>
+          </a:effectRef>
+          <a:fontRef idx="minor">
+            <a:schemeClr val="dk1"/>
+          </a:fontRef>
+        </p:style>
+        <p:txBody>
+          <a:bodyPr rtlCol="0" anchor="ctr"/>
+          <a:lstStyle/>
+          <a:p>
+            <a:pPr algn="ctr"/>
+            <a:endParaRPr lang="fr-FR"/>
+          </a:p>
+        </p:txBody>
+      </p:sp>
+      <p:sp>
+        <p:nvSpPr>
+          <p:cNvPr id="168" name="Ellipse 167"/>
+          <p:cNvSpPr/>
+          <p:nvPr/>
+        </p:nvSpPr>
+        <p:spPr>
+          <a:xfrm>
+            <a:off x="2482544" y="1571132"/>
+            <a:ext cx="1080000" cy="1080000"/>
+          </a:xfrm>
+          <a:prstGeom prst="ellipse">
+            <a:avLst/>
+          </a:prstGeom>
+          <a:solidFill>
+            <a:schemeClr val="accent3">
+              <a:lumMod val="50000"/>
+              <a:alpha val="10000"/>
+            </a:schemeClr>
+          </a:solidFill>
+          <a:ln>
+            <a:noFill/>
+          </a:ln>
+          <a:effectLst/>
+        </p:spPr>
+        <p:style>
+          <a:lnRef idx="1">
+            <a:schemeClr val="dk1"/>
+          </a:lnRef>
+          <a:fillRef idx="2">
+            <a:schemeClr val="dk1"/>
+          </a:fillRef>
+          <a:effectRef idx="1">
+            <a:schemeClr val="dk1"/>
+          </a:effectRef>
+          <a:fontRef idx="minor">
+            <a:schemeClr val="dk1"/>
+          </a:fontRef>
+        </p:style>
+        <p:txBody>
+          <a:bodyPr rtlCol="0" anchor="ctr"/>
+          <a:lstStyle/>
+          <a:p>
+            <a:pPr algn="ctr"/>
+            <a:endParaRPr lang="fr-FR"/>
+          </a:p>
+        </p:txBody>
+      </p:sp>
+      <p:sp>
+        <p:nvSpPr>
+          <p:cNvPr id="169" name="Ellipse 168"/>
+          <p:cNvSpPr/>
+          <p:nvPr/>
+        </p:nvSpPr>
+        <p:spPr>
+          <a:xfrm>
+            <a:off x="2805814" y="2040313"/>
+            <a:ext cx="1080000" cy="1080000"/>
+          </a:xfrm>
+          <a:prstGeom prst="ellipse">
+            <a:avLst/>
+          </a:prstGeom>
+          <a:solidFill>
+            <a:schemeClr val="accent1">
+              <a:lumMod val="75000"/>
+              <a:alpha val="10000"/>
+            </a:schemeClr>
+          </a:solidFill>
+          <a:ln>
+            <a:noFill/>
+          </a:ln>
+          <a:effectLst/>
+        </p:spPr>
+        <p:style>
+          <a:lnRef idx="1">
+            <a:schemeClr val="dk1"/>
+          </a:lnRef>
+          <a:fillRef idx="2">
+            <a:schemeClr val="dk1"/>
+          </a:fillRef>
+          <a:effectRef idx="1">
+            <a:schemeClr val="dk1"/>
+          </a:effectRef>
+          <a:fontRef idx="minor">
+            <a:schemeClr val="dk1"/>
           </a:fontRef>
         </p:style>
         <p:txBody>
@@ -46941,14 +46927,7 @@
                 <a:latin typeface="Seravek ExtraLight"/>
                 <a:cs typeface="Seravek ExtraLight"/>
               </a:rPr>
-              <a:t>Syntactic </a:t>
-            </a:r>
-            <a:r>
-              <a:rPr lang="en-US" sz="1400" b="1" dirty="0" smtClean="0">
-                <a:latin typeface="Seravek ExtraLight"/>
-                <a:cs typeface="Seravek ExtraLight"/>
-              </a:rPr>
-              <a:t>overlapping</a:t>
+              <a:t>Syntactic overlapping</a:t>
             </a:r>
           </a:p>
           <a:p>
